--- a/Assets/Class/Photon Server/PPT Data/Photon Voice.pptx
+++ b/Assets/Class/Photon Server/PPT Data/Photon Voice.pptx
@@ -2,18 +2,19 @@
 <file path=ppt/presentation.xml><?xml version="1.0" encoding="utf-8"?>
 <p:presentation xmlns:a="http://schemas.openxmlformats.org/drawingml/2006/main" xmlns:r="http://schemas.openxmlformats.org/officeDocument/2006/relationships" xmlns:p="http://schemas.openxmlformats.org/presentationml/2006/main" xmlns:p14="http://schemas.microsoft.com/office/powerpoint/2010/main" saveSubsetFonts="1" firstSlideNum="0">
   <p:sldMasterIdLst>
-    <p:sldMasterId id="2147486732" r:id="rId12"/>
+    <p:sldMasterId id="2147486738" r:id="rId12"/>
   </p:sldMasterIdLst>
   <p:notesMasterIdLst>
     <p:notesMasterId r:id="rId14"/>
   </p:notesMasterIdLst>
   <p:sldIdLst>
     <p:sldId id="315" r:id="rId16"/>
-    <p:sldId id="307" r:id="rId17"/>
-    <p:sldId id="308" r:id="rId18"/>
-    <p:sldId id="313" r:id="rId19"/>
-    <p:sldId id="314" r:id="rId20"/>
-    <p:sldId id="316" r:id="rId21"/>
+    <p:sldId id="317" r:id="rId17"/>
+    <p:sldId id="307" r:id="rId18"/>
+    <p:sldId id="308" r:id="rId19"/>
+    <p:sldId id="313" r:id="rId20"/>
+    <p:sldId id="314" r:id="rId21"/>
+    <p:sldId id="316" r:id="rId22"/>
   </p:sldIdLst>
   <p:sldSz cx="12192000" cy="6858000"/>
   <p:notesSz cx="6858000" cy="9144000"/>
@@ -644,7 +645,7 @@
         <p:spPr>
           <a:xfrm rot="0">
             <a:off x="685800" y="1143000"/>
-            <a:ext cx="5491480" cy="3091180"/>
+            <a:ext cx="5493385" cy="3093085"/>
           </a:xfrm>
           <a:prstGeom prst="rect"/>
           <a:noFill/>
@@ -683,7 +684,7 @@
         <p:spPr>
           <a:xfrm rot="0">
             <a:off x="685800" y="4400550"/>
-            <a:ext cx="5491480" cy="3605530"/>
+            <a:ext cx="5493385" cy="3607435"/>
           </a:xfrm>
           <a:prstGeom prst="rect"/>
         </p:spPr>
@@ -713,7 +714,7 @@
         <p:spPr>
           <a:xfrm rot="0">
             <a:off x="3884930" y="8685530"/>
-            <a:ext cx="2976880" cy="463550"/>
+            <a:ext cx="2978785" cy="465455"/>
           </a:xfrm>
           <a:prstGeom prst="rect"/>
         </p:spPr>
@@ -928,7 +929,7 @@
         <p:spPr>
           <a:xfrm rot="0">
             <a:off x="685800" y="1143000"/>
-            <a:ext cx="5492115" cy="3091815"/>
+            <a:ext cx="5491480" cy="3091180"/>
           </a:xfrm>
           <a:prstGeom prst="rect"/>
           <a:noFill/>
@@ -967,7 +968,7 @@
         <p:spPr>
           <a:xfrm rot="0">
             <a:off x="685800" y="4400550"/>
-            <a:ext cx="5492115" cy="3606165"/>
+            <a:ext cx="5491480" cy="3605530"/>
           </a:xfrm>
           <a:prstGeom prst="rect"/>
         </p:spPr>
@@ -997,7 +998,7 @@
         <p:spPr>
           <a:xfrm rot="0">
             <a:off x="3884930" y="8685530"/>
-            <a:ext cx="2977515" cy="464185"/>
+            <a:ext cx="2976880" cy="463550"/>
           </a:xfrm>
           <a:prstGeom prst="rect"/>
         </p:spPr>
@@ -1070,7 +1071,7 @@
         <p:spPr>
           <a:xfrm rot="0">
             <a:off x="685800" y="1143000"/>
-            <a:ext cx="5492750" cy="3092450"/>
+            <a:ext cx="5492115" cy="3091815"/>
           </a:xfrm>
           <a:prstGeom prst="rect"/>
           <a:noFill/>
@@ -1109,7 +1110,7 @@
         <p:spPr>
           <a:xfrm rot="0">
             <a:off x="685800" y="4400550"/>
-            <a:ext cx="5492750" cy="3606800"/>
+            <a:ext cx="5492115" cy="3606165"/>
           </a:xfrm>
           <a:prstGeom prst="rect"/>
         </p:spPr>
@@ -1139,7 +1140,7 @@
         <p:spPr>
           <a:xfrm rot="0">
             <a:off x="3884930" y="8685530"/>
-            <a:ext cx="2978150" cy="464820"/>
+            <a:ext cx="2977515" cy="464185"/>
           </a:xfrm>
           <a:prstGeom prst="rect"/>
         </p:spPr>
@@ -1183,6 +1184,148 @@
 </file>
 
 <file path=ppt/notesSlides/notesSlide6.xml><?xml version="1.0" encoding="utf-8"?>
+<p:notes xmlns:a="http://schemas.openxmlformats.org/drawingml/2006/main" xmlns:r="http://schemas.openxmlformats.org/officeDocument/2006/relationships" xmlns:p="http://schemas.openxmlformats.org/presentationml/2006/main">
+  <p:cSld>
+    <p:spTree>
+      <p:nvGrpSpPr>
+        <p:cNvPr id="1" name=""/>
+        <p:cNvGrpSpPr/>
+        <p:nvPr/>
+      </p:nvGrpSpPr>
+      <p:grpSpPr>
+        <a:xfrm>
+          <a:off x="0" y="0"/>
+          <a:ext cx="0" cy="0"/>
+          <a:chOff x="0" y="0"/>
+          <a:chExt cx="0" cy="0"/>
+        </a:xfrm>
+      </p:grpSpPr>
+      <p:sp>
+        <p:nvSpPr>
+          <p:cNvPr id="2" name="슬라이드 이미지 개체 틀 3"/>
+          <p:cNvSpPr>
+            <a:spLocks noChangeAspect="1"/>
+          </p:cNvSpPr>
+          <p:nvPr>
+            <p:ph type="sldImg" idx="2"/>
+          </p:nvPr>
+        </p:nvSpPr>
+        <p:spPr>
+          <a:xfrm rot="0">
+            <a:off x="685800" y="1143000"/>
+            <a:ext cx="5492750" cy="3092450"/>
+          </a:xfrm>
+          <a:prstGeom prst="rect"/>
+          <a:noFill/>
+          <a:ln w="12700" cap="flat" cmpd="sng">
+            <a:solidFill>
+              <a:srgbClr val="000000">
+                <a:alpha val="100000"/>
+              </a:srgbClr>
+            </a:solidFill>
+            <a:prstDash val="solid"/>
+          </a:ln>
+        </p:spPr>
+        <p:txBody>
+          <a:bodyPr wrap="square" lIns="91440" tIns="45720" rIns="91440" bIns="45720" numCol="1" vert="horz" anchor="ctr">
+            <a:noAutofit/>
+          </a:bodyPr>
+          <a:lstStyle/>
+          <a:p>
+            <a:pPr marL="0" indent="0" latinLnBrk="0">
+              <a:buFontTx/>
+              <a:buNone/>
+            </a:pPr>
+          </a:p>
+        </p:txBody>
+      </p:sp>
+      <p:sp>
+        <p:nvSpPr>
+          <p:cNvPr id="3" name="슬라이드 노트 개체 틀 4"/>
+          <p:cNvSpPr txBox="1">
+            <a:spLocks/>
+          </p:cNvSpPr>
+          <p:nvPr>
+            <p:ph type="body" idx="3"/>
+          </p:nvPr>
+        </p:nvSpPr>
+        <p:spPr>
+          <a:xfrm rot="0">
+            <a:off x="685800" y="4400550"/>
+            <a:ext cx="5492750" cy="3606800"/>
+          </a:xfrm>
+          <a:prstGeom prst="rect"/>
+        </p:spPr>
+        <p:txBody>
+          <a:bodyPr wrap="square" lIns="91440" tIns="45720" rIns="91440" bIns="45720" numCol="1" vert="horz" anchor="t">
+            <a:noAutofit/>
+          </a:bodyPr>
+          <a:lstStyle/>
+          <a:p>
+            <a:pPr marL="0" indent="0" latinLnBrk="0">
+              <a:buFontTx/>
+              <a:buNone/>
+            </a:pPr>
+          </a:p>
+        </p:txBody>
+      </p:sp>
+      <p:sp>
+        <p:nvSpPr>
+          <p:cNvPr id="4" name="슬라이드 번호 개체 틀 6"/>
+          <p:cNvSpPr txBox="1">
+            <a:spLocks/>
+          </p:cNvSpPr>
+          <p:nvPr>
+            <p:ph type="sldNum" idx="5"/>
+          </p:nvPr>
+        </p:nvSpPr>
+        <p:spPr>
+          <a:xfrm rot="0">
+            <a:off x="3884930" y="8685530"/>
+            <a:ext cx="2978150" cy="464820"/>
+          </a:xfrm>
+          <a:prstGeom prst="rect"/>
+        </p:spPr>
+        <p:txBody>
+          <a:bodyPr wrap="square" lIns="91440" tIns="45720" rIns="91440" bIns="45720" numCol="1" vert="horz" anchor="b">
+            <a:noAutofit/>
+          </a:bodyPr>
+          <a:lstStyle>
+            <a:lvl1pPr marL="0" indent="0" algn="r" latinLnBrk="0">
+              <a:buFontTx/>
+              <a:buNone/>
+              <a:defRPr lang="en-GB" altLang="en-US" sz="1200"/>
+            </a:lvl1pPr>
+          </a:lstStyle>
+          <a:p>
+            <a:pPr marL="0" indent="0" latinLnBrk="0">
+              <a:buFontTx/>
+              <a:buNone/>
+            </a:pPr>
+            <a:fld id="{B9320F77-B9A0-41C5-862A-B4B631284C64}" type="slidenum">
+              <a:rPr lang="ko-KR" altLang="en-US"/>
+              <a:t>‹#›</a:t>
+            </a:fld>
+          </a:p>
+        </p:txBody>
+      </p:sp>
+    </p:spTree>
+  </p:cSld>
+  <p:clrMapOvr>
+    <a:masterClrMapping/>
+  </p:clrMapOvr>
+  <mc:AlternateContent xmlns:mc="http://schemas.openxmlformats.org/markup-compatibility/2006">
+    <mc:Choice xmlns:p14="http://schemas.microsoft.com/office/powerpoint/2010/main" Requires="p14">
+      <p:transition spd="slow" p14:dur="0"/>
+    </mc:Choice>
+    <mc:Fallback>
+      <p:transition spd="slow"/>
+    </mc:Fallback>
+  </mc:AlternateContent>
+</p:notes>
+</file>
+
+<file path=ppt/notesSlides/notesSlide7.xml><?xml version="1.0" encoding="utf-8"?>
 <p:notes xmlns:a="http://schemas.openxmlformats.org/drawingml/2006/main" xmlns:r="http://schemas.openxmlformats.org/officeDocument/2006/relationships" xmlns:p="http://schemas.openxmlformats.org/presentationml/2006/main">
   <p:cSld>
     <p:spTree>
@@ -6366,8 +6509,8 @@
         </p:nvSpPr>
         <p:spPr>
           <a:xfrm rot="0">
-            <a:off x="6858000" y="4542790"/>
-            <a:ext cx="3999230" cy="1200785"/>
+            <a:off x="6858000" y="4609465"/>
+            <a:ext cx="3999865" cy="1201420"/>
           </a:xfrm>
           <a:prstGeom prst="rect"/>
           <a:noFill/>
@@ -6402,17 +6545,17 @@
       </p:sp>
       <p:pic>
         <p:nvPicPr>
-          <p:cNvPr id="26" name="그림 31" descr="C:/Users/Admin1/AppData/Roaming/PolarisOffice/ETemp/37180_15771168/fImage635222141.png"/>
+          <p:cNvPr id="26" name="그림 31" descr="C:/Users/Admin1/AppData/Roaming/PolarisOffice/ETemp/39412_21542664/fImage635222141.png"/>
           <p:cNvPicPr>
             <a:picLocks noChangeAspect="1"/>
           </p:cNvPicPr>
           <p:nvPr/>
         </p:nvPicPr>
         <p:blipFill rotWithShape="1">
-          <a:blip r:embed="rId5" cstate="print">
+          <a:blip r:embed="rId5" cstate="hqprint">
             <a:extLst>
               <a:ext uri="{28A0092B-C50C-407E-A947-70E740481C1C}">
-                <a14:useLocalDpi xmlns:a14="http://schemas.microsoft.com/office/drawing/2010/main" val="0"/>
+                <a14:useLocalDpi xmlns:a14="http://schemas.microsoft.com/office/drawing/2010/main"/>
               </a:ext>
             </a:extLst>
           </a:blip>
@@ -6422,8 +6565,8 @@
         </p:blipFill>
         <p:spPr>
           <a:xfrm rot="0">
-            <a:off x="6849745" y="1371600"/>
-            <a:ext cx="4007485" cy="898525"/>
+            <a:off x="6849745" y="1379855"/>
+            <a:ext cx="4008120" cy="915035"/>
           </a:xfrm>
           <a:prstGeom prst="rect"/>
           <a:noFill/>
@@ -6431,17 +6574,17 @@
       </p:pic>
       <p:pic>
         <p:nvPicPr>
-          <p:cNvPr id="27" name="그림 32" descr="C:/Users/Admin1/AppData/Roaming/PolarisOffice/ETemp/37180_15771168/fImage422482228467.png"/>
+          <p:cNvPr id="27" name="그림 32" descr="C:/Users/Admin1/AppData/Roaming/PolarisOffice/ETemp/39412_21542664/fImage422482228467.png"/>
           <p:cNvPicPr>
             <a:picLocks noChangeAspect="1"/>
           </p:cNvPicPr>
           <p:nvPr/>
         </p:nvPicPr>
         <p:blipFill rotWithShape="1">
-          <a:blip r:embed="rId6" cstate="print">
+          <a:blip r:embed="rId6" cstate="hqprint">
             <a:extLst>
               <a:ext uri="{28A0092B-C50C-407E-A947-70E740481C1C}">
-                <a14:useLocalDpi xmlns:a14="http://schemas.microsoft.com/office/drawing/2010/main" val="0"/>
+                <a14:useLocalDpi xmlns:a14="http://schemas.microsoft.com/office/drawing/2010/main"/>
               </a:ext>
             </a:extLst>
           </a:blip>
@@ -6451,8 +6594,8 @@
         </p:blipFill>
         <p:spPr>
           <a:xfrm rot="0">
-            <a:off x="6859905" y="2843530"/>
-            <a:ext cx="1096010" cy="1172210"/>
+            <a:off x="6859905" y="2918460"/>
+            <a:ext cx="1096645" cy="1172845"/>
           </a:xfrm>
           <a:prstGeom prst="rect"/>
           <a:noFill/>
@@ -6460,17 +6603,17 @@
       </p:pic>
       <p:pic>
         <p:nvPicPr>
-          <p:cNvPr id="28" name="그림 34" descr="C:/Users/Admin1/AppData/Roaming/PolarisOffice/ETemp/37180_15771168/fImage285882246334.png"/>
+          <p:cNvPr id="28" name="그림 34" descr="C:/Users/Admin1/AppData/Roaming/PolarisOffice/ETemp/39412_21542664/fImage285882246334.png"/>
           <p:cNvPicPr>
             <a:picLocks noChangeAspect="1"/>
           </p:cNvPicPr>
           <p:nvPr/>
         </p:nvPicPr>
         <p:blipFill rotWithShape="1">
-          <a:blip r:embed="rId7" cstate="print">
+          <a:blip r:embed="rId7" cstate="hqprint">
             <a:extLst>
               <a:ext uri="{28A0092B-C50C-407E-A947-70E740481C1C}">
-                <a14:useLocalDpi xmlns:a14="http://schemas.microsoft.com/office/drawing/2010/main" val="0"/>
+                <a14:useLocalDpi xmlns:a14="http://schemas.microsoft.com/office/drawing/2010/main"/>
               </a:ext>
             </a:extLst>
           </a:blip>
@@ -6480,8 +6623,8 @@
         </p:blipFill>
         <p:spPr>
           <a:xfrm rot="0">
-            <a:off x="8163560" y="2417445"/>
-            <a:ext cx="2688590" cy="2030095"/>
+            <a:off x="8163560" y="2492375"/>
+            <a:ext cx="2689225" cy="2030730"/>
           </a:xfrm>
           <a:prstGeom prst="rect"/>
           <a:noFill/>
@@ -6489,17 +6632,17 @@
       </p:pic>
       <p:pic>
         <p:nvPicPr>
-          <p:cNvPr id="29" name="그림 35" descr="C:/Users/Admin1/AppData/Roaming/PolarisOffice/ETemp/37180_15771168/fImage603472256500.png"/>
+          <p:cNvPr id="29" name="그림 35" descr="C:/Users/Admin1/AppData/Roaming/PolarisOffice/ETemp/39412_21542664/fImage603472256500.png"/>
           <p:cNvPicPr>
             <a:picLocks noChangeAspect="1"/>
           </p:cNvPicPr>
           <p:nvPr/>
         </p:nvPicPr>
         <p:blipFill rotWithShape="1">
-          <a:blip r:embed="rId8" cstate="print">
+          <a:blip r:embed="rId8" cstate="hqprint">
             <a:extLst>
               <a:ext uri="{28A0092B-C50C-407E-A947-70E740481C1C}">
-                <a14:useLocalDpi xmlns:a14="http://schemas.microsoft.com/office/drawing/2010/main" val="0"/>
+                <a14:useLocalDpi xmlns:a14="http://schemas.microsoft.com/office/drawing/2010/main"/>
               </a:ext>
             </a:extLst>
           </a:blip>
@@ -6510,7 +6653,7 @@
         <p:spPr>
           <a:xfrm rot="0">
             <a:off x="1322070" y="2469515"/>
-            <a:ext cx="4040505" cy="3267075"/>
+            <a:ext cx="4041140" cy="2169160"/>
           </a:xfrm>
           <a:prstGeom prst="roundRect"/>
           <a:solidFill>
@@ -6518,6 +6661,105 @@
           </a:solidFill>
         </p:spPr>
       </p:pic>
+      <p:sp>
+        <p:nvSpPr>
+          <p:cNvPr id="30" name="텍스트 상자 1"/>
+          <p:cNvSpPr txBox="1">
+            <a:spLocks/>
+          </p:cNvSpPr>
+          <p:nvPr/>
+        </p:nvSpPr>
+        <p:spPr>
+          <a:xfrm rot="0">
+            <a:off x="1322070" y="4792345"/>
+            <a:ext cx="4048760" cy="1477645"/>
+          </a:xfrm>
+          <a:prstGeom prst="rect"/>
+          <a:noFill/>
+          <a:ln w="0">
+            <a:noFill/>
+            <a:prstDash/>
+          </a:ln>
+        </p:spPr>
+        <p:txBody>
+          <a:bodyPr wrap="square" lIns="89535" tIns="46355" rIns="89535" bIns="46355" numCol="1" vert="horz" anchor="t">
+            <a:spAutoFit/>
+          </a:bodyPr>
+          <a:lstStyle/>
+          <a:p>
+            <a:pPr marL="0" indent="0" algn="l" latinLnBrk="0" hangingPunct="1">
+              <a:buFontTx/>
+              <a:buNone/>
+            </a:pPr>
+            <a:r>
+              <a:rPr lang="ko-KR" sz="1800">
+                <a:latin typeface="맑은 고딕" charset="0"/>
+                <a:ea typeface="맑은 고딕" charset="0"/>
+              </a:rPr>
+              <a:t>Vertical Fit</a:t>
+            </a:r>
+            <a:r>
+              <a:rPr lang="ko-KR" sz="1800">
+                <a:latin typeface="맑은 고딕" charset="0"/>
+                <a:ea typeface="맑은 고딕" charset="0"/>
+              </a:rPr>
+              <a:t> </a:t>
+            </a:r>
+            <a:r>
+              <a:rPr lang="ko-KR" sz="1800">
+                <a:latin typeface="맑은 고딕" charset="0"/>
+                <a:ea typeface="맑은 고딕" charset="0"/>
+              </a:rPr>
+              <a:t>: </a:t>
+            </a:r>
+            <a:r>
+              <a:rPr lang="ko-KR" sz="1800">
+                <a:latin typeface="맑은 고딕" charset="0"/>
+                <a:ea typeface="맑은 고딕" charset="0"/>
+              </a:rPr>
+              <a:t>수직에 대한 UI의 크기를 조절합니다.</a:t>
+            </a:r>
+            <a:endParaRPr lang="ko-KR" altLang="en-US" sz="1800">
+              <a:latin typeface="맑은 고딕" charset="0"/>
+              <a:ea typeface="맑은 고딕" charset="0"/>
+            </a:endParaRPr>
+          </a:p>
+          <a:p>
+            <a:pPr marL="0" indent="0" algn="l" latinLnBrk="0" hangingPunct="1">
+              <a:buFontTx/>
+              <a:buNone/>
+            </a:pPr>
+            <a:endParaRPr lang="ko-KR" altLang="en-US" sz="1800">
+              <a:latin typeface="맑은 고딕" charset="0"/>
+              <a:ea typeface="맑은 고딕" charset="0"/>
+            </a:endParaRPr>
+          </a:p>
+          <a:p>
+            <a:pPr marL="0" indent="0" algn="l" latinLnBrk="0" hangingPunct="1">
+              <a:buFontTx/>
+              <a:buNone/>
+            </a:pPr>
+            <a:r>
+              <a:rPr lang="ko-KR" sz="1800">
+                <a:latin typeface="맑은 고딕" charset="0"/>
+                <a:ea typeface="맑은 고딕" charset="0"/>
+              </a:rPr>
+              <a:t>Horizontal Fit : 수평에 대한 UI의 크기를 조절합니다.</a:t>
+            </a:r>
+            <a:r>
+              <a:rPr lang="ko-KR" sz="1800">
+                <a:latin typeface="맑은 고딕" charset="0"/>
+                <a:ea typeface="맑은 고딕" charset="0"/>
+              </a:rPr>
+              <a:t> </a:t>
+            </a:r>
+            <a:endParaRPr lang="ko-KR" altLang="en-US" sz="1800">
+              <a:latin typeface="맑은 고딕" charset="0"/>
+              <a:ea typeface="맑은 고딕" charset="0"/>
+            </a:endParaRPr>
+          </a:p>
+        </p:txBody>
+      </p:sp>
     </p:spTree>
   </p:cSld>
   <p:clrMapOvr>
@@ -6542,7 +6784,7 @@
 </file>
 
 <file path=ppt/slides/slide2.xml><?xml version="1.0" encoding="utf-8"?>
-<p:sld xmlns:a="http://schemas.openxmlformats.org/drawingml/2006/main" xmlns:r="http://schemas.openxmlformats.org/officeDocument/2006/relationships" xmlns:p="http://schemas.openxmlformats.org/presentationml/2006/main" xmlns:p14="http://schemas.microsoft.com/office/powerpoint/2010/main">
+<p:sld xmlns:a="http://schemas.openxmlformats.org/drawingml/2006/main" xmlns:r="http://schemas.openxmlformats.org/officeDocument/2006/relationships" xmlns:p="http://schemas.openxmlformats.org/presentationml/2006/main">
   <p:cSld>
     <p:spTree>
       <p:nvGrpSpPr>
@@ -6568,8 +6810,8 @@
         </p:nvSpPr>
         <p:spPr>
           <a:xfrm rot="0">
-            <a:off x="4777105" y="407670"/>
-            <a:ext cx="2639695" cy="554990"/>
+            <a:off x="5224145" y="353060"/>
+            <a:ext cx="1751330" cy="554990"/>
           </a:xfrm>
           <a:prstGeom prst="rect"/>
           <a:noFill/>
@@ -6593,14 +6835,28 @@
                 <a:latin typeface="맑은 고딕" charset="0"/>
                 <a:ea typeface="맑은 고딕" charset="0"/>
               </a:rPr>
-              <a:t>Photon </a:t>
+              <a:t>Min</a:t>
             </a:r>
             <a:r>
               <a:rPr lang="ko-KR" sz="3000" b="1">
                 <a:latin typeface="맑은 고딕" charset="0"/>
                 <a:ea typeface="맑은 고딕" charset="0"/>
               </a:rPr>
-              <a:t>Voice</a:t>
+              <a:t> </a:t>
+            </a:r>
+            <a:r>
+              <a:rPr lang="ko-KR" sz="3000" b="1">
+                <a:latin typeface="맑은 고딕" charset="0"/>
+                <a:ea typeface="맑은 고딕" charset="0"/>
+              </a:rPr>
+              <a:t>Size</a:t>
+            </a:r>
+            <a:r>
+              <a:rPr lang="ko-KR" sz="3000" b="1">
+                <a:latin typeface="맑은 고딕" charset="0"/>
+                <a:ea typeface="맑은 고딕" charset="0"/>
+              </a:rPr>
+              <a:t> </a:t>
             </a:r>
             <a:endParaRPr lang="ko-KR" altLang="en-US" sz="3000" b="1">
               <a:latin typeface="맑은 고딕" charset="0"/>
@@ -6611,7 +6867,7 @@
       </p:sp>
       <p:sp>
         <p:nvSpPr>
-          <p:cNvPr id="25" name="텍스트 상자 24"/>
+          <p:cNvPr id="24" name="Rect 0"/>
           <p:cNvSpPr txBox="1">
             <a:spLocks/>
           </p:cNvSpPr>
@@ -6619,8 +6875,8 @@
         </p:nvSpPr>
         <p:spPr>
           <a:xfrm rot="0">
-            <a:off x="1242695" y="4725670"/>
-            <a:ext cx="4103370" cy="923925"/>
+            <a:off x="1325245" y="1370330"/>
+            <a:ext cx="4037330" cy="1477645"/>
           </a:xfrm>
           <a:prstGeom prst="rect"/>
           <a:noFill/>
@@ -6644,14 +6900,14 @@
                 <a:latin typeface="맑은 고딕" charset="0"/>
                 <a:ea typeface="맑은 고딕" charset="0"/>
               </a:rPr>
-              <a:t>포톤 보이스를 사용하려면 포톤 사이트에서 포톤 보이스 앱을 생성</a:t>
+              <a:t>Min Size : 단독으로 사용하지는 않고, LayOut Group 컴포넌트와 함께 사용하며, 레이아웃 요소의 최소 크기를 기준으로 UI의 크기를 맞추는 옵션입니다. </a:t>
             </a:r>
             <a:r>
               <a:rPr lang="ko-KR" sz="1800">
                 <a:latin typeface="맑은 고딕" charset="0"/>
                 <a:ea typeface="맑은 고딕" charset="0"/>
               </a:rPr>
-              <a:t>해야 합니다.</a:t>
+              <a:t> </a:t>
             </a:r>
             <a:endParaRPr lang="ko-KR" altLang="en-US" sz="1800">
               <a:latin typeface="맑은 고딕" charset="0"/>
@@ -6660,74 +6916,60 @@
           </a:p>
         </p:txBody>
       </p:sp>
+      <p:sp>
+        <p:nvSpPr>
+          <p:cNvPr id="25" name="Rect 0"/>
+          <p:cNvSpPr txBox="1">
+            <a:spLocks/>
+          </p:cNvSpPr>
+          <p:nvPr/>
+        </p:nvSpPr>
+        <p:spPr>
+          <a:xfrm rot="0">
+            <a:off x="6824980" y="4742180"/>
+            <a:ext cx="4149725" cy="1200785"/>
+          </a:xfrm>
+          <a:prstGeom prst="rect"/>
+          <a:noFill/>
+          <a:ln w="0">
+            <a:noFill/>
+            <a:prstDash/>
+          </a:ln>
+        </p:spPr>
+        <p:txBody>
+          <a:bodyPr wrap="square" lIns="89535" tIns="46355" rIns="89535" bIns="46355" numCol="1" vert="horz" anchor="t">
+            <a:spAutoFit/>
+          </a:bodyPr>
+          <a:lstStyle/>
+          <a:p>
+            <a:pPr marL="0" indent="0" algn="l" latinLnBrk="0" hangingPunct="1">
+              <a:buFontTx/>
+              <a:buNone/>
+            </a:pPr>
+            <a:r>
+              <a:rPr lang="ko-KR" sz="1800">
+                <a:latin typeface="맑은 고딕" charset="0"/>
+                <a:ea typeface="맑은 고딕" charset="0"/>
+              </a:rPr>
+              <a:t>스크롤 뷰에서 Content라는 게임 오브젝트의 하위 오브젝트로 UI 오브젝트가 생성될 때 생성된 수에 따라 스크롤바의 크기가 조절됩니다.</a:t>
+            </a:r>
+            <a:endParaRPr lang="ko-KR" altLang="en-US" sz="1800">
+              <a:latin typeface="맑은 고딕" charset="0"/>
+              <a:ea typeface="맑은 고딕" charset="0"/>
+            </a:endParaRPr>
+          </a:p>
+        </p:txBody>
+      </p:sp>
       <p:pic>
         <p:nvPicPr>
-          <p:cNvPr id="27" name="그림 6"/>
+          <p:cNvPr id="29" name="그림 3" descr="C:/Users/Admin1/AppData/Roaming/PolarisOffice/ETemp/39412_21542664/fImage250118941.png"/>
           <p:cNvPicPr>
             <a:picLocks noChangeAspect="1"/>
           </p:cNvPicPr>
           <p:nvPr/>
         </p:nvPicPr>
         <p:blipFill rotWithShape="1">
-          <a:blip r:embed="rId10" cstate="hqprint">
-            <a:extLst>
-              <a:ext uri="{28A0092B-C50C-407E-A947-70E740481C1C}">
-                <a14:useLocalDpi xmlns:a14="http://schemas.microsoft.com/office/drawing/2010/main"/>
-              </a:ext>
-            </a:extLst>
-          </a:blip>
-          <a:stretch>
-            <a:fillRect/>
-          </a:stretch>
-        </p:blipFill>
-        <p:spPr>
-          <a:xfrm rot="0">
-            <a:off x="6728460" y="1224915"/>
-            <a:ext cx="2011045" cy="1602105"/>
-          </a:xfrm>
-          <a:prstGeom prst="rect"/>
-          <a:noFill/>
-        </p:spPr>
-      </p:pic>
-      <p:pic>
-        <p:nvPicPr>
-          <p:cNvPr id="30" name="그림 11"/>
-          <p:cNvPicPr>
-            <a:picLocks noChangeAspect="1"/>
-          </p:cNvPicPr>
-          <p:nvPr/>
-        </p:nvPicPr>
-        <p:blipFill rotWithShape="1">
-          <a:blip r:embed="rId12" cstate="hqprint">
-            <a:extLst>
-              <a:ext uri="{28A0092B-C50C-407E-A947-70E740481C1C}">
-                <a14:useLocalDpi xmlns:a14="http://schemas.microsoft.com/office/drawing/2010/main"/>
-              </a:ext>
-            </a:extLst>
-          </a:blip>
-          <a:stretch>
-            <a:fillRect/>
-          </a:stretch>
-        </p:blipFill>
-        <p:spPr>
-          <a:xfrm rot="0">
-            <a:off x="6721475" y="3065780"/>
-            <a:ext cx="4318635" cy="1748155"/>
-          </a:xfrm>
-          <a:prstGeom prst="rect"/>
-          <a:noFill/>
-        </p:spPr>
-      </p:pic>
-      <p:pic>
-        <p:nvPicPr>
-          <p:cNvPr id="33" name="그림 6"/>
-          <p:cNvPicPr>
-            <a:picLocks noChangeAspect="1"/>
-          </p:cNvPicPr>
-          <p:nvPr/>
-        </p:nvPicPr>
-        <p:blipFill rotWithShape="1">
-          <a:blip r:embed="rId13" cstate="print">
+          <a:blip r:embed="rId2" cstate="print">
             <a:extLst>
               <a:ext uri="{28A0092B-C50C-407E-A947-70E740481C1C}">
                 <a14:useLocalDpi xmlns:a14="http://schemas.microsoft.com/office/drawing/2010/main" val="0"/>
@@ -6740,8 +6982,8 @@
         </p:blipFill>
         <p:spPr>
           <a:xfrm rot="0">
-            <a:off x="1247140" y="1221740"/>
-            <a:ext cx="4123690" cy="1056640"/>
+            <a:off x="1323975" y="3030220"/>
+            <a:ext cx="4046855" cy="2914015"/>
           </a:xfrm>
           <a:prstGeom prst="rect"/>
           <a:noFill/>
@@ -6749,14 +6991,14 @@
       </p:pic>
       <p:pic>
         <p:nvPicPr>
-          <p:cNvPr id="34" name="그림 7"/>
+          <p:cNvPr id="30" name="그림 4" descr="C:/Users/Admin1/AppData/Roaming/PolarisOffice/ETemp/39412_21542664/fImage76001908467.png"/>
           <p:cNvPicPr>
             <a:picLocks noChangeAspect="1"/>
           </p:cNvPicPr>
           <p:nvPr/>
         </p:nvPicPr>
         <p:blipFill rotWithShape="1">
-          <a:blip r:embed="rId14" cstate="print">
+          <a:blip r:embed="rId3" cstate="print">
             <a:extLst>
               <a:ext uri="{28A0092B-C50C-407E-A947-70E740481C1C}">
                 <a14:useLocalDpi xmlns:a14="http://schemas.microsoft.com/office/drawing/2010/main" val="0"/>
@@ -6769,45 +7011,218 @@
         </p:blipFill>
         <p:spPr>
           <a:xfrm rot="0">
-            <a:off x="1230630" y="2518410"/>
-            <a:ext cx="4140200" cy="1987550"/>
+            <a:off x="1582420" y="3279775"/>
+            <a:ext cx="3123565" cy="2415540"/>
+          </a:xfrm>
+          <a:prstGeom prst="roundRect"/>
+          <a:solidFill>
+            <a:srgbClr val="EDEDED"/>
+          </a:solidFill>
+        </p:spPr>
+      </p:pic>
+      <p:sp>
+        <p:nvSpPr>
+          <p:cNvPr id="31" name="텍스트 상자 8"/>
+          <p:cNvSpPr txBox="1">
+            <a:spLocks/>
+          </p:cNvSpPr>
+          <p:nvPr/>
+        </p:nvSpPr>
+        <p:spPr>
+          <a:xfrm rot="0">
+            <a:off x="1829435" y="3644900"/>
+            <a:ext cx="1014730" cy="323850"/>
           </a:xfrm>
           <a:prstGeom prst="rect"/>
           <a:noFill/>
-        </p:spPr>
-      </p:pic>
-      <p:pic>
-        <p:nvPicPr>
-          <p:cNvPr id="35" name="그림 8"/>
-          <p:cNvPicPr>
-            <a:picLocks noChangeAspect="1"/>
-          </p:cNvPicPr>
+          <a:ln w="0">
+            <a:noFill/>
+            <a:prstDash/>
+          </a:ln>
+        </p:spPr>
+        <p:txBody>
+          <a:bodyPr wrap="square" lIns="89535" tIns="46355" rIns="89535" bIns="46355" numCol="1" vert="horz" anchor="t">
+            <a:spAutoFit/>
+          </a:bodyPr>
+          <a:lstStyle/>
+          <a:p>
+            <a:pPr marL="0" indent="0" algn="l" latinLnBrk="0" hangingPunct="1">
+              <a:buFontTx/>
+              <a:buNone/>
+            </a:pPr>
+            <a:r>
+              <a:rPr lang="ko-KR" sz="1500" b="1">
+                <a:solidFill>
+                  <a:srgbClr val="009900"/>
+                </a:solidFill>
+                <a:latin typeface="맑은 고딕" charset="0"/>
+                <a:ea typeface="맑은 고딕" charset="0"/>
+              </a:rPr>
+              <a:t>레이아웃</a:t>
+            </a:r>
+            <a:endParaRPr lang="ko-KR" altLang="en-US" sz="1500" b="1">
+              <a:solidFill>
+                <a:srgbClr val="009900"/>
+              </a:solidFill>
+              <a:latin typeface="맑은 고딕" charset="0"/>
+              <a:ea typeface="맑은 고딕" charset="0"/>
+            </a:endParaRPr>
+          </a:p>
+        </p:txBody>
+      </p:sp>
+      <p:sp>
+        <p:nvSpPr>
+          <p:cNvPr id="32" name="텍스트 상자 13"/>
+          <p:cNvSpPr txBox="1">
+            <a:spLocks/>
+          </p:cNvSpPr>
           <p:nvPr/>
-        </p:nvPicPr>
-        <p:blipFill rotWithShape="1">
-          <a:blip r:embed="rId11" cstate="hqprint">
-            <a:extLst>
-              <a:ext uri="{28A0092B-C50C-407E-A947-70E740481C1C}">
-                <a14:useLocalDpi xmlns:a14="http://schemas.microsoft.com/office/drawing/2010/main"/>
-              </a:ext>
-            </a:extLst>
-          </a:blip>
-          <a:stretch>
-            <a:fillRect/>
-          </a:stretch>
-        </p:blipFill>
-        <p:spPr>
-          <a:xfrm rot="0">
-            <a:off x="9951085" y="1400175"/>
-            <a:ext cx="1145540" cy="1244600"/>
+        </p:nvSpPr>
+        <p:spPr>
+          <a:xfrm rot="0">
+            <a:off x="1826260" y="4897120"/>
+            <a:ext cx="1014730" cy="323850"/>
           </a:xfrm>
           <a:prstGeom prst="rect"/>
           <a:noFill/>
-        </p:spPr>
-      </p:pic>
-      <p:sp>
-        <p:nvSpPr>
-          <p:cNvPr id="36" name="도형 9"/>
+          <a:ln w="0">
+            <a:noFill/>
+            <a:prstDash/>
+          </a:ln>
+        </p:spPr>
+        <p:txBody>
+          <a:bodyPr wrap="square" lIns="89535" tIns="46355" rIns="89535" bIns="46355" numCol="1" vert="horz" anchor="t">
+            <a:spAutoFit/>
+          </a:bodyPr>
+          <a:lstStyle/>
+          <a:p>
+            <a:pPr marL="0" indent="0" algn="l" latinLnBrk="0" hangingPunct="1">
+              <a:buFontTx/>
+              <a:buNone/>
+            </a:pPr>
+            <a:r>
+              <a:rPr lang="ko-KR" sz="1500" b="1">
+                <a:solidFill>
+                  <a:srgbClr val="009900"/>
+                </a:solidFill>
+                <a:latin typeface="맑은 고딕" charset="0"/>
+                <a:ea typeface="맑은 고딕" charset="0"/>
+              </a:rPr>
+              <a:t>레이아웃</a:t>
+            </a:r>
+            <a:endParaRPr lang="ko-KR" altLang="en-US" sz="1500" b="1">
+              <a:solidFill>
+                <a:srgbClr val="009900"/>
+              </a:solidFill>
+              <a:latin typeface="맑은 고딕" charset="0"/>
+              <a:ea typeface="맑은 고딕" charset="0"/>
+            </a:endParaRPr>
+          </a:p>
+        </p:txBody>
+      </p:sp>
+      <p:sp>
+        <p:nvSpPr>
+          <p:cNvPr id="33" name="텍스트 상자 14"/>
+          <p:cNvSpPr txBox="1">
+            <a:spLocks/>
+          </p:cNvSpPr>
+          <p:nvPr/>
+        </p:nvSpPr>
+        <p:spPr>
+          <a:xfrm rot="0">
+            <a:off x="3377565" y="4893945"/>
+            <a:ext cx="1014730" cy="323850"/>
+          </a:xfrm>
+          <a:prstGeom prst="rect"/>
+          <a:noFill/>
+          <a:ln w="0">
+            <a:noFill/>
+            <a:prstDash/>
+          </a:ln>
+        </p:spPr>
+        <p:txBody>
+          <a:bodyPr wrap="square" lIns="89535" tIns="46355" rIns="89535" bIns="46355" numCol="1" vert="horz" anchor="t">
+            <a:spAutoFit/>
+          </a:bodyPr>
+          <a:lstStyle/>
+          <a:p>
+            <a:pPr marL="0" indent="0" algn="l" latinLnBrk="0" hangingPunct="1">
+              <a:buFontTx/>
+              <a:buNone/>
+            </a:pPr>
+            <a:r>
+              <a:rPr lang="ko-KR" sz="1500" b="1">
+                <a:solidFill>
+                  <a:srgbClr val="009900"/>
+                </a:solidFill>
+                <a:latin typeface="맑은 고딕" charset="0"/>
+                <a:ea typeface="맑은 고딕" charset="0"/>
+              </a:rPr>
+              <a:t>레이아웃</a:t>
+            </a:r>
+            <a:endParaRPr lang="ko-KR" altLang="en-US" sz="1500" b="1">
+              <a:solidFill>
+                <a:srgbClr val="009900"/>
+              </a:solidFill>
+              <a:latin typeface="맑은 고딕" charset="0"/>
+              <a:ea typeface="맑은 고딕" charset="0"/>
+            </a:endParaRPr>
+          </a:p>
+        </p:txBody>
+      </p:sp>
+      <p:sp>
+        <p:nvSpPr>
+          <p:cNvPr id="34" name="텍스트 상자 15"/>
+          <p:cNvSpPr txBox="1">
+            <a:spLocks/>
+          </p:cNvSpPr>
+          <p:nvPr/>
+        </p:nvSpPr>
+        <p:spPr>
+          <a:xfrm rot="0">
+            <a:off x="3374390" y="3652520"/>
+            <a:ext cx="1014730" cy="323850"/>
+          </a:xfrm>
+          <a:prstGeom prst="rect"/>
+          <a:noFill/>
+          <a:ln w="0">
+            <a:noFill/>
+            <a:prstDash/>
+          </a:ln>
+        </p:spPr>
+        <p:txBody>
+          <a:bodyPr wrap="square" lIns="89535" tIns="46355" rIns="89535" bIns="46355" numCol="1" vert="horz" anchor="t">
+            <a:spAutoFit/>
+          </a:bodyPr>
+          <a:lstStyle/>
+          <a:p>
+            <a:pPr marL="0" indent="0" algn="l" latinLnBrk="0" hangingPunct="1">
+              <a:buFontTx/>
+              <a:buNone/>
+            </a:pPr>
+            <a:r>
+              <a:rPr lang="ko-KR" sz="1500" b="1">
+                <a:solidFill>
+                  <a:srgbClr val="009900"/>
+                </a:solidFill>
+                <a:latin typeface="맑은 고딕" charset="0"/>
+                <a:ea typeface="맑은 고딕" charset="0"/>
+              </a:rPr>
+              <a:t>레이아웃</a:t>
+            </a:r>
+            <a:endParaRPr lang="ko-KR" altLang="en-US" sz="1500" b="1">
+              <a:solidFill>
+                <a:srgbClr val="009900"/>
+              </a:solidFill>
+              <a:latin typeface="맑은 고딕" charset="0"/>
+              <a:ea typeface="맑은 고딕" charset="0"/>
+            </a:endParaRPr>
+          </a:p>
+        </p:txBody>
+      </p:sp>
+      <p:sp>
+        <p:nvSpPr>
+          <p:cNvPr id="35" name="도형 18"/>
           <p:cNvSpPr>
             <a:spLocks/>
           </p:cNvSpPr>
@@ -6815,20 +7230,19 @@
         </p:nvSpPr>
         <p:spPr>
           <a:xfrm rot="0">
-            <a:off x="8928100" y="1894840"/>
-            <a:ext cx="367030" cy="262255"/>
-          </a:xfrm>
-          <a:prstGeom prst="notchedRightArrow"/>
-          <a:scene3d>
-            <a:camera prst="orthographicFront"/>
-            <a:lightRig rig="threePt" dir="t"/>
-          </a:scene3d>
-          <a:sp3d prstMaterial="warmMatte">
-            <a:bevelT w="76200" h="76200" prst="circle"/>
-            <a:contourClr>
-              <a:srgbClr val="000000"/>
-            </a:contourClr>
-          </a:sp3d>
+            <a:off x="4805045" y="3067685"/>
+            <a:ext cx="507365" cy="740410"/>
+          </a:xfrm>
+          <a:prstGeom prst="roundRect"/>
+          <a:noFill/>
+          <a:ln w="12700" cap="flat" cmpd="sng">
+            <a:solidFill>
+              <a:srgbClr val="FF0000">
+                <a:alpha val="100000"/>
+              </a:srgbClr>
+            </a:solidFill>
+            <a:prstDash val="solid"/>
+          </a:ln>
         </p:spPr>
         <p:style>
           <a:lnRef idx="2">
@@ -6847,15 +7261,12 @@
           </a:fontRef>
         </p:style>
         <p:txBody>
-          <a:bodyPr wrap="square" lIns="91440" tIns="45720" rIns="91440" bIns="45720" numCol="1" vert="horz" anchor="ctr">
+          <a:bodyPr wrap="square" lIns="91440" tIns="45720" rIns="91440" bIns="45720" vert="horz" anchor="ctr">
             <a:noAutofit/>
           </a:bodyPr>
           <a:lstStyle/>
           <a:p>
-            <a:pPr marL="0" indent="0" algn="ctr" latinLnBrk="0" hangingPunct="1">
-              <a:buFontTx/>
-              <a:buNone/>
-            </a:pPr>
+            <a:pPr marL="0" indent="0" algn="ctr" hangingPunct="1"/>
             <a:endParaRPr lang="ko-KR" altLang="en-US" sz="1800">
               <a:latin typeface="맑은 고딕" charset="0"/>
               <a:ea typeface="맑은 고딕" charset="0"/>
@@ -6863,143 +7274,37 @@
           </a:p>
         </p:txBody>
       </p:sp>
-      <p:sp>
-        <p:nvSpPr>
-          <p:cNvPr id="37" name="도형 10"/>
-          <p:cNvSpPr>
-            <a:spLocks/>
-          </p:cNvSpPr>
+      <p:pic>
+        <p:nvPicPr>
+          <p:cNvPr id="36" name="그림 21" descr="C:/Users/Admin1/AppData/Roaming/PolarisOffice/ETemp/39412_21542664/fImage245002016334.png"/>
+          <p:cNvPicPr>
+            <a:picLocks noChangeAspect="1"/>
+          </p:cNvPicPr>
           <p:nvPr/>
-        </p:nvSpPr>
-        <p:spPr>
-          <a:xfrm rot="0">
-            <a:off x="9390380" y="1891665"/>
-            <a:ext cx="367030" cy="262255"/>
-          </a:xfrm>
-          <a:prstGeom prst="notchedRightArrow"/>
-          <a:scene3d>
-            <a:camera prst="orthographicFront"/>
-            <a:lightRig rig="threePt" dir="t"/>
-          </a:scene3d>
-          <a:sp3d prstMaterial="warmMatte">
-            <a:bevelT w="76200" h="76200" prst="circle"/>
-            <a:contourClr>
-              <a:srgbClr val="000000"/>
-            </a:contourClr>
-          </a:sp3d>
-        </p:spPr>
-        <p:style>
-          <a:lnRef idx="2">
-            <a:schemeClr val="accent1">
-              <a:shade val="50000"/>
-            </a:schemeClr>
-          </a:lnRef>
-          <a:fillRef idx="1">
-            <a:schemeClr val="accent1"/>
-          </a:fillRef>
-          <a:effectRef idx="0">
-            <a:schemeClr val="accent1"/>
-          </a:effectRef>
-          <a:fontRef idx="minor">
-            <a:schemeClr val="lt1"/>
-          </a:fontRef>
-        </p:style>
-        <p:txBody>
-          <a:bodyPr wrap="square" lIns="91440" tIns="45720" rIns="91440" bIns="45720" numCol="1" vert="horz" anchor="ctr">
-            <a:noAutofit/>
-          </a:bodyPr>
-          <a:lstStyle/>
-          <a:p>
-            <a:pPr marL="0" indent="0" algn="ctr" latinLnBrk="0" hangingPunct="1">
-              <a:buFontTx/>
-              <a:buNone/>
-            </a:pPr>
-            <a:endParaRPr lang="ko-KR" altLang="en-US" sz="1800">
-              <a:latin typeface="맑은 고딕" charset="0"/>
-              <a:ea typeface="맑은 고딕" charset="0"/>
-            </a:endParaRPr>
-          </a:p>
-        </p:txBody>
-      </p:sp>
-      <p:sp>
-        <p:nvSpPr>
-          <p:cNvPr id="38" name="텍스트 상자 11"/>
-          <p:cNvSpPr txBox="1">
-            <a:spLocks/>
-          </p:cNvSpPr>
-          <p:nvPr/>
-        </p:nvSpPr>
-        <p:spPr>
-          <a:xfrm rot="0">
-            <a:off x="6726555" y="5005070"/>
-            <a:ext cx="4305300" cy="647065"/>
-          </a:xfrm>
-          <a:prstGeom prst="rect"/>
-          <a:noFill/>
-          <a:ln w="0">
-            <a:noFill/>
-            <a:prstDash/>
-          </a:ln>
-        </p:spPr>
-        <p:txBody>
-          <a:bodyPr wrap="square" lIns="89535" tIns="46355" rIns="89535" bIns="46355" numCol="1" vert="horz" anchor="t">
-            <a:spAutoFit/>
-          </a:bodyPr>
-          <a:lstStyle/>
-          <a:p>
-            <a:pPr marL="0" indent="0" algn="l" latinLnBrk="0" hangingPunct="1">
-              <a:buFontTx/>
-              <a:buNone/>
-            </a:pPr>
-            <a:r>
-              <a:rPr lang="ko-KR" sz="1800">
-                <a:latin typeface="맑은 고딕" charset="0"/>
-                <a:ea typeface="맑은 고딕" charset="0"/>
-              </a:rPr>
-              <a:t>그 다음 </a:t>
-            </a:r>
-            <a:r>
-              <a:rPr lang="ko-KR" sz="1800">
-                <a:latin typeface="맑은 고딕" charset="0"/>
-                <a:ea typeface="맑은 고딕" charset="0"/>
-              </a:rPr>
-              <a:t>포톤 클라우드 설정에서</a:t>
-            </a:r>
-            <a:r>
-              <a:rPr lang="ko-KR" sz="1800">
-                <a:latin typeface="맑은 고딕" charset="0"/>
-                <a:ea typeface="맑은 고딕" charset="0"/>
-              </a:rPr>
-              <a:t> 포톤 생성된 보이스</a:t>
-            </a:r>
-            <a:r>
-              <a:rPr lang="ko-KR" sz="1800">
-                <a:latin typeface="맑은 고딕" charset="0"/>
-                <a:ea typeface="맑은 고딕" charset="0"/>
-              </a:rPr>
-              <a:t> 앱 ID를 넣어주</a:t>
-            </a:r>
-            <a:r>
-              <a:rPr lang="ko-KR" sz="1800">
-                <a:latin typeface="맑은 고딕" charset="0"/>
-                <a:ea typeface="맑은 고딕" charset="0"/>
-              </a:rPr>
-              <a:t>면 됩</a:t>
-            </a:r>
-            <a:r>
-              <a:rPr lang="ko-KR" sz="1800">
-                <a:latin typeface="맑은 고딕" charset="0"/>
-                <a:ea typeface="맑은 고딕" charset="0"/>
-              </a:rPr>
-              <a:t>니다.</a:t>
-            </a:r>
-            <a:endParaRPr lang="ko-KR" altLang="en-US" sz="1800">
-              <a:latin typeface="맑은 고딕" charset="0"/>
-              <a:ea typeface="맑은 고딕" charset="0"/>
-            </a:endParaRPr>
-          </a:p>
-        </p:txBody>
-      </p:sp>
+        </p:nvPicPr>
+        <p:blipFill rotWithShape="1">
+          <a:blip r:embed="rId4" cstate="print">
+            <a:extLst>
+              <a:ext uri="{28A0092B-C50C-407E-A947-70E740481C1C}">
+                <a14:useLocalDpi xmlns:a14="http://schemas.microsoft.com/office/drawing/2010/main" val="0"/>
+              </a:ext>
+            </a:extLst>
+          </a:blip>
+          <a:stretch>
+            <a:fillRect/>
+          </a:stretch>
+        </p:blipFill>
+        <p:spPr>
+          <a:xfrm rot="0">
+            <a:off x="6824980" y="1374775"/>
+            <a:ext cx="4149090" cy="3206115"/>
+          </a:xfrm>
+          <a:prstGeom prst="roundRect"/>
+          <a:solidFill>
+            <a:srgbClr val="EDEDED"/>
+          </a:solidFill>
+        </p:spPr>
+      </p:pic>
     </p:spTree>
   </p:cSld>
   <p:clrMapOvr>
@@ -7050,8 +7355,8 @@
         </p:nvSpPr>
         <p:spPr>
           <a:xfrm rot="0">
-            <a:off x="3939540" y="421005"/>
-            <a:ext cx="4307205" cy="554990"/>
+            <a:off x="4777105" y="407670"/>
+            <a:ext cx="2639695" cy="554990"/>
           </a:xfrm>
           <a:prstGeom prst="rect"/>
           <a:noFill/>
@@ -7082,7 +7387,7 @@
                 <a:latin typeface="맑은 고딕" charset="0"/>
                 <a:ea typeface="맑은 고딕" charset="0"/>
               </a:rPr>
-              <a:t>Voice Network</a:t>
+              <a:t>Voice</a:t>
             </a:r>
             <a:endParaRPr lang="ko-KR" altLang="en-US" sz="3000" b="1">
               <a:latin typeface="맑은 고딕" charset="0"/>
@@ -7093,7 +7398,7 @@
       </p:sp>
       <p:sp>
         <p:nvSpPr>
-          <p:cNvPr id="23" name="Rect 0"/>
+          <p:cNvPr id="25" name="텍스트 상자 24"/>
           <p:cNvSpPr txBox="1">
             <a:spLocks/>
           </p:cNvSpPr>
@@ -7101,8 +7406,8 @@
         </p:nvSpPr>
         <p:spPr>
           <a:xfrm rot="0">
-            <a:off x="6525895" y="4138295"/>
-            <a:ext cx="4163060" cy="2031365"/>
+            <a:off x="1242695" y="4725670"/>
+            <a:ext cx="4103370" cy="923925"/>
           </a:xfrm>
           <a:prstGeom prst="rect"/>
           <a:noFill/>
@@ -7126,115 +7431,90 @@
                 <a:latin typeface="맑은 고딕" charset="0"/>
                 <a:ea typeface="맑은 고딕" charset="0"/>
               </a:rPr>
-              <a:t>네트워크에서 인스턴스화된 프리팹에 대한 레코더 및 스피커 설정을 담당하는 구성 요소입니다.</a:t>
+              <a:t>포톤 보이스를 사용하려면 포톤 사이트에서 포톤 보이스 앱을 생성</a:t>
+            </a:r>
+            <a:r>
+              <a:rPr lang="ko-KR" sz="1800">
+                <a:latin typeface="맑은 고딕" charset="0"/>
+                <a:ea typeface="맑은 고딕" charset="0"/>
+              </a:rPr>
+              <a:t>해야 합니다.</a:t>
             </a:r>
             <a:endParaRPr lang="ko-KR" altLang="en-US" sz="1800">
               <a:latin typeface="맑은 고딕" charset="0"/>
               <a:ea typeface="맑은 고딕" charset="0"/>
             </a:endParaRPr>
           </a:p>
-          <a:p>
-            <a:pPr marL="0" indent="0" algn="l" latinLnBrk="0" hangingPunct="1">
-              <a:buFontTx/>
-              <a:buNone/>
-            </a:pPr>
-            <a:endParaRPr lang="ko-KR" altLang="en-US" sz="1800">
-              <a:latin typeface="맑은 고딕" charset="0"/>
-              <a:ea typeface="맑은 고딕" charset="0"/>
-            </a:endParaRPr>
-          </a:p>
-          <a:p>
-            <a:pPr marL="0" indent="0" algn="l" latinLnBrk="0" hangingPunct="1">
-              <a:buFontTx/>
-              <a:buNone/>
-            </a:pPr>
-            <a:r>
-              <a:rPr lang="ko-KR" sz="1800">
-                <a:latin typeface="맑은 고딕" charset="0"/>
-                <a:ea typeface="맑은 고딕" charset="0"/>
-              </a:rPr>
-              <a:t>Primary Reco</a:t>
-            </a:r>
-            <a:r>
-              <a:rPr lang="ko-KR" sz="1800">
-                <a:latin typeface="맑은 고딕" charset="0"/>
-                <a:ea typeface="맑은 고딕" charset="0"/>
-              </a:rPr>
-              <a:t>r</a:t>
-            </a:r>
-            <a:r>
-              <a:rPr lang="ko-KR" sz="1800">
-                <a:latin typeface="맑은 고딕" charset="0"/>
-                <a:ea typeface="맑은 고딕" charset="0"/>
-              </a:rPr>
-              <a:t>der에 현</a:t>
-            </a:r>
-            <a:r>
-              <a:rPr lang="ko-KR" sz="1800">
-                <a:latin typeface="맑은 고딕" charset="0"/>
-                <a:ea typeface="맑은 고딕" charset="0"/>
-              </a:rPr>
-              <a:t>재</a:t>
-            </a:r>
-            <a:r>
-              <a:rPr lang="ko-KR" sz="1800">
-                <a:latin typeface="맑은 고딕" charset="0"/>
-                <a:ea typeface="맑은 고딕" charset="0"/>
-              </a:rPr>
-              <a:t> Reco</a:t>
-            </a:r>
-            <a:r>
-              <a:rPr lang="ko-KR" sz="1800">
-                <a:latin typeface="맑은 고딕" charset="0"/>
-                <a:ea typeface="맑은 고딕" charset="0"/>
-              </a:rPr>
-              <a:t>r</a:t>
-            </a:r>
-            <a:r>
-              <a:rPr lang="ko-KR" sz="1800">
-                <a:latin typeface="맑은 고딕" charset="0"/>
-                <a:ea typeface="맑은 고딕" charset="0"/>
-              </a:rPr>
-              <a:t>der 컴포넌트</a:t>
-            </a:r>
-            <a:r>
-              <a:rPr lang="ko-KR" sz="1800">
-                <a:latin typeface="맑은 고딕" charset="0"/>
-                <a:ea typeface="맑은 고딕" charset="0"/>
-              </a:rPr>
-              <a:t>가 추가된 게임 오브젝트를</a:t>
-            </a:r>
-            <a:r>
-              <a:rPr lang="ko-KR" sz="1800">
-                <a:latin typeface="맑은 고딕" charset="0"/>
-                <a:ea typeface="맑은 고딕" charset="0"/>
-              </a:rPr>
-              <a:t> 넣</a:t>
-            </a:r>
-            <a:r>
-              <a:rPr lang="ko-KR" sz="1800">
-                <a:latin typeface="맑은 고딕" charset="0"/>
-                <a:ea typeface="맑은 고딕" charset="0"/>
-              </a:rPr>
-              <a:t>습니다.</a:t>
-            </a:r>
-            <a:endParaRPr lang="ko-KR" altLang="en-US" sz="1800">
-              <a:latin typeface="맑은 고딕" charset="0"/>
-              <a:ea typeface="맑은 고딕" charset="0"/>
-            </a:endParaRPr>
-          </a:p>
         </p:txBody>
       </p:sp>
       <p:pic>
         <p:nvPicPr>
-          <p:cNvPr id="25" name="그림 17"/>
+          <p:cNvPr id="27" name="그림 6"/>
           <p:cNvPicPr>
             <a:picLocks noChangeAspect="1"/>
           </p:cNvPicPr>
           <p:nvPr/>
         </p:nvPicPr>
         <p:blipFill rotWithShape="1">
-          <a:blip r:embed="rId9" cstate="print">
+          <a:blip r:embed="rId10" cstate="hqprint">
+            <a:extLst>
+              <a:ext uri="{28A0092B-C50C-407E-A947-70E740481C1C}">
+                <a14:useLocalDpi xmlns:a14="http://schemas.microsoft.com/office/drawing/2010/main"/>
+              </a:ext>
+            </a:extLst>
+          </a:blip>
+          <a:stretch>
+            <a:fillRect/>
+          </a:stretch>
+        </p:blipFill>
+        <p:spPr>
+          <a:xfrm rot="0">
+            <a:off x="6728460" y="1224915"/>
+            <a:ext cx="2011045" cy="1602105"/>
+          </a:xfrm>
+          <a:prstGeom prst="rect"/>
+          <a:noFill/>
+        </p:spPr>
+      </p:pic>
+      <p:pic>
+        <p:nvPicPr>
+          <p:cNvPr id="30" name="그림 11"/>
+          <p:cNvPicPr>
+            <a:picLocks noChangeAspect="1"/>
+          </p:cNvPicPr>
+          <p:nvPr/>
+        </p:nvPicPr>
+        <p:blipFill rotWithShape="1">
+          <a:blip r:embed="rId12" cstate="hqprint">
+            <a:extLst>
+              <a:ext uri="{28A0092B-C50C-407E-A947-70E740481C1C}">
+                <a14:useLocalDpi xmlns:a14="http://schemas.microsoft.com/office/drawing/2010/main"/>
+              </a:ext>
+            </a:extLst>
+          </a:blip>
+          <a:stretch>
+            <a:fillRect/>
+          </a:stretch>
+        </p:blipFill>
+        <p:spPr>
+          <a:xfrm rot="0">
+            <a:off x="6721475" y="3065780"/>
+            <a:ext cx="4318635" cy="1748155"/>
+          </a:xfrm>
+          <a:prstGeom prst="rect"/>
+          <a:noFill/>
+        </p:spPr>
+      </p:pic>
+      <p:pic>
+        <p:nvPicPr>
+          <p:cNvPr id="33" name="그림 6"/>
+          <p:cNvPicPr>
+            <a:picLocks noChangeAspect="1"/>
+          </p:cNvPicPr>
+          <p:nvPr/>
+        </p:nvPicPr>
+        <p:blipFill rotWithShape="1">
+          <a:blip r:embed="rId13" cstate="print">
             <a:extLst>
               <a:ext uri="{28A0092B-C50C-407E-A947-70E740481C1C}">
                 <a14:useLocalDpi xmlns:a14="http://schemas.microsoft.com/office/drawing/2010/main" val="0"/>
@@ -7247,87 +7527,45 @@
         </p:blipFill>
         <p:spPr>
           <a:xfrm rot="0">
-            <a:off x="1318895" y="1400175"/>
-            <a:ext cx="2172335" cy="2532380"/>
+            <a:off x="1247140" y="1221740"/>
+            <a:ext cx="4123690" cy="1056640"/>
           </a:xfrm>
           <a:prstGeom prst="rect"/>
           <a:noFill/>
         </p:spPr>
       </p:pic>
-      <p:sp>
-        <p:nvSpPr>
-          <p:cNvPr id="27" name="텍스트 상자 19"/>
-          <p:cNvSpPr txBox="1">
-            <a:spLocks/>
-          </p:cNvSpPr>
-          <p:nvPr/>
-        </p:nvSpPr>
-        <p:spPr>
-          <a:xfrm rot="0">
-            <a:off x="1318895" y="4135120"/>
-            <a:ext cx="4003040" cy="2031365"/>
-          </a:xfrm>
-          <a:prstGeom prst="rect"/>
-          <a:noFill/>
-          <a:ln w="0">
-            <a:noFill/>
-            <a:prstDash/>
-          </a:ln>
-        </p:spPr>
-        <p:txBody>
-          <a:bodyPr wrap="square" lIns="89535" tIns="46355" rIns="89535" bIns="46355" numCol="1" vert="horz" anchor="t">
-            <a:spAutoFit/>
-          </a:bodyPr>
-          <a:lstStyle/>
-          <a:p>
-            <a:pPr marL="0" indent="0" algn="l" latinLnBrk="0" hangingPunct="1">
-              <a:buFontTx/>
-              <a:buNone/>
-            </a:pPr>
-            <a:r>
-              <a:rPr lang="ko-KR" sz="1800">
-                <a:latin typeface="맑은 고딕" charset="0"/>
-                <a:ea typeface="맑은 고딕" charset="0"/>
-              </a:rPr>
-              <a:t>빈 게임 오브젝트를 생성하고 Network Voice Manager로 이름을 정의합니다.</a:t>
-            </a:r>
-            <a:endParaRPr lang="ko-KR" altLang="en-US" sz="1800">
-              <a:latin typeface="맑은 고딕" charset="0"/>
-              <a:ea typeface="맑은 고딕" charset="0"/>
-            </a:endParaRPr>
-          </a:p>
-          <a:p>
-            <a:pPr marL="0" indent="0" algn="l" latinLnBrk="0" hangingPunct="1">
-              <a:buFontTx/>
-              <a:buNone/>
-            </a:pPr>
-            <a:endParaRPr lang="ko-KR" altLang="en-US" sz="1800">
-              <a:latin typeface="맑은 고딕" charset="0"/>
-              <a:ea typeface="맑은 고딕" charset="0"/>
-            </a:endParaRPr>
-          </a:p>
-          <a:p>
-            <a:pPr marL="0" indent="0" algn="l" latinLnBrk="0" hangingPunct="1">
-              <a:buFontTx/>
-              <a:buNone/>
-            </a:pPr>
-            <a:r>
-              <a:rPr lang="ko-KR" sz="1800">
-                <a:latin typeface="맑은 고딕" charset="0"/>
-                <a:ea typeface="맑은 고딕" charset="0"/>
-              </a:rPr>
-              <a:t>그리고 Photon Voice Network 컴포넌트와 Recorder 컴포넌트를 추가합니다.</a:t>
-            </a:r>
-            <a:endParaRPr lang="ko-KR" altLang="en-US" sz="1800">
-              <a:latin typeface="맑은 고딕" charset="0"/>
-              <a:ea typeface="맑은 고딕" charset="0"/>
-            </a:endParaRPr>
-          </a:p>
-        </p:txBody>
-      </p:sp>
       <p:pic>
         <p:nvPicPr>
-          <p:cNvPr id="29" name="그림 34"/>
+          <p:cNvPr id="34" name="그림 7"/>
+          <p:cNvPicPr>
+            <a:picLocks noChangeAspect="1"/>
+          </p:cNvPicPr>
+          <p:nvPr/>
+        </p:nvPicPr>
+        <p:blipFill rotWithShape="1">
+          <a:blip r:embed="rId14" cstate="print">
+            <a:extLst>
+              <a:ext uri="{28A0092B-C50C-407E-A947-70E740481C1C}">
+                <a14:useLocalDpi xmlns:a14="http://schemas.microsoft.com/office/drawing/2010/main" val="0"/>
+              </a:ext>
+            </a:extLst>
+          </a:blip>
+          <a:stretch>
+            <a:fillRect/>
+          </a:stretch>
+        </p:blipFill>
+        <p:spPr>
+          <a:xfrm rot="0">
+            <a:off x="1230630" y="2518410"/>
+            <a:ext cx="4140200" cy="1987550"/>
+          </a:xfrm>
+          <a:prstGeom prst="rect"/>
+          <a:noFill/>
+        </p:spPr>
+      </p:pic>
+      <p:pic>
+        <p:nvPicPr>
+          <p:cNvPr id="35" name="그림 8"/>
           <p:cNvPicPr>
             <a:picLocks noChangeAspect="1"/>
           </p:cNvPicPr>
@@ -7347,133 +7585,208 @@
         </p:blipFill>
         <p:spPr>
           <a:xfrm rot="0">
-            <a:off x="3670935" y="1732280"/>
-            <a:ext cx="1651000" cy="868045"/>
+            <a:off x="9951085" y="1400175"/>
+            <a:ext cx="1145540" cy="1244600"/>
           </a:xfrm>
           <a:prstGeom prst="rect"/>
           <a:noFill/>
         </p:spPr>
       </p:pic>
-      <p:pic>
-        <p:nvPicPr>
-          <p:cNvPr id="30" name="그림 35"/>
-          <p:cNvPicPr>
-            <a:picLocks noChangeAspect="1"/>
-          </p:cNvPicPr>
+      <p:sp>
+        <p:nvSpPr>
+          <p:cNvPr id="36" name="도형 9"/>
+          <p:cNvSpPr>
+            <a:spLocks/>
+          </p:cNvSpPr>
           <p:nvPr/>
-        </p:nvPicPr>
-        <p:blipFill rotWithShape="1">
-          <a:blip r:embed="rId12" cstate="hqprint">
-            <a:extLst>
-              <a:ext uri="{28A0092B-C50C-407E-A947-70E740481C1C}">
-                <a14:useLocalDpi xmlns:a14="http://schemas.microsoft.com/office/drawing/2010/main"/>
-              </a:ext>
-            </a:extLst>
-          </a:blip>
-          <a:stretch>
-            <a:fillRect/>
-          </a:stretch>
-        </p:blipFill>
-        <p:spPr>
-          <a:xfrm rot="0">
-            <a:off x="3670935" y="2876550"/>
-            <a:ext cx="1651000" cy="770890"/>
-          </a:xfrm>
-          <a:prstGeom prst="rect"/>
-          <a:noFill/>
-        </p:spPr>
-      </p:pic>
-      <p:pic>
-        <p:nvPicPr>
-          <p:cNvPr id="31" name="그림 36"/>
-          <p:cNvPicPr>
-            <a:picLocks noChangeAspect="1"/>
-          </p:cNvPicPr>
-          <p:nvPr/>
-        </p:nvPicPr>
-        <p:blipFill rotWithShape="1">
-          <a:blip r:embed="rId13" cstate="hqprint">
-            <a:extLst>
-              <a:ext uri="{28A0092B-C50C-407E-A947-70E740481C1C}">
-                <a14:useLocalDpi xmlns:a14="http://schemas.microsoft.com/office/drawing/2010/main"/>
-              </a:ext>
-            </a:extLst>
-          </a:blip>
-          <a:stretch>
-            <a:fillRect/>
-          </a:stretch>
-        </p:blipFill>
-        <p:spPr>
-          <a:xfrm rot="0">
-            <a:off x="8878570" y="1379855"/>
-            <a:ext cx="1812925" cy="2552700"/>
-          </a:xfrm>
-          <a:prstGeom prst="rect"/>
-          <a:noFill/>
-        </p:spPr>
-      </p:pic>
-      <p:pic>
-        <p:nvPicPr>
-          <p:cNvPr id="32" name="그림 3"/>
-          <p:cNvPicPr>
-            <a:picLocks noChangeAspect="1"/>
-          </p:cNvPicPr>
-          <p:nvPr/>
-        </p:nvPicPr>
-        <p:blipFill rotWithShape="1">
-          <a:blip r:embed="rId14" cstate="print">
-            <a:extLst>
-              <a:ext uri="{28A0092B-C50C-407E-A947-70E740481C1C}">
-                <a14:useLocalDpi xmlns:a14="http://schemas.microsoft.com/office/drawing/2010/main" val="0"/>
-              </a:ext>
-            </a:extLst>
-          </a:blip>
-          <a:stretch>
-            <a:fillRect/>
-          </a:stretch>
-        </p:blipFill>
-        <p:spPr>
-          <a:xfrm rot="0">
-            <a:off x="6522720" y="2017395"/>
-            <a:ext cx="2040255" cy="1410335"/>
-          </a:xfrm>
-          <a:prstGeom prst="rect"/>
-          <a:noFill/>
-        </p:spPr>
-      </p:pic>
-      <p:cxnSp>
-        <p:nvCxnSpPr>
-          <p:cNvPr id="33" name="도형 4"/>
-          <p:cNvCxnSpPr/>
-          <p:nvPr/>
-        </p:nvCxnSpPr>
-        <p:spPr>
-          <a:xfrm rot="0">
-            <a:off x="7681595" y="2876550"/>
-            <a:ext cx="2926715" cy="175260"/>
-          </a:xfrm>
-          <a:prstGeom prst="straightConnector1"/>
-          <a:ln w="6350" cap="flat" cmpd="sng">
-            <a:prstDash/>
-            <a:headEnd type="none" w="med" len="med"/>
-            <a:tailEnd type="triangle" w="med" len="med"/>
-          </a:ln>
+        </p:nvSpPr>
+        <p:spPr>
+          <a:xfrm rot="0">
+            <a:off x="8928100" y="1894840"/>
+            <a:ext cx="367030" cy="262255"/>
+          </a:xfrm>
+          <a:prstGeom prst="notchedRightArrow"/>
+          <a:scene3d>
+            <a:camera prst="orthographicFront"/>
+            <a:lightRig rig="threePt" dir="t"/>
+          </a:scene3d>
+          <a:sp3d prstMaterial="warmMatte">
+            <a:bevelT w="76200" h="76200" prst="circle"/>
+            <a:contourClr>
+              <a:srgbClr val="000000"/>
+            </a:contourClr>
+          </a:sp3d>
         </p:spPr>
         <p:style>
-          <a:lnRef idx="1">
-            <a:schemeClr val="accent1"/>
+          <a:lnRef idx="2">
+            <a:schemeClr val="accent1">
+              <a:shade val="50000"/>
+            </a:schemeClr>
           </a:lnRef>
-          <a:fillRef idx="0">
+          <a:fillRef idx="1">
             <a:schemeClr val="accent1"/>
           </a:fillRef>
           <a:effectRef idx="0">
             <a:schemeClr val="accent1"/>
           </a:effectRef>
           <a:fontRef idx="minor">
-            <a:schemeClr val="tx1"/>
+            <a:schemeClr val="lt1"/>
           </a:fontRef>
         </p:style>
-      </p:cxnSp>
+        <p:txBody>
+          <a:bodyPr wrap="square" lIns="91440" tIns="45720" rIns="91440" bIns="45720" numCol="1" vert="horz" anchor="ctr">
+            <a:noAutofit/>
+          </a:bodyPr>
+          <a:lstStyle/>
+          <a:p>
+            <a:pPr marL="0" indent="0" algn="ctr" latinLnBrk="0" hangingPunct="1">
+              <a:buFontTx/>
+              <a:buNone/>
+            </a:pPr>
+            <a:endParaRPr lang="ko-KR" altLang="en-US" sz="1800">
+              <a:latin typeface="맑은 고딕" charset="0"/>
+              <a:ea typeface="맑은 고딕" charset="0"/>
+            </a:endParaRPr>
+          </a:p>
+        </p:txBody>
+      </p:sp>
+      <p:sp>
+        <p:nvSpPr>
+          <p:cNvPr id="37" name="도형 10"/>
+          <p:cNvSpPr>
+            <a:spLocks/>
+          </p:cNvSpPr>
+          <p:nvPr/>
+        </p:nvSpPr>
+        <p:spPr>
+          <a:xfrm rot="0">
+            <a:off x="9390380" y="1891665"/>
+            <a:ext cx="367030" cy="262255"/>
+          </a:xfrm>
+          <a:prstGeom prst="notchedRightArrow"/>
+          <a:scene3d>
+            <a:camera prst="orthographicFront"/>
+            <a:lightRig rig="threePt" dir="t"/>
+          </a:scene3d>
+          <a:sp3d prstMaterial="warmMatte">
+            <a:bevelT w="76200" h="76200" prst="circle"/>
+            <a:contourClr>
+              <a:srgbClr val="000000"/>
+            </a:contourClr>
+          </a:sp3d>
+        </p:spPr>
+        <p:style>
+          <a:lnRef idx="2">
+            <a:schemeClr val="accent1">
+              <a:shade val="50000"/>
+            </a:schemeClr>
+          </a:lnRef>
+          <a:fillRef idx="1">
+            <a:schemeClr val="accent1"/>
+          </a:fillRef>
+          <a:effectRef idx="0">
+            <a:schemeClr val="accent1"/>
+          </a:effectRef>
+          <a:fontRef idx="minor">
+            <a:schemeClr val="lt1"/>
+          </a:fontRef>
+        </p:style>
+        <p:txBody>
+          <a:bodyPr wrap="square" lIns="91440" tIns="45720" rIns="91440" bIns="45720" numCol="1" vert="horz" anchor="ctr">
+            <a:noAutofit/>
+          </a:bodyPr>
+          <a:lstStyle/>
+          <a:p>
+            <a:pPr marL="0" indent="0" algn="ctr" latinLnBrk="0" hangingPunct="1">
+              <a:buFontTx/>
+              <a:buNone/>
+            </a:pPr>
+            <a:endParaRPr lang="ko-KR" altLang="en-US" sz="1800">
+              <a:latin typeface="맑은 고딕" charset="0"/>
+              <a:ea typeface="맑은 고딕" charset="0"/>
+            </a:endParaRPr>
+          </a:p>
+        </p:txBody>
+      </p:sp>
+      <p:sp>
+        <p:nvSpPr>
+          <p:cNvPr id="38" name="텍스트 상자 11"/>
+          <p:cNvSpPr txBox="1">
+            <a:spLocks/>
+          </p:cNvSpPr>
+          <p:nvPr/>
+        </p:nvSpPr>
+        <p:spPr>
+          <a:xfrm rot="0">
+            <a:off x="6726555" y="5005070"/>
+            <a:ext cx="4305300" cy="647065"/>
+          </a:xfrm>
+          <a:prstGeom prst="rect"/>
+          <a:noFill/>
+          <a:ln w="0">
+            <a:noFill/>
+            <a:prstDash/>
+          </a:ln>
+        </p:spPr>
+        <p:txBody>
+          <a:bodyPr wrap="square" lIns="89535" tIns="46355" rIns="89535" bIns="46355" numCol="1" vert="horz" anchor="t">
+            <a:spAutoFit/>
+          </a:bodyPr>
+          <a:lstStyle/>
+          <a:p>
+            <a:pPr marL="0" indent="0" algn="l" latinLnBrk="0" hangingPunct="1">
+              <a:buFontTx/>
+              <a:buNone/>
+            </a:pPr>
+            <a:r>
+              <a:rPr lang="ko-KR" sz="1800">
+                <a:latin typeface="맑은 고딕" charset="0"/>
+                <a:ea typeface="맑은 고딕" charset="0"/>
+              </a:rPr>
+              <a:t>그 다음 </a:t>
+            </a:r>
+            <a:r>
+              <a:rPr lang="ko-KR" sz="1800">
+                <a:latin typeface="맑은 고딕" charset="0"/>
+                <a:ea typeface="맑은 고딕" charset="0"/>
+              </a:rPr>
+              <a:t>포톤 클라우드 설정에서</a:t>
+            </a:r>
+            <a:r>
+              <a:rPr lang="ko-KR" sz="1800">
+                <a:latin typeface="맑은 고딕" charset="0"/>
+                <a:ea typeface="맑은 고딕" charset="0"/>
+              </a:rPr>
+              <a:t> 포톤 생성된 보이스</a:t>
+            </a:r>
+            <a:r>
+              <a:rPr lang="ko-KR" sz="1800">
+                <a:latin typeface="맑은 고딕" charset="0"/>
+                <a:ea typeface="맑은 고딕" charset="0"/>
+              </a:rPr>
+              <a:t> 앱 ID를 넣어주</a:t>
+            </a:r>
+            <a:r>
+              <a:rPr lang="ko-KR" sz="1800">
+                <a:latin typeface="맑은 고딕" charset="0"/>
+                <a:ea typeface="맑은 고딕" charset="0"/>
+              </a:rPr>
+              <a:t>면 됩</a:t>
+            </a:r>
+            <a:r>
+              <a:rPr lang="ko-KR" sz="1800">
+                <a:latin typeface="맑은 고딕" charset="0"/>
+                <a:ea typeface="맑은 고딕" charset="0"/>
+              </a:rPr>
+              <a:t>니다.</a:t>
+            </a:r>
+            <a:endParaRPr lang="ko-KR" altLang="en-US" sz="1800">
+              <a:latin typeface="맑은 고딕" charset="0"/>
+              <a:ea typeface="맑은 고딕" charset="0"/>
+            </a:endParaRPr>
+          </a:p>
+        </p:txBody>
+      </p:sp>
     </p:spTree>
   </p:cSld>
   <p:clrMapOvr>
@@ -7524,8 +7837,8 @@
         </p:nvSpPr>
         <p:spPr>
           <a:xfrm rot="0">
-            <a:off x="5187315" y="431800"/>
-            <a:ext cx="1812925" cy="554990"/>
+            <a:off x="3939540" y="421005"/>
+            <a:ext cx="4307205" cy="554990"/>
           </a:xfrm>
           <a:prstGeom prst="rect"/>
           <a:noFill/>
@@ -7549,21 +7862,14 @@
                 <a:latin typeface="맑은 고딕" charset="0"/>
                 <a:ea typeface="맑은 고딕" charset="0"/>
               </a:rPr>
-              <a:t>Reco</a:t>
+              <a:t>Photon </a:t>
             </a:r>
             <a:r>
               <a:rPr lang="ko-KR" sz="3000" b="1">
                 <a:latin typeface="맑은 고딕" charset="0"/>
                 <a:ea typeface="맑은 고딕" charset="0"/>
               </a:rPr>
-              <a:t>r</a:t>
-            </a:r>
-            <a:r>
-              <a:rPr lang="ko-KR" sz="3000" b="1">
-                <a:latin typeface="맑은 고딕" charset="0"/>
-                <a:ea typeface="맑은 고딕" charset="0"/>
-              </a:rPr>
-              <a:t>der</a:t>
+              <a:t>Voice Network</a:t>
             </a:r>
             <a:endParaRPr lang="ko-KR" altLang="en-US" sz="3000" b="1">
               <a:latin typeface="맑은 고딕" charset="0"/>
@@ -7582,8 +7888,8 @@
         </p:nvSpPr>
         <p:spPr>
           <a:xfrm rot="0">
-            <a:off x="6800215" y="1329055"/>
-            <a:ext cx="4324350" cy="4246245"/>
+            <a:off x="6525895" y="4138295"/>
+            <a:ext cx="4163060" cy="2031365"/>
           </a:xfrm>
           <a:prstGeom prst="rect"/>
           <a:noFill/>
@@ -7607,7 +7913,7 @@
                 <a:latin typeface="맑은 고딕" charset="0"/>
                 <a:ea typeface="맑은 고딕" charset="0"/>
               </a:rPr>
-              <a:t>Input Source Type(Microphone)은 마이크가 연결되어 있다면 현재 연결된 마이크의 정보가 나타납니다. </a:t>
+              <a:t>네트워크에서 인스턴스화된 프리팹에 대한 레코더 및 스피커 설정을 담당하는 구성 요소입니다.</a:t>
             </a:r>
             <a:endParaRPr lang="ko-KR" altLang="en-US" sz="1800">
               <a:latin typeface="맑은 고딕" charset="0"/>
@@ -7634,153 +7940,188 @@
                 <a:latin typeface="맑은 고딕" charset="0"/>
                 <a:ea typeface="맑은 고딕" charset="0"/>
               </a:rPr>
-              <a:t>만약, 연결되지 않았다면 오류 목록이 나타납니다.</a:t>
+              <a:t>Primary Reco</a:t>
+            </a:r>
+            <a:r>
+              <a:rPr lang="ko-KR" sz="1800">
+                <a:latin typeface="맑은 고딕" charset="0"/>
+                <a:ea typeface="맑은 고딕" charset="0"/>
+              </a:rPr>
+              <a:t>r</a:t>
+            </a:r>
+            <a:r>
+              <a:rPr lang="ko-KR" sz="1800">
+                <a:latin typeface="맑은 고딕" charset="0"/>
+                <a:ea typeface="맑은 고딕" charset="0"/>
+              </a:rPr>
+              <a:t>der에 현</a:t>
+            </a:r>
+            <a:r>
+              <a:rPr lang="ko-KR" sz="1800">
+                <a:latin typeface="맑은 고딕" charset="0"/>
+                <a:ea typeface="맑은 고딕" charset="0"/>
+              </a:rPr>
+              <a:t>재</a:t>
+            </a:r>
+            <a:r>
+              <a:rPr lang="ko-KR" sz="1800">
+                <a:latin typeface="맑은 고딕" charset="0"/>
+                <a:ea typeface="맑은 고딕" charset="0"/>
+              </a:rPr>
+              <a:t> Reco</a:t>
+            </a:r>
+            <a:r>
+              <a:rPr lang="ko-KR" sz="1800">
+                <a:latin typeface="맑은 고딕" charset="0"/>
+                <a:ea typeface="맑은 고딕" charset="0"/>
+              </a:rPr>
+              <a:t>r</a:t>
+            </a:r>
+            <a:r>
+              <a:rPr lang="ko-KR" sz="1800">
+                <a:latin typeface="맑은 고딕" charset="0"/>
+                <a:ea typeface="맑은 고딕" charset="0"/>
+              </a:rPr>
+              <a:t>der 컴포넌트</a:t>
+            </a:r>
+            <a:r>
+              <a:rPr lang="ko-KR" sz="1800">
+                <a:latin typeface="맑은 고딕" charset="0"/>
+                <a:ea typeface="맑은 고딕" charset="0"/>
+              </a:rPr>
+              <a:t>가 추가된 게임 오브젝트를</a:t>
+            </a:r>
+            <a:r>
+              <a:rPr lang="ko-KR" sz="1800">
+                <a:latin typeface="맑은 고딕" charset="0"/>
+                <a:ea typeface="맑은 고딕" charset="0"/>
+              </a:rPr>
+              <a:t> 넣</a:t>
+            </a:r>
+            <a:r>
+              <a:rPr lang="ko-KR" sz="1800">
+                <a:latin typeface="맑은 고딕" charset="0"/>
+                <a:ea typeface="맑은 고딕" charset="0"/>
+              </a:rPr>
+              <a:t>습니다.</a:t>
             </a:r>
             <a:endParaRPr lang="ko-KR" altLang="en-US" sz="1800">
               <a:latin typeface="맑은 고딕" charset="0"/>
               <a:ea typeface="맑은 고딕" charset="0"/>
             </a:endParaRPr>
           </a:p>
-          <a:p>
-            <a:pPr marL="0" indent="0" algn="l" latinLnBrk="0" hangingPunct="1">
-              <a:buFontTx/>
-              <a:buNone/>
-            </a:pPr>
-            <a:endParaRPr lang="ko-KR" altLang="en-US" sz="1800">
-              <a:latin typeface="맑은 고딕" charset="0"/>
-              <a:ea typeface="맑은 고딕" charset="0"/>
-            </a:endParaRPr>
-          </a:p>
-          <a:p>
-            <a:pPr marL="0" indent="0" algn="l" latinLnBrk="0" hangingPunct="1">
-              <a:buFontTx/>
-              <a:buNone/>
-            </a:pPr>
-            <a:endParaRPr lang="ko-KR" altLang="en-US" sz="1800">
-              <a:latin typeface="맑은 고딕" charset="0"/>
-              <a:ea typeface="맑은 고딕" charset="0"/>
-            </a:endParaRPr>
-          </a:p>
-          <a:p>
-            <a:pPr marL="0" indent="0" algn="l" latinLnBrk="0" hangingPunct="1">
-              <a:buFontTx/>
-              <a:buNone/>
-            </a:pPr>
-            <a:endParaRPr lang="ko-KR" altLang="en-US" sz="1800">
-              <a:latin typeface="맑은 고딕" charset="0"/>
-              <a:ea typeface="맑은 고딕" charset="0"/>
-            </a:endParaRPr>
-          </a:p>
-          <a:p>
-            <a:pPr marL="0" indent="0" algn="l" latinLnBrk="0" hangingPunct="1">
-              <a:buFontTx/>
-              <a:buNone/>
-            </a:pPr>
-            <a:endParaRPr lang="ko-KR" altLang="en-US" sz="1800">
-              <a:latin typeface="맑은 고딕" charset="0"/>
-              <a:ea typeface="맑은 고딕" charset="0"/>
-            </a:endParaRPr>
-          </a:p>
-          <a:p>
-            <a:pPr marL="0" indent="0" algn="l" latinLnBrk="0" hangingPunct="1">
-              <a:buFontTx/>
-              <a:buNone/>
-            </a:pPr>
-            <a:r>
-              <a:rPr lang="ko-KR" altLang="en-US" sz="1800">
-                <a:latin typeface="맑은 고딕" charset="0"/>
-                <a:ea typeface="맑은 고딕" charset="0"/>
-              </a:rPr>
-              <a:t>Microphone Device에서 원하는 음성 입력 장치를 선택할 수 있습니다.</a:t>
-            </a:r>
-            <a:endParaRPr lang="ko-KR" altLang="en-US" sz="1800">
-              <a:latin typeface="맑은 고딕" charset="0"/>
-              <a:ea typeface="맑은 고딕" charset="0"/>
-            </a:endParaRPr>
-          </a:p>
-          <a:p>
-            <a:pPr marL="0" indent="0" algn="l" latinLnBrk="0" hangingPunct="1">
-              <a:buFontTx/>
-              <a:buNone/>
-            </a:pPr>
-            <a:endParaRPr lang="ko-KR" altLang="en-US" sz="1800">
-              <a:latin typeface="맑은 고딕" charset="0"/>
-              <a:ea typeface="맑은 고딕" charset="0"/>
-            </a:endParaRPr>
-          </a:p>
-          <a:p>
-            <a:pPr marL="0" indent="0" algn="l" latinLnBrk="0" hangingPunct="1">
-              <a:buFontTx/>
-              <a:buNone/>
-            </a:pPr>
-            <a:r>
-              <a:rPr lang="ko-KR" altLang="en-US" sz="1800">
-                <a:latin typeface="맑은 고딕" charset="0"/>
-                <a:ea typeface="맑은 고딕" charset="0"/>
-              </a:rPr>
-              <a:t>DebugEcho를 활성화하면 내 음성이 들리는지 확인할 수 있습니다.</a:t>
-            </a:r>
-            <a:endParaRPr lang="ko-KR" altLang="en-US" sz="1800">
-              <a:latin typeface="맑은 고딕" charset="0"/>
-              <a:ea typeface="맑은 고딕" charset="0"/>
-            </a:endParaRPr>
-          </a:p>
-        </p:txBody>
-      </p:sp>
-      <p:sp>
-        <p:nvSpPr>
-          <p:cNvPr id="25" name="텍스트 상자 14"/>
-          <p:cNvSpPr txBox="1">
-            <a:spLocks/>
-          </p:cNvSpPr>
-          <p:nvPr/>
-        </p:nvSpPr>
-        <p:spPr>
-          <a:xfrm rot="0">
-            <a:off x="1330325" y="1382395"/>
-            <a:ext cx="4023995" cy="647065"/>
-          </a:xfrm>
-          <a:prstGeom prst="rect"/>
-          <a:noFill/>
-          <a:ln w="0">
-            <a:noFill/>
-            <a:prstDash/>
-          </a:ln>
-        </p:spPr>
-        <p:txBody>
-          <a:bodyPr wrap="square" lIns="89535" tIns="46355" rIns="89535" bIns="46355" numCol="1" vert="horz" anchor="t">
-            <a:spAutoFit/>
-          </a:bodyPr>
-          <a:lstStyle/>
-          <a:p>
-            <a:pPr marL="0" indent="0" algn="l" latinLnBrk="0" hangingPunct="1">
-              <a:buFontTx/>
-              <a:buNone/>
-            </a:pPr>
-            <a:r>
-              <a:rPr lang="ko-KR" sz="1800">
-                <a:latin typeface="맑은 고딕" charset="0"/>
-                <a:ea typeface="맑은 고딕" charset="0"/>
-              </a:rPr>
-              <a:t>Recoder는 사운드를 녹음하고 전송하는 컴포넌트입니다.</a:t>
-            </a:r>
-            <a:endParaRPr lang="ko-KR" altLang="en-US" sz="1800">
-              <a:latin typeface="맑은 고딕" charset="0"/>
-              <a:ea typeface="맑은 고딕" charset="0"/>
-            </a:endParaRPr>
-          </a:p>
         </p:txBody>
       </p:sp>
       <p:pic>
         <p:nvPicPr>
-          <p:cNvPr id="26" name="그림 15" descr="C:/Users/Admin1/AppData/Roaming/PolarisOffice/ETemp/37180_15771168/fImage376761096500.png"/>
+          <p:cNvPr id="25" name="그림 17"/>
           <p:cNvPicPr>
             <a:picLocks noChangeAspect="1"/>
           </p:cNvPicPr>
           <p:nvPr/>
         </p:nvPicPr>
         <p:blipFill rotWithShape="1">
-          <a:blip r:embed="rId3" cstate="hqprint">
+          <a:blip r:embed="rId9" cstate="print">
+            <a:extLst>
+              <a:ext uri="{28A0092B-C50C-407E-A947-70E740481C1C}">
+                <a14:useLocalDpi xmlns:a14="http://schemas.microsoft.com/office/drawing/2010/main" val="0"/>
+              </a:ext>
+            </a:extLst>
+          </a:blip>
+          <a:stretch>
+            <a:fillRect/>
+          </a:stretch>
+        </p:blipFill>
+        <p:spPr>
+          <a:xfrm rot="0">
+            <a:off x="1318895" y="1400175"/>
+            <a:ext cx="2172335" cy="2532380"/>
+          </a:xfrm>
+          <a:prstGeom prst="rect"/>
+          <a:noFill/>
+        </p:spPr>
+      </p:pic>
+      <p:sp>
+        <p:nvSpPr>
+          <p:cNvPr id="27" name="텍스트 상자 19"/>
+          <p:cNvSpPr txBox="1">
+            <a:spLocks/>
+          </p:cNvSpPr>
+          <p:nvPr/>
+        </p:nvSpPr>
+        <p:spPr>
+          <a:xfrm rot="0">
+            <a:off x="1318895" y="4135120"/>
+            <a:ext cx="4003040" cy="2031365"/>
+          </a:xfrm>
+          <a:prstGeom prst="rect"/>
+          <a:noFill/>
+          <a:ln w="0">
+            <a:noFill/>
+            <a:prstDash/>
+          </a:ln>
+        </p:spPr>
+        <p:txBody>
+          <a:bodyPr wrap="square" lIns="89535" tIns="46355" rIns="89535" bIns="46355" numCol="1" vert="horz" anchor="t">
+            <a:spAutoFit/>
+          </a:bodyPr>
+          <a:lstStyle/>
+          <a:p>
+            <a:pPr marL="0" indent="0" algn="l" latinLnBrk="0" hangingPunct="1">
+              <a:buFontTx/>
+              <a:buNone/>
+            </a:pPr>
+            <a:r>
+              <a:rPr lang="ko-KR" sz="1800">
+                <a:latin typeface="맑은 고딕" charset="0"/>
+                <a:ea typeface="맑은 고딕" charset="0"/>
+              </a:rPr>
+              <a:t>빈 게임 오브젝트를 생성하고 Network Voice Manager로 이름을 정의합니다.</a:t>
+            </a:r>
+            <a:endParaRPr lang="ko-KR" altLang="en-US" sz="1800">
+              <a:latin typeface="맑은 고딕" charset="0"/>
+              <a:ea typeface="맑은 고딕" charset="0"/>
+            </a:endParaRPr>
+          </a:p>
+          <a:p>
+            <a:pPr marL="0" indent="0" algn="l" latinLnBrk="0" hangingPunct="1">
+              <a:buFontTx/>
+              <a:buNone/>
+            </a:pPr>
+            <a:endParaRPr lang="ko-KR" altLang="en-US" sz="1800">
+              <a:latin typeface="맑은 고딕" charset="0"/>
+              <a:ea typeface="맑은 고딕" charset="0"/>
+            </a:endParaRPr>
+          </a:p>
+          <a:p>
+            <a:pPr marL="0" indent="0" algn="l" latinLnBrk="0" hangingPunct="1">
+              <a:buFontTx/>
+              <a:buNone/>
+            </a:pPr>
+            <a:r>
+              <a:rPr lang="ko-KR" sz="1800">
+                <a:latin typeface="맑은 고딕" charset="0"/>
+                <a:ea typeface="맑은 고딕" charset="0"/>
+              </a:rPr>
+              <a:t>그리고 Photon Voice Network 컴포넌트와 Recorder 컴포넌트를 추가합니다.</a:t>
+            </a:r>
+            <a:endParaRPr lang="ko-KR" altLang="en-US" sz="1800">
+              <a:latin typeface="맑은 고딕" charset="0"/>
+              <a:ea typeface="맑은 고딕" charset="0"/>
+            </a:endParaRPr>
+          </a:p>
+        </p:txBody>
+      </p:sp>
+      <p:pic>
+        <p:nvPicPr>
+          <p:cNvPr id="29" name="그림 34"/>
+          <p:cNvPicPr>
+            <a:picLocks noChangeAspect="1"/>
+          </p:cNvPicPr>
+          <p:nvPr/>
+        </p:nvPicPr>
+        <p:blipFill rotWithShape="1">
+          <a:blip r:embed="rId11" cstate="hqprint">
             <a:extLst>
               <a:ext uri="{28A0092B-C50C-407E-A947-70E740481C1C}">
                 <a14:useLocalDpi xmlns:a14="http://schemas.microsoft.com/office/drawing/2010/main"/>
@@ -7793,8 +8134,8 @@
         </p:blipFill>
         <p:spPr>
           <a:xfrm rot="0">
-            <a:off x="1330325" y="2169795"/>
-            <a:ext cx="4024630" cy="2851785"/>
+            <a:off x="3670935" y="1732280"/>
+            <a:ext cx="1651000" cy="868045"/>
           </a:xfrm>
           <a:prstGeom prst="rect"/>
           <a:noFill/>
@@ -7802,14 +8143,72 @@
       </p:pic>
       <p:pic>
         <p:nvPicPr>
-          <p:cNvPr id="27" name="그림 9" descr="C:/Users/Admin1/AppData/Roaming/PolarisOffice/ETemp/37180_15771168/fImage20961249169.png"/>
+          <p:cNvPr id="30" name="그림 35"/>
           <p:cNvPicPr>
             <a:picLocks noChangeAspect="1"/>
           </p:cNvPicPr>
           <p:nvPr/>
         </p:nvPicPr>
         <p:blipFill rotWithShape="1">
-          <a:blip r:embed="rId4" cstate="print">
+          <a:blip r:embed="rId12" cstate="hqprint">
+            <a:extLst>
+              <a:ext uri="{28A0092B-C50C-407E-A947-70E740481C1C}">
+                <a14:useLocalDpi xmlns:a14="http://schemas.microsoft.com/office/drawing/2010/main"/>
+              </a:ext>
+            </a:extLst>
+          </a:blip>
+          <a:stretch>
+            <a:fillRect/>
+          </a:stretch>
+        </p:blipFill>
+        <p:spPr>
+          <a:xfrm rot="0">
+            <a:off x="3670935" y="2876550"/>
+            <a:ext cx="1651000" cy="770890"/>
+          </a:xfrm>
+          <a:prstGeom prst="rect"/>
+          <a:noFill/>
+        </p:spPr>
+      </p:pic>
+      <p:pic>
+        <p:nvPicPr>
+          <p:cNvPr id="31" name="그림 36"/>
+          <p:cNvPicPr>
+            <a:picLocks noChangeAspect="1"/>
+          </p:cNvPicPr>
+          <p:nvPr/>
+        </p:nvPicPr>
+        <p:blipFill rotWithShape="1">
+          <a:blip r:embed="rId13" cstate="hqprint">
+            <a:extLst>
+              <a:ext uri="{28A0092B-C50C-407E-A947-70E740481C1C}">
+                <a14:useLocalDpi xmlns:a14="http://schemas.microsoft.com/office/drawing/2010/main"/>
+              </a:ext>
+            </a:extLst>
+          </a:blip>
+          <a:stretch>
+            <a:fillRect/>
+          </a:stretch>
+        </p:blipFill>
+        <p:spPr>
+          <a:xfrm rot="0">
+            <a:off x="8878570" y="1379855"/>
+            <a:ext cx="1812925" cy="2552700"/>
+          </a:xfrm>
+          <a:prstGeom prst="rect"/>
+          <a:noFill/>
+        </p:spPr>
+      </p:pic>
+      <p:pic>
+        <p:nvPicPr>
+          <p:cNvPr id="32" name="그림 3"/>
+          <p:cNvPicPr>
+            <a:picLocks noChangeAspect="1"/>
+          </p:cNvPicPr>
+          <p:nvPr/>
+        </p:nvPicPr>
+        <p:blipFill rotWithShape="1">
+          <a:blip r:embed="rId14" cstate="print">
             <a:extLst>
               <a:ext uri="{28A0092B-C50C-407E-A947-70E740481C1C}">
                 <a14:useLocalDpi xmlns:a14="http://schemas.microsoft.com/office/drawing/2010/main" val="0"/>
@@ -7822,59 +8221,46 @@
         </p:blipFill>
         <p:spPr>
           <a:xfrm rot="0">
-            <a:off x="6841490" y="3267075"/>
-            <a:ext cx="4041140" cy="682625"/>
-          </a:xfrm>
-          <a:prstGeom prst="roundRect"/>
-          <a:solidFill>
-            <a:srgbClr val="EDEDED"/>
-          </a:solidFill>
+            <a:off x="6522720" y="2017395"/>
+            <a:ext cx="2040255" cy="1410335"/>
+          </a:xfrm>
+          <a:prstGeom prst="rect"/>
+          <a:noFill/>
         </p:spPr>
       </p:pic>
-      <p:sp>
-        <p:nvSpPr>
-          <p:cNvPr id="28" name="텍스트 상자 12"/>
-          <p:cNvSpPr txBox="1">
-            <a:spLocks/>
-          </p:cNvSpPr>
+      <p:cxnSp>
+        <p:nvCxnSpPr>
+          <p:cNvPr id="33" name="도형 4"/>
+          <p:cNvCxnSpPr/>
           <p:nvPr/>
-        </p:nvSpPr>
-        <p:spPr>
-          <a:xfrm rot="0">
-            <a:off x="1338580" y="5161915"/>
-            <a:ext cx="4015740" cy="647065"/>
-          </a:xfrm>
-          <a:prstGeom prst="rect"/>
-          <a:noFill/>
-          <a:ln w="0">
-            <a:noFill/>
+        </p:nvCxnSpPr>
+        <p:spPr>
+          <a:xfrm rot="0">
+            <a:off x="7681595" y="2876550"/>
+            <a:ext cx="2926715" cy="175260"/>
+          </a:xfrm>
+          <a:prstGeom prst="straightConnector1"/>
+          <a:ln w="6350" cap="flat" cmpd="sng">
             <a:prstDash/>
+            <a:headEnd type="none" w="med" len="med"/>
+            <a:tailEnd type="triangle" w="med" len="med"/>
           </a:ln>
         </p:spPr>
-        <p:txBody>
-          <a:bodyPr wrap="square" lIns="89535" tIns="46355" rIns="89535" bIns="46355" numCol="1" vert="horz" anchor="t">
-            <a:spAutoFit/>
-          </a:bodyPr>
-          <a:lstStyle/>
-          <a:p>
-            <a:pPr marL="0" indent="0" algn="l" latinLnBrk="0" hangingPunct="1">
-              <a:buFontTx/>
-              <a:buNone/>
-            </a:pPr>
-            <a:r>
-              <a:rPr lang="ko-KR" sz="1800">
-                <a:latin typeface="맑은 고딕" charset="0"/>
-                <a:ea typeface="맑은 고딕" charset="0"/>
-              </a:rPr>
-              <a:t>Transmit Enabled는 녹음된 오디오의 전송 여부를 설정할 수 있습니다.</a:t>
-            </a:r>
-            <a:endParaRPr lang="ko-KR" altLang="en-US" sz="1800">
-              <a:latin typeface="맑은 고딕" charset="0"/>
-              <a:ea typeface="맑은 고딕" charset="0"/>
-            </a:endParaRPr>
-          </a:p>
-        </p:txBody>
-      </p:sp>
+        <p:style>
+          <a:lnRef idx="1">
+            <a:schemeClr val="accent1"/>
+          </a:lnRef>
+          <a:fillRef idx="0">
+            <a:schemeClr val="accent1"/>
+          </a:fillRef>
+          <a:effectRef idx="0">
+            <a:schemeClr val="accent1"/>
+          </a:effectRef>
+          <a:fontRef idx="minor">
+            <a:schemeClr val="tx1"/>
+          </a:fontRef>
+        </p:style>
+      </p:cxnSp>
     </p:spTree>
   </p:cSld>
   <p:clrMapOvr>
@@ -7925,8 +8311,8 @@
         </p:nvSpPr>
         <p:spPr>
           <a:xfrm rot="0">
-            <a:off x="4281170" y="473075"/>
-            <a:ext cx="3625215" cy="554990"/>
+            <a:off x="5187315" y="431800"/>
+            <a:ext cx="1812925" cy="554990"/>
           </a:xfrm>
           <a:prstGeom prst="rect"/>
           <a:noFill/>
@@ -7950,7 +8336,21 @@
                 <a:latin typeface="맑은 고딕" charset="0"/>
                 <a:ea typeface="맑은 고딕" charset="0"/>
               </a:rPr>
-              <a:t>Photon Voice View</a:t>
+              <a:t>Reco</a:t>
+            </a:r>
+            <a:r>
+              <a:rPr lang="ko-KR" sz="3000" b="1">
+                <a:latin typeface="맑은 고딕" charset="0"/>
+                <a:ea typeface="맑은 고딕" charset="0"/>
+              </a:rPr>
+              <a:t>r</a:t>
+            </a:r>
+            <a:r>
+              <a:rPr lang="ko-KR" sz="3000" b="1">
+                <a:latin typeface="맑은 고딕" charset="0"/>
+                <a:ea typeface="맑은 고딕" charset="0"/>
+              </a:rPr>
+              <a:t>der</a:t>
             </a:r>
             <a:endParaRPr lang="ko-KR" altLang="en-US" sz="3000" b="1">
               <a:latin typeface="맑은 고딕" charset="0"/>
@@ -7961,7 +8361,7 @@
       </p:sp>
       <p:sp>
         <p:nvSpPr>
-          <p:cNvPr id="25" name="Rect 0"/>
+          <p:cNvPr id="23" name="Rect 0"/>
           <p:cNvSpPr txBox="1">
             <a:spLocks/>
           </p:cNvSpPr>
@@ -7969,8 +8369,8 @@
         </p:nvSpPr>
         <p:spPr>
           <a:xfrm rot="0">
-            <a:off x="1479550" y="4598035"/>
-            <a:ext cx="3792220" cy="924560"/>
+            <a:off x="6800215" y="1329055"/>
+            <a:ext cx="4324350" cy="4246245"/>
           </a:xfrm>
           <a:prstGeom prst="rect"/>
           <a:noFill/>
@@ -7994,18 +8394,173 @@
                 <a:latin typeface="맑은 고딕" charset="0"/>
                 <a:ea typeface="맑은 고딕" charset="0"/>
               </a:rPr>
-              <a:t>Photon View 컴포넌트가 연결된   프리팹의 게임 오브젝트에 Photon Voice View 컴포넌트를 부착합니다.</a:t>
+              <a:t>Input Source Type(Microphone)은 마이크가 연결되어 있다면 현재 연결된 마이크의 정보가 나타납니다. </a:t>
             </a:r>
             <a:endParaRPr lang="ko-KR" altLang="en-US" sz="1800">
               <a:latin typeface="맑은 고딕" charset="0"/>
               <a:ea typeface="맑은 고딕" charset="0"/>
             </a:endParaRPr>
           </a:p>
+          <a:p>
+            <a:pPr marL="0" indent="0" algn="l" latinLnBrk="0" hangingPunct="1">
+              <a:buFontTx/>
+              <a:buNone/>
+            </a:pPr>
+            <a:endParaRPr lang="ko-KR" altLang="en-US" sz="1800">
+              <a:latin typeface="맑은 고딕" charset="0"/>
+              <a:ea typeface="맑은 고딕" charset="0"/>
+            </a:endParaRPr>
+          </a:p>
+          <a:p>
+            <a:pPr marL="0" indent="0" algn="l" latinLnBrk="0" hangingPunct="1">
+              <a:buFontTx/>
+              <a:buNone/>
+            </a:pPr>
+            <a:r>
+              <a:rPr lang="ko-KR" sz="1800">
+                <a:latin typeface="맑은 고딕" charset="0"/>
+                <a:ea typeface="맑은 고딕" charset="0"/>
+              </a:rPr>
+              <a:t>만약, 연결되지 않았다면 오류 목록이 나타납니다.</a:t>
+            </a:r>
+            <a:endParaRPr lang="ko-KR" altLang="en-US" sz="1800">
+              <a:latin typeface="맑은 고딕" charset="0"/>
+              <a:ea typeface="맑은 고딕" charset="0"/>
+            </a:endParaRPr>
+          </a:p>
+          <a:p>
+            <a:pPr marL="0" indent="0" algn="l" latinLnBrk="0" hangingPunct="1">
+              <a:buFontTx/>
+              <a:buNone/>
+            </a:pPr>
+            <a:endParaRPr lang="ko-KR" altLang="en-US" sz="1800">
+              <a:latin typeface="맑은 고딕" charset="0"/>
+              <a:ea typeface="맑은 고딕" charset="0"/>
+            </a:endParaRPr>
+          </a:p>
+          <a:p>
+            <a:pPr marL="0" indent="0" algn="l" latinLnBrk="0" hangingPunct="1">
+              <a:buFontTx/>
+              <a:buNone/>
+            </a:pPr>
+            <a:endParaRPr lang="ko-KR" altLang="en-US" sz="1800">
+              <a:latin typeface="맑은 고딕" charset="0"/>
+              <a:ea typeface="맑은 고딕" charset="0"/>
+            </a:endParaRPr>
+          </a:p>
+          <a:p>
+            <a:pPr marL="0" indent="0" algn="l" latinLnBrk="0" hangingPunct="1">
+              <a:buFontTx/>
+              <a:buNone/>
+            </a:pPr>
+            <a:endParaRPr lang="ko-KR" altLang="en-US" sz="1800">
+              <a:latin typeface="맑은 고딕" charset="0"/>
+              <a:ea typeface="맑은 고딕" charset="0"/>
+            </a:endParaRPr>
+          </a:p>
+          <a:p>
+            <a:pPr marL="0" indent="0" algn="l" latinLnBrk="0" hangingPunct="1">
+              <a:buFontTx/>
+              <a:buNone/>
+            </a:pPr>
+            <a:endParaRPr lang="ko-KR" altLang="en-US" sz="1800">
+              <a:latin typeface="맑은 고딕" charset="0"/>
+              <a:ea typeface="맑은 고딕" charset="0"/>
+            </a:endParaRPr>
+          </a:p>
+          <a:p>
+            <a:pPr marL="0" indent="0" algn="l" latinLnBrk="0" hangingPunct="1">
+              <a:buFontTx/>
+              <a:buNone/>
+            </a:pPr>
+            <a:r>
+              <a:rPr lang="ko-KR" altLang="en-US" sz="1800">
+                <a:latin typeface="맑은 고딕" charset="0"/>
+                <a:ea typeface="맑은 고딕" charset="0"/>
+              </a:rPr>
+              <a:t>Microphone Device에서 원하는 음성 입력 장치를 선택할 수 있습니다.</a:t>
+            </a:r>
+            <a:endParaRPr lang="ko-KR" altLang="en-US" sz="1800">
+              <a:latin typeface="맑은 고딕" charset="0"/>
+              <a:ea typeface="맑은 고딕" charset="0"/>
+            </a:endParaRPr>
+          </a:p>
+          <a:p>
+            <a:pPr marL="0" indent="0" algn="l" latinLnBrk="0" hangingPunct="1">
+              <a:buFontTx/>
+              <a:buNone/>
+            </a:pPr>
+            <a:endParaRPr lang="ko-KR" altLang="en-US" sz="1800">
+              <a:latin typeface="맑은 고딕" charset="0"/>
+              <a:ea typeface="맑은 고딕" charset="0"/>
+            </a:endParaRPr>
+          </a:p>
+          <a:p>
+            <a:pPr marL="0" indent="0" algn="l" latinLnBrk="0" hangingPunct="1">
+              <a:buFontTx/>
+              <a:buNone/>
+            </a:pPr>
+            <a:r>
+              <a:rPr lang="ko-KR" altLang="en-US" sz="1800">
+                <a:latin typeface="맑은 고딕" charset="0"/>
+                <a:ea typeface="맑은 고딕" charset="0"/>
+              </a:rPr>
+              <a:t>DebugEcho를 활성화하면 내 음성이 들리는지 확인할 수 있습니다.</a:t>
+            </a:r>
+            <a:endParaRPr lang="ko-KR" altLang="en-US" sz="1800">
+              <a:latin typeface="맑은 고딕" charset="0"/>
+              <a:ea typeface="맑은 고딕" charset="0"/>
+            </a:endParaRPr>
+          </a:p>
+        </p:txBody>
+      </p:sp>
+      <p:sp>
+        <p:nvSpPr>
+          <p:cNvPr id="25" name="텍스트 상자 14"/>
+          <p:cNvSpPr txBox="1">
+            <a:spLocks/>
+          </p:cNvSpPr>
+          <p:nvPr/>
+        </p:nvSpPr>
+        <p:spPr>
+          <a:xfrm rot="0">
+            <a:off x="1330325" y="1382395"/>
+            <a:ext cx="4023995" cy="647065"/>
+          </a:xfrm>
+          <a:prstGeom prst="rect"/>
+          <a:noFill/>
+          <a:ln w="0">
+            <a:noFill/>
+            <a:prstDash/>
+          </a:ln>
+        </p:spPr>
+        <p:txBody>
+          <a:bodyPr wrap="square" lIns="89535" tIns="46355" rIns="89535" bIns="46355" numCol="1" vert="horz" anchor="t">
+            <a:spAutoFit/>
+          </a:bodyPr>
+          <a:lstStyle/>
+          <a:p>
+            <a:pPr marL="0" indent="0" algn="l" latinLnBrk="0" hangingPunct="1">
+              <a:buFontTx/>
+              <a:buNone/>
+            </a:pPr>
+            <a:r>
+              <a:rPr lang="ko-KR" sz="1800">
+                <a:latin typeface="맑은 고딕" charset="0"/>
+                <a:ea typeface="맑은 고딕" charset="0"/>
+              </a:rPr>
+              <a:t>Recoder는 사운드를 녹음하고 전송하는 컴포넌트입니다.</a:t>
+            </a:r>
+            <a:endParaRPr lang="ko-KR" altLang="en-US" sz="1800">
+              <a:latin typeface="맑은 고딕" charset="0"/>
+              <a:ea typeface="맑은 고딕" charset="0"/>
+            </a:endParaRPr>
+          </a:p>
         </p:txBody>
       </p:sp>
       <p:pic>
         <p:nvPicPr>
-          <p:cNvPr id="26" name="그림 1" descr="C:/Users/Admin1/AppData/Roaming/PolarisOffice/ETemp/37180_15771168/fImage414910041.png"/>
+          <p:cNvPr id="26" name="그림 15"/>
           <p:cNvPicPr>
             <a:picLocks noChangeAspect="1"/>
           </p:cNvPicPr>
@@ -8025,8 +8580,8 @@
         </p:blipFill>
         <p:spPr>
           <a:xfrm rot="0">
-            <a:off x="1481455" y="2504440"/>
-            <a:ext cx="1346200" cy="1951990"/>
+            <a:off x="1330325" y="2169795"/>
+            <a:ext cx="4024630" cy="2851785"/>
           </a:xfrm>
           <a:prstGeom prst="rect"/>
           <a:noFill/>
@@ -8034,7 +8589,239 @@
       </p:pic>
       <p:pic>
         <p:nvPicPr>
-          <p:cNvPr id="27" name="그림 2" descr="C:/Users/Admin1/AppData/Roaming/PolarisOffice/ETemp/37180_15771168/fImage63921018467.png"/>
+          <p:cNvPr id="27" name="그림 9"/>
+          <p:cNvPicPr>
+            <a:picLocks noChangeAspect="1"/>
+          </p:cNvPicPr>
+          <p:nvPr/>
+        </p:nvPicPr>
+        <p:blipFill rotWithShape="1">
+          <a:blip r:embed="rId4" cstate="print">
+            <a:extLst>
+              <a:ext uri="{28A0092B-C50C-407E-A947-70E740481C1C}">
+                <a14:useLocalDpi xmlns:a14="http://schemas.microsoft.com/office/drawing/2010/main" val="0"/>
+              </a:ext>
+            </a:extLst>
+          </a:blip>
+          <a:stretch>
+            <a:fillRect/>
+          </a:stretch>
+        </p:blipFill>
+        <p:spPr>
+          <a:xfrm rot="0">
+            <a:off x="6841490" y="3267075"/>
+            <a:ext cx="4041140" cy="682625"/>
+          </a:xfrm>
+          <a:prstGeom prst="roundRect"/>
+          <a:solidFill>
+            <a:srgbClr val="EDEDED"/>
+          </a:solidFill>
+        </p:spPr>
+      </p:pic>
+      <p:sp>
+        <p:nvSpPr>
+          <p:cNvPr id="28" name="텍스트 상자 12"/>
+          <p:cNvSpPr txBox="1">
+            <a:spLocks/>
+          </p:cNvSpPr>
+          <p:nvPr/>
+        </p:nvSpPr>
+        <p:spPr>
+          <a:xfrm rot="0">
+            <a:off x="1338580" y="5161915"/>
+            <a:ext cx="4015740" cy="647065"/>
+          </a:xfrm>
+          <a:prstGeom prst="rect"/>
+          <a:noFill/>
+          <a:ln w="0">
+            <a:noFill/>
+            <a:prstDash/>
+          </a:ln>
+        </p:spPr>
+        <p:txBody>
+          <a:bodyPr wrap="square" lIns="89535" tIns="46355" rIns="89535" bIns="46355" numCol="1" vert="horz" anchor="t">
+            <a:spAutoFit/>
+          </a:bodyPr>
+          <a:lstStyle/>
+          <a:p>
+            <a:pPr marL="0" indent="0" algn="l" latinLnBrk="0" hangingPunct="1">
+              <a:buFontTx/>
+              <a:buNone/>
+            </a:pPr>
+            <a:r>
+              <a:rPr lang="ko-KR" sz="1800">
+                <a:latin typeface="맑은 고딕" charset="0"/>
+                <a:ea typeface="맑은 고딕" charset="0"/>
+              </a:rPr>
+              <a:t>Transmit Enabled는 녹음된 오디오의 전송 여부를 설정할 수 있습니다.</a:t>
+            </a:r>
+            <a:endParaRPr lang="ko-KR" altLang="en-US" sz="1800">
+              <a:latin typeface="맑은 고딕" charset="0"/>
+              <a:ea typeface="맑은 고딕" charset="0"/>
+            </a:endParaRPr>
+          </a:p>
+        </p:txBody>
+      </p:sp>
+    </p:spTree>
+  </p:cSld>
+  <p:clrMapOvr>
+    <a:masterClrMapping/>
+  </p:clrMapOvr>
+  <mc:AlternateContent xmlns:mc="http://schemas.openxmlformats.org/markup-compatibility/2006">
+    <mc:Choice xmlns:p14="http://schemas.microsoft.com/office/powerpoint/2010/main" Requires="p14">
+      <p:transition spd="slow" p14:dur="2000"/>
+    </mc:Choice>
+    <mc:Fallback>
+      <p:transition spd="slow"/>
+    </mc:Fallback>
+  </mc:AlternateContent>
+  <p:timing>
+    <p:tnLst>
+      <p:par>
+        <p:cTn id="1" dur="indefinite" restart="never" nodeType="tmRoot"/>
+      </p:par>
+    </p:tnLst>
+  </p:timing>
+</p:sld>
+</file>
+
+<file path=ppt/slides/slide6.xml><?xml version="1.0" encoding="utf-8"?>
+<p:sld xmlns:a="http://schemas.openxmlformats.org/drawingml/2006/main" xmlns:r="http://schemas.openxmlformats.org/officeDocument/2006/relationships" xmlns:p="http://schemas.openxmlformats.org/presentationml/2006/main" xmlns:p14="http://schemas.microsoft.com/office/powerpoint/2010/main">
+  <p:cSld>
+    <p:spTree>
+      <p:nvGrpSpPr>
+        <p:cNvPr id="1" name=""/>
+        <p:cNvGrpSpPr/>
+        <p:nvPr/>
+      </p:nvGrpSpPr>
+      <p:grpSpPr>
+        <a:xfrm>
+          <a:off x="0" y="0"/>
+          <a:ext cx="0" cy="0"/>
+          <a:chOff x="0" y="0"/>
+          <a:chExt cx="0" cy="0"/>
+        </a:xfrm>
+      </p:grpSpPr>
+      <p:sp>
+        <p:nvSpPr>
+          <p:cNvPr id="22" name="Rect 0"/>
+          <p:cNvSpPr txBox="1">
+            <a:spLocks/>
+          </p:cNvSpPr>
+          <p:nvPr/>
+        </p:nvSpPr>
+        <p:spPr>
+          <a:xfrm rot="0">
+            <a:off x="4281170" y="473075"/>
+            <a:ext cx="3625215" cy="554990"/>
+          </a:xfrm>
+          <a:prstGeom prst="rect"/>
+          <a:noFill/>
+          <a:ln w="0">
+            <a:noFill/>
+            <a:prstDash/>
+          </a:ln>
+        </p:spPr>
+        <p:txBody>
+          <a:bodyPr wrap="square" lIns="89535" tIns="46355" rIns="89535" bIns="46355" numCol="1" vert="horz" anchor="t">
+            <a:spAutoFit/>
+          </a:bodyPr>
+          <a:lstStyle/>
+          <a:p>
+            <a:pPr marL="0" indent="0" algn="l" latinLnBrk="0" hangingPunct="1">
+              <a:buFontTx/>
+              <a:buNone/>
+            </a:pPr>
+            <a:r>
+              <a:rPr lang="ko-KR" sz="3000" b="1">
+                <a:latin typeface="맑은 고딕" charset="0"/>
+                <a:ea typeface="맑은 고딕" charset="0"/>
+              </a:rPr>
+              <a:t>Photon Voice View</a:t>
+            </a:r>
+            <a:endParaRPr lang="ko-KR" altLang="en-US" sz="3000" b="1">
+              <a:latin typeface="맑은 고딕" charset="0"/>
+              <a:ea typeface="맑은 고딕" charset="0"/>
+            </a:endParaRPr>
+          </a:p>
+        </p:txBody>
+      </p:sp>
+      <p:sp>
+        <p:nvSpPr>
+          <p:cNvPr id="25" name="Rect 0"/>
+          <p:cNvSpPr txBox="1">
+            <a:spLocks/>
+          </p:cNvSpPr>
+          <p:nvPr/>
+        </p:nvSpPr>
+        <p:spPr>
+          <a:xfrm rot="0">
+            <a:off x="1479550" y="4598035"/>
+            <a:ext cx="3792220" cy="924560"/>
+          </a:xfrm>
+          <a:prstGeom prst="rect"/>
+          <a:noFill/>
+          <a:ln w="0">
+            <a:noFill/>
+            <a:prstDash/>
+          </a:ln>
+        </p:spPr>
+        <p:txBody>
+          <a:bodyPr wrap="square" lIns="89535" tIns="46355" rIns="89535" bIns="46355" numCol="1" vert="horz" anchor="t">
+            <a:spAutoFit/>
+          </a:bodyPr>
+          <a:lstStyle/>
+          <a:p>
+            <a:pPr marL="0" indent="0" algn="l" latinLnBrk="0" hangingPunct="1">
+              <a:buFontTx/>
+              <a:buNone/>
+            </a:pPr>
+            <a:r>
+              <a:rPr lang="ko-KR" sz="1800">
+                <a:latin typeface="맑은 고딕" charset="0"/>
+                <a:ea typeface="맑은 고딕" charset="0"/>
+              </a:rPr>
+              <a:t>Photon View 컴포넌트가 연결된   프리팹의 게임 오브젝트에 Photon Voice View 컴포넌트를 부착합니다.</a:t>
+            </a:r>
+            <a:endParaRPr lang="ko-KR" altLang="en-US" sz="1800">
+              <a:latin typeface="맑은 고딕" charset="0"/>
+              <a:ea typeface="맑은 고딕" charset="0"/>
+            </a:endParaRPr>
+          </a:p>
+        </p:txBody>
+      </p:sp>
+      <p:pic>
+        <p:nvPicPr>
+          <p:cNvPr id="26" name="그림 1"/>
+          <p:cNvPicPr>
+            <a:picLocks noChangeAspect="1"/>
+          </p:cNvPicPr>
+          <p:nvPr/>
+        </p:nvPicPr>
+        <p:blipFill rotWithShape="1">
+          <a:blip r:embed="rId3" cstate="hqprint">
+            <a:extLst>
+              <a:ext uri="{28A0092B-C50C-407E-A947-70E740481C1C}">
+                <a14:useLocalDpi xmlns:a14="http://schemas.microsoft.com/office/drawing/2010/main"/>
+              </a:ext>
+            </a:extLst>
+          </a:blip>
+          <a:stretch>
+            <a:fillRect/>
+          </a:stretch>
+        </p:blipFill>
+        <p:spPr>
+          <a:xfrm rot="0">
+            <a:off x="1481455" y="2504440"/>
+            <a:ext cx="1346200" cy="1951990"/>
+          </a:xfrm>
+          <a:prstGeom prst="rect"/>
+          <a:noFill/>
+        </p:spPr>
+      </p:pic>
+      <p:pic>
+        <p:nvPicPr>
+          <p:cNvPr id="27" name="그림 2"/>
           <p:cNvPicPr>
             <a:picLocks noChangeAspect="1"/>
           </p:cNvPicPr>
@@ -8063,7 +8850,7 @@
       </p:pic>
       <p:pic>
         <p:nvPicPr>
-          <p:cNvPr id="28" name="그림 3" descr="C:/Users/Admin1/AppData/Roaming/PolarisOffice/ETemp/37180_15771168/fImage180121026334.png"/>
+          <p:cNvPr id="28" name="그림 3"/>
           <p:cNvPicPr>
             <a:picLocks noChangeAspect="1"/>
           </p:cNvPicPr>
@@ -8180,7 +8967,7 @@
       </p:sp>
       <p:pic>
         <p:nvPicPr>
-          <p:cNvPr id="31" name="그림 29" descr="C:/Users/Admin1/AppData/Roaming/PolarisOffice/ETemp/37180_15771168/fImage29452195724.png"/>
+          <p:cNvPr id="31" name="그림 29"/>
           <p:cNvPicPr>
             <a:picLocks noChangeAspect="1"/>
           </p:cNvPicPr>
@@ -8230,8 +9017,8 @@
 </p:sld>
 </file>
 
-<file path=ppt/slides/slide6.xml><?xml version="1.0" encoding="utf-8"?>
-<p:sld xmlns:a="http://schemas.openxmlformats.org/drawingml/2006/main" xmlns:r="http://schemas.openxmlformats.org/officeDocument/2006/relationships" xmlns:p="http://schemas.openxmlformats.org/presentationml/2006/main">
+<file path=ppt/slides/slide7.xml><?xml version="1.0" encoding="utf-8"?>
+<p:sld xmlns:a="http://schemas.openxmlformats.org/drawingml/2006/main" xmlns:r="http://schemas.openxmlformats.org/officeDocument/2006/relationships" xmlns:p="http://schemas.openxmlformats.org/presentationml/2006/main" xmlns:p14="http://schemas.microsoft.com/office/powerpoint/2010/main">
   <p:cSld>
     <p:spTree>
       <p:nvGrpSpPr>
@@ -8430,7 +9217,7 @@
       </p:sp>
       <p:pic>
         <p:nvPicPr>
-          <p:cNvPr id="31" name="그림 18" descr="C:/Users/Admin1/AppData/Roaming/PolarisOffice/ETemp/37180_15771168/fImage138602131478.png"/>
+          <p:cNvPr id="31" name="그림 18"/>
           <p:cNvPicPr>
             <a:picLocks noChangeAspect="1"/>
           </p:cNvPicPr>
@@ -8459,7 +9246,7 @@
       </p:pic>
       <p:pic>
         <p:nvPicPr>
-          <p:cNvPr id="33" name="그림 22" descr="C:/Users/Admin1/AppData/Roaming/PolarisOffice/ETemp/37180_15771168/fImage63921018467.png"/>
+          <p:cNvPr id="33" name="그림 22"/>
           <p:cNvPicPr>
             <a:picLocks noChangeAspect="1"/>
           </p:cNvPicPr>
@@ -8488,7 +9275,7 @@
       </p:pic>
       <p:pic>
         <p:nvPicPr>
-          <p:cNvPr id="32" name="그림 19" descr="C:/Users/Admin1/AppData/Roaming/PolarisOffice/ETemp/37180_15771168/fImage48472149358.png"/>
+          <p:cNvPr id="32" name="그림 19"/>
           <p:cNvPicPr>
             <a:picLocks noChangeAspect="1"/>
           </p:cNvPicPr>
@@ -8519,7 +9306,7 @@
       </p:pic>
       <p:pic>
         <p:nvPicPr>
-          <p:cNvPr id="34" name="그림 26" descr="C:/Users/Admin1/AppData/Roaming/PolarisOffice/ETemp/37180_15771168/fImage180121026334.png"/>
+          <p:cNvPr id="34" name="그림 26"/>
           <p:cNvPicPr>
             <a:picLocks noChangeAspect="1"/>
           </p:cNvPicPr>

--- a/Assets/Class/Photon Server/PPT Data/Photon Voice.pptx
+++ b/Assets/Class/Photon Server/PPT Data/Photon Voice.pptx
@@ -2,19 +2,19 @@
 <file path=ppt/presentation.xml><?xml version="1.0" encoding="utf-8"?>
 <p:presentation xmlns:a="http://schemas.openxmlformats.org/drawingml/2006/main" xmlns:r="http://schemas.openxmlformats.org/officeDocument/2006/relationships" xmlns:p="http://schemas.openxmlformats.org/presentationml/2006/main" xmlns:p14="http://schemas.microsoft.com/office/powerpoint/2010/main" saveSubsetFonts="1" firstSlideNum="0">
   <p:sldMasterIdLst>
-    <p:sldMasterId id="2147486738" r:id="rId12"/>
+    <p:sldMasterId id="2147486741" r:id="rId12"/>
   </p:sldMasterIdLst>
   <p:notesMasterIdLst>
     <p:notesMasterId r:id="rId14"/>
   </p:notesMasterIdLst>
   <p:sldIdLst>
     <p:sldId id="315" r:id="rId16"/>
-    <p:sldId id="317" r:id="rId17"/>
-    <p:sldId id="307" r:id="rId18"/>
-    <p:sldId id="308" r:id="rId19"/>
-    <p:sldId id="313" r:id="rId20"/>
-    <p:sldId id="314" r:id="rId21"/>
-    <p:sldId id="316" r:id="rId22"/>
+    <p:sldId id="317" r:id="rId18"/>
+    <p:sldId id="307" r:id="rId20"/>
+    <p:sldId id="308" r:id="rId21"/>
+    <p:sldId id="313" r:id="rId22"/>
+    <p:sldId id="314" r:id="rId23"/>
+    <p:sldId id="316" r:id="rId24"/>
   </p:sldIdLst>
   <p:sldSz cx="12192000" cy="6858000"/>
   <p:notesSz cx="6858000" cy="9144000"/>
@@ -7405,9 +7405,9 @@
           <p:nvPr/>
         </p:nvSpPr>
         <p:spPr>
-          <a:xfrm rot="0">
+          <a:xfrm>
             <a:off x="1242695" y="4725670"/>
-            <a:ext cx="4103370" cy="923925"/>
+            <a:ext cx="4104005" cy="923925"/>
           </a:xfrm>
           <a:prstGeom prst="rect"/>
           <a:noFill/>
@@ -7427,18 +7427,28 @@
               <a:buNone/>
             </a:pPr>
             <a:r>
+              <a:rPr sz="1800" b="1">
+                <a:solidFill>
+                  <a:srgbClr val="0611F2"/>
+                </a:solidFill>
+                <a:latin typeface="맑은 고딕" charset="0"/>
+                <a:ea typeface="맑은 고딕" charset="0"/>
+              </a:rPr>
+              <a:t>1.</a:t>
+            </a:r>
+            <a:r>
+              <a:rPr sz="1800">
+                <a:latin typeface="맑은 고딕" charset="0"/>
+                <a:ea typeface="맑은 고딕" charset="0"/>
+              </a:rPr>
+              <a:t> </a:t>
+            </a:r>
+            <a:r>
               <a:rPr lang="ko-KR" sz="1800">
                 <a:latin typeface="맑은 고딕" charset="0"/>
                 <a:ea typeface="맑은 고딕" charset="0"/>
               </a:rPr>
-              <a:t>포톤 보이스를 사용하려면 포톤 사이트에서 포톤 보이스 앱을 생성</a:t>
-            </a:r>
-            <a:r>
-              <a:rPr lang="ko-KR" sz="1800">
-                <a:latin typeface="맑은 고딕" charset="0"/>
-                <a:ea typeface="맑은 고딕" charset="0"/>
-              </a:rPr>
-              <a:t>해야 합니다.</a:t>
+              <a:t>포톤 보이스를 사용하려면 포톤 사이트에서 포톤 보이스 앱을 생성해야 합니다.</a:t>
             </a:r>
             <a:endParaRPr lang="ko-KR" altLang="en-US" sz="1800">
               <a:latin typeface="맑은 고딕" charset="0"/>
@@ -7719,7 +7729,7 @@
         <p:spPr>
           <a:xfrm rot="0">
             <a:off x="6726555" y="5005070"/>
-            <a:ext cx="4305300" cy="647065"/>
+            <a:ext cx="4305935" cy="647065"/>
           </a:xfrm>
           <a:prstGeom prst="rect"/>
           <a:noFill/>
@@ -7739,46 +7749,38 @@
               <a:buNone/>
             </a:pPr>
             <a:r>
+              <a:rPr sz="1800" b="1">
+                <a:solidFill>
+                  <a:srgbClr val="0611F2"/>
+                </a:solidFill>
+                <a:latin typeface="맑은 고딕" charset="0"/>
+                <a:ea typeface="맑은 고딕" charset="0"/>
+              </a:rPr>
+              <a:t>2</a:t>
+            </a:r>
+            <a:r>
+              <a:rPr sz="1800" b="1">
+                <a:solidFill>
+                  <a:srgbClr val="0611F2"/>
+                </a:solidFill>
+                <a:latin typeface="맑은 고딕" charset="0"/>
+                <a:ea typeface="맑은 고딕" charset="0"/>
+              </a:rPr>
+              <a:t>.</a:t>
+            </a:r>
+            <a:r>
+              <a:rPr sz="1800">
+                <a:latin typeface="맑은 고딕" charset="0"/>
+                <a:ea typeface="맑은 고딕" charset="0"/>
+              </a:rPr>
+              <a:t> </a:t>
+            </a:r>
+            <a:r>
               <a:rPr lang="ko-KR" sz="1800">
                 <a:latin typeface="맑은 고딕" charset="0"/>
                 <a:ea typeface="맑은 고딕" charset="0"/>
               </a:rPr>
-              <a:t>그 다음 </a:t>
-            </a:r>
-            <a:r>
-              <a:rPr lang="ko-KR" sz="1800">
-                <a:latin typeface="맑은 고딕" charset="0"/>
-                <a:ea typeface="맑은 고딕" charset="0"/>
-              </a:rPr>
-              <a:t>포톤 클라우드 설정에서</a:t>
-            </a:r>
-            <a:r>
-              <a:rPr lang="ko-KR" sz="1800">
-                <a:latin typeface="맑은 고딕" charset="0"/>
-                <a:ea typeface="맑은 고딕" charset="0"/>
-              </a:rPr>
-              <a:t> 포톤 생성된 보이스</a:t>
-            </a:r>
-            <a:r>
-              <a:rPr lang="ko-KR" sz="1800">
-                <a:latin typeface="맑은 고딕" charset="0"/>
-                <a:ea typeface="맑은 고딕" charset="0"/>
-              </a:rPr>
-              <a:t> 앱 ID를 넣어주</a:t>
-            </a:r>
-            <a:r>
-              <a:rPr lang="ko-KR" sz="1800">
-                <a:latin typeface="맑은 고딕" charset="0"/>
-                <a:ea typeface="맑은 고딕" charset="0"/>
-              </a:rPr>
-              <a:t>면 됩</a:t>
-            </a:r>
-            <a:r>
-              <a:rPr lang="ko-KR" sz="1800">
-                <a:latin typeface="맑은 고딕" charset="0"/>
-                <a:ea typeface="맑은 고딕" charset="0"/>
-              </a:rPr>
-              <a:t>니다.</a:t>
+              <a:t>그 다음 포톤 클라우드 설정에서 포톤 생성된 보이스 앱 ID를 넣어주면 됩니다.</a:t>
             </a:r>
             <a:endParaRPr lang="ko-KR" altLang="en-US" sz="1800">
               <a:latin typeface="맑은 고딕" charset="0"/>
@@ -7887,9 +7889,9 @@
           <p:nvPr/>
         </p:nvSpPr>
         <p:spPr>
-          <a:xfrm rot="0">
+          <a:xfrm>
             <a:off x="6525895" y="4138295"/>
-            <a:ext cx="4163060" cy="2031365"/>
+            <a:ext cx="4163695" cy="2031365"/>
           </a:xfrm>
           <a:prstGeom prst="rect"/>
           <a:noFill/>
@@ -7909,6 +7911,33 @@
               <a:buNone/>
             </a:pPr>
             <a:r>
+              <a:rPr sz="1800" b="1">
+                <a:solidFill>
+                  <a:srgbClr val="0611F2"/>
+                </a:solidFill>
+                <a:latin typeface="맑은 고딕" charset="0"/>
+                <a:ea typeface="맑은 고딕" charset="0"/>
+              </a:rPr>
+              <a:t>4</a:t>
+            </a:r>
+            <a:r>
+              <a:rPr sz="1800" b="1">
+                <a:solidFill>
+                  <a:srgbClr val="0611F2"/>
+                </a:solidFill>
+                <a:latin typeface="맑은 고딕" charset="0"/>
+                <a:ea typeface="맑은 고딕" charset="0"/>
+              </a:rPr>
+              <a:t>.</a:t>
+            </a:r>
+            <a:r>
+              <a:rPr sz="1800">
+                <a:latin typeface="맑은 고딕" charset="0"/>
+                <a:ea typeface="맑은 고딕" charset="0"/>
+              </a:rPr>
+              <a:t> </a:t>
+            </a:r>
+            <a:r>
               <a:rPr lang="ko-KR" sz="1800">
                 <a:latin typeface="맑은 고딕" charset="0"/>
                 <a:ea typeface="맑은 고딕" charset="0"/>
@@ -7940,70 +7969,7 @@
                 <a:latin typeface="맑은 고딕" charset="0"/>
                 <a:ea typeface="맑은 고딕" charset="0"/>
               </a:rPr>
-              <a:t>Primary Reco</a:t>
-            </a:r>
-            <a:r>
-              <a:rPr lang="ko-KR" sz="1800">
-                <a:latin typeface="맑은 고딕" charset="0"/>
-                <a:ea typeface="맑은 고딕" charset="0"/>
-              </a:rPr>
-              <a:t>r</a:t>
-            </a:r>
-            <a:r>
-              <a:rPr lang="ko-KR" sz="1800">
-                <a:latin typeface="맑은 고딕" charset="0"/>
-                <a:ea typeface="맑은 고딕" charset="0"/>
-              </a:rPr>
-              <a:t>der에 현</a:t>
-            </a:r>
-            <a:r>
-              <a:rPr lang="ko-KR" sz="1800">
-                <a:latin typeface="맑은 고딕" charset="0"/>
-                <a:ea typeface="맑은 고딕" charset="0"/>
-              </a:rPr>
-              <a:t>재</a:t>
-            </a:r>
-            <a:r>
-              <a:rPr lang="ko-KR" sz="1800">
-                <a:latin typeface="맑은 고딕" charset="0"/>
-                <a:ea typeface="맑은 고딕" charset="0"/>
-              </a:rPr>
-              <a:t> Reco</a:t>
-            </a:r>
-            <a:r>
-              <a:rPr lang="ko-KR" sz="1800">
-                <a:latin typeface="맑은 고딕" charset="0"/>
-                <a:ea typeface="맑은 고딕" charset="0"/>
-              </a:rPr>
-              <a:t>r</a:t>
-            </a:r>
-            <a:r>
-              <a:rPr lang="ko-KR" sz="1800">
-                <a:latin typeface="맑은 고딕" charset="0"/>
-                <a:ea typeface="맑은 고딕" charset="0"/>
-              </a:rPr>
-              <a:t>der 컴포넌트</a:t>
-            </a:r>
-            <a:r>
-              <a:rPr lang="ko-KR" sz="1800">
-                <a:latin typeface="맑은 고딕" charset="0"/>
-                <a:ea typeface="맑은 고딕" charset="0"/>
-              </a:rPr>
-              <a:t>가 추가된 게임 오브젝트를</a:t>
-            </a:r>
-            <a:r>
-              <a:rPr lang="ko-KR" sz="1800">
-                <a:latin typeface="맑은 고딕" charset="0"/>
-                <a:ea typeface="맑은 고딕" charset="0"/>
-              </a:rPr>
-              <a:t> 넣</a:t>
-            </a:r>
-            <a:r>
-              <a:rPr lang="ko-KR" sz="1800">
-                <a:latin typeface="맑은 고딕" charset="0"/>
-                <a:ea typeface="맑은 고딕" charset="0"/>
-              </a:rPr>
-              <a:t>습니다.</a:t>
+              <a:t>Primary Recorder에 현재 Recorder 컴포넌트가 추가된 게임 오브젝트를 넣습니다.</a:t>
             </a:r>
             <a:endParaRPr lang="ko-KR" altLang="en-US" sz="1800">
               <a:latin typeface="맑은 고딕" charset="0"/>
@@ -8050,9 +8016,9 @@
           <p:nvPr/>
         </p:nvSpPr>
         <p:spPr>
-          <a:xfrm rot="0">
+          <a:xfrm>
             <a:off x="1318895" y="4135120"/>
-            <a:ext cx="4003040" cy="2031365"/>
+            <a:ext cx="4003675" cy="2031365"/>
           </a:xfrm>
           <a:prstGeom prst="rect"/>
           <a:noFill/>
@@ -8071,6 +8037,33 @@
               <a:buFontTx/>
               <a:buNone/>
             </a:pPr>
+            <a:r>
+              <a:rPr sz="1800" b="1">
+                <a:solidFill>
+                  <a:srgbClr val="0611F2"/>
+                </a:solidFill>
+                <a:latin typeface="맑은 고딕" charset="0"/>
+                <a:ea typeface="맑은 고딕" charset="0"/>
+              </a:rPr>
+              <a:t>3</a:t>
+            </a:r>
+            <a:r>
+              <a:rPr sz="1800" b="1">
+                <a:solidFill>
+                  <a:srgbClr val="0611F2"/>
+                </a:solidFill>
+                <a:latin typeface="맑은 고딕" charset="0"/>
+                <a:ea typeface="맑은 고딕" charset="0"/>
+              </a:rPr>
+              <a:t>.</a:t>
+            </a:r>
+            <a:r>
+              <a:rPr sz="1800">
+                <a:latin typeface="맑은 고딕" charset="0"/>
+                <a:ea typeface="맑은 고딕" charset="0"/>
+              </a:rPr>
+              <a:t> </a:t>
+            </a:r>
             <a:r>
               <a:rPr lang="ko-KR" sz="1800">
                 <a:latin typeface="맑은 고딕" charset="0"/>
@@ -8627,9 +8620,9 @@
           <p:nvPr/>
         </p:nvSpPr>
         <p:spPr>
-          <a:xfrm rot="0">
+          <a:xfrm>
             <a:off x="1338580" y="5161915"/>
-            <a:ext cx="4015740" cy="647065"/>
+            <a:ext cx="4016375" cy="923925"/>
           </a:xfrm>
           <a:prstGeom prst="rect"/>
           <a:noFill/>
@@ -8648,6 +8641,33 @@
               <a:buFontTx/>
               <a:buNone/>
             </a:pPr>
+            <a:r>
+              <a:rPr sz="1800" b="1">
+                <a:solidFill>
+                  <a:srgbClr val="0611F2"/>
+                </a:solidFill>
+                <a:latin typeface="맑은 고딕" charset="0"/>
+                <a:ea typeface="맑은 고딕" charset="0"/>
+              </a:rPr>
+              <a:t>5</a:t>
+            </a:r>
+            <a:r>
+              <a:rPr sz="1800" b="1">
+                <a:solidFill>
+                  <a:srgbClr val="0611F2"/>
+                </a:solidFill>
+                <a:latin typeface="맑은 고딕" charset="0"/>
+                <a:ea typeface="맑은 고딕" charset="0"/>
+              </a:rPr>
+              <a:t>.</a:t>
+            </a:r>
+            <a:r>
+              <a:rPr sz="1800">
+                <a:latin typeface="맑은 고딕" charset="0"/>
+                <a:ea typeface="맑은 고딕" charset="0"/>
+              </a:rPr>
+              <a:t> </a:t>
+            </a:r>
             <a:r>
               <a:rPr lang="ko-KR" sz="1800">
                 <a:latin typeface="맑은 고딕" charset="0"/>
@@ -8755,9 +8775,9 @@
           <p:nvPr/>
         </p:nvSpPr>
         <p:spPr>
-          <a:xfrm rot="0">
+          <a:xfrm>
             <a:off x="1479550" y="4598035"/>
-            <a:ext cx="3792220" cy="924560"/>
+            <a:ext cx="3792855" cy="923925"/>
           </a:xfrm>
           <a:prstGeom prst="rect"/>
           <a:noFill/>
@@ -8776,6 +8796,33 @@
               <a:buFontTx/>
               <a:buNone/>
             </a:pPr>
+            <a:r>
+              <a:rPr sz="1800" b="1">
+                <a:solidFill>
+                  <a:srgbClr val="0611F2"/>
+                </a:solidFill>
+                <a:latin typeface="맑은 고딕" charset="0"/>
+                <a:ea typeface="맑은 고딕" charset="0"/>
+              </a:rPr>
+              <a:t>6</a:t>
+            </a:r>
+            <a:r>
+              <a:rPr sz="1800" b="1">
+                <a:solidFill>
+                  <a:srgbClr val="0611F2"/>
+                </a:solidFill>
+                <a:latin typeface="맑은 고딕" charset="0"/>
+                <a:ea typeface="맑은 고딕" charset="0"/>
+              </a:rPr>
+              <a:t>.</a:t>
+            </a:r>
+            <a:r>
+              <a:rPr sz="1800">
+                <a:latin typeface="맑은 고딕" charset="0"/>
+                <a:ea typeface="맑은 고딕" charset="0"/>
+              </a:rPr>
+              <a:t> </a:t>
+            </a:r>
             <a:r>
               <a:rPr lang="ko-KR" sz="1800">
                 <a:latin typeface="맑은 고딕" charset="0"/>
@@ -8931,8 +8978,8 @@
         </p:nvSpPr>
         <p:spPr>
           <a:xfrm rot="0">
-            <a:off x="6841490" y="3106420"/>
-            <a:ext cx="3974465" cy="1200785"/>
+            <a:off x="6841490" y="3155950"/>
+            <a:ext cx="3975100" cy="1200785"/>
           </a:xfrm>
           <a:prstGeom prst="rect"/>
           <a:noFill/>
@@ -8952,6 +8999,33 @@
               <a:buNone/>
             </a:pPr>
             <a:r>
+              <a:rPr sz="1800" b="1">
+                <a:solidFill>
+                  <a:srgbClr val="0611F2"/>
+                </a:solidFill>
+                <a:latin typeface="맑은 고딕" charset="0"/>
+                <a:ea typeface="맑은 고딕" charset="0"/>
+              </a:rPr>
+              <a:t>7</a:t>
+            </a:r>
+            <a:r>
+              <a:rPr sz="1800" b="1">
+                <a:solidFill>
+                  <a:srgbClr val="0611F2"/>
+                </a:solidFill>
+                <a:latin typeface="맑은 고딕" charset="0"/>
+                <a:ea typeface="맑은 고딕" charset="0"/>
+              </a:rPr>
+              <a:t>.</a:t>
+            </a:r>
+            <a:r>
+              <a:rPr sz="1800">
+                <a:latin typeface="맑은 고딕" charset="0"/>
+                <a:ea typeface="맑은 고딕" charset="0"/>
+              </a:rPr>
+              <a:t> </a:t>
+            </a:r>
+            <a:r>
               <a:rPr lang="ko-KR" sz="1800">
                 <a:latin typeface="맑은 고딕" charset="0"/>
                 <a:ea typeface="맑은 고딕" charset="0"/>
@@ -8967,17 +9041,17 @@
       </p:sp>
       <p:pic>
         <p:nvPicPr>
-          <p:cNvPr id="31" name="그림 29"/>
+          <p:cNvPr id="31" name="그림 29" descr="C:/Users/Admin1/AppData/Roaming/PolarisOffice/ETemp/5684_5624520/fImage29452195724.png"/>
           <p:cNvPicPr>
             <a:picLocks noChangeAspect="1"/>
           </p:cNvPicPr>
           <p:nvPr/>
         </p:nvPicPr>
         <p:blipFill rotWithShape="1">
-          <a:blip r:embed="rId6" cstate="print">
+          <a:blip r:embed="rId6" cstate="hqprint">
             <a:extLst>
               <a:ext uri="{28A0092B-C50C-407E-A947-70E740481C1C}">
-                <a14:useLocalDpi xmlns:a14="http://schemas.microsoft.com/office/drawing/2010/main" val="0"/>
+                <a14:useLocalDpi xmlns:a14="http://schemas.microsoft.com/office/drawing/2010/main"/>
               </a:ext>
             </a:extLst>
           </a:blip>
@@ -8987,8 +9061,8 @@
         </p:blipFill>
         <p:spPr>
           <a:xfrm rot="0">
-            <a:off x="6834505" y="4481195"/>
-            <a:ext cx="3890010" cy="1039495"/>
+            <a:off x="6834505" y="4522470"/>
+            <a:ext cx="3890645" cy="989965"/>
           </a:xfrm>
           <a:prstGeom prst="rect"/>
           <a:noFill/>
@@ -9094,9 +9168,9 @@
           <p:nvPr/>
         </p:nvSpPr>
         <p:spPr>
-          <a:xfrm rot="0">
+          <a:xfrm>
             <a:off x="1479550" y="4290060"/>
-            <a:ext cx="3783330" cy="923925"/>
+            <a:ext cx="3783965" cy="923925"/>
           </a:xfrm>
           <a:prstGeom prst="rect"/>
           <a:noFill/>
@@ -9116,25 +9190,38 @@
               <a:buNone/>
             </a:pPr>
             <a:r>
+              <a:rPr sz="1800" b="1">
+                <a:solidFill>
+                  <a:srgbClr val="0611F2"/>
+                </a:solidFill>
+                <a:latin typeface="맑은 고딕" charset="0"/>
+                <a:ea typeface="맑은 고딕" charset="0"/>
+              </a:rPr>
+              <a:t>8</a:t>
+            </a:r>
+            <a:r>
+              <a:rPr sz="1800" b="1">
+                <a:solidFill>
+                  <a:srgbClr val="0611F2"/>
+                </a:solidFill>
+                <a:latin typeface="맑은 고딕" charset="0"/>
+                <a:ea typeface="맑은 고딕" charset="0"/>
+              </a:rPr>
+              <a:t>.</a:t>
+            </a:r>
+            <a:r>
+              <a:rPr sz="1800">
+                <a:latin typeface="맑은 고딕" charset="0"/>
+                <a:ea typeface="맑은 고딕" charset="0"/>
+              </a:rPr>
+              <a:t> </a:t>
+            </a:r>
+            <a:r>
               <a:rPr lang="ko-KR" sz="1800">
                 <a:latin typeface="맑은 고딕" charset="0"/>
                 <a:ea typeface="맑은 고딕" charset="0"/>
               </a:rPr>
-              <a:t>Photon View 컴포넌트가 연결된   프리팹의 게임 오브젝트에 </a:t>
-            </a:r>
-            <a:r>
-              <a:rPr lang="ko-KR" sz="1800">
-                <a:latin typeface="맑은 고딕" charset="0"/>
-                <a:ea typeface="맑은 고딕" charset="0"/>
-              </a:rPr>
-              <a:t>Speaker</a:t>
-            </a:r>
-            <a:r>
-              <a:rPr lang="ko-KR" sz="1800">
-                <a:latin typeface="맑은 고딕" charset="0"/>
-                <a:ea typeface="맑은 고딕" charset="0"/>
-              </a:rPr>
-              <a:t> 컴포넌트를 부착합니다.</a:t>
+              <a:t>Photon View 컴포넌트가 연결된   프리팹의 게임 오브젝트에 Speaker 컴포넌트를 부착합니다.</a:t>
             </a:r>
             <a:endParaRPr lang="ko-KR" altLang="en-US" sz="1800">
               <a:latin typeface="맑은 고딕" charset="0"/>
@@ -9153,8 +9240,8 @@
         </p:nvSpPr>
         <p:spPr>
           <a:xfrm rot="0">
-            <a:off x="1476375" y="1337310"/>
-            <a:ext cx="3794760" cy="923925"/>
+            <a:off x="1387475" y="1337310"/>
+            <a:ext cx="3884295" cy="647065"/>
           </a:xfrm>
           <a:prstGeom prst="rect"/>
           <a:noFill/>
@@ -9178,35 +9265,7 @@
                 <a:latin typeface="맑은 고딕" charset="0"/>
                 <a:ea typeface="맑은 고딕" charset="0"/>
               </a:rPr>
-              <a:t>Photon </a:t>
-            </a:r>
-            <a:r>
-              <a:rPr lang="ko-KR" sz="1800">
-                <a:latin typeface="맑은 고딕" charset="0"/>
-                <a:ea typeface="맑은 고딕" charset="0"/>
-              </a:rPr>
-              <a:t>Speaker</a:t>
-            </a:r>
-            <a:r>
-              <a:rPr lang="ko-KR" sz="1800">
-                <a:latin typeface="맑은 고딕" charset="0"/>
-                <a:ea typeface="맑은 고딕" charset="0"/>
-              </a:rPr>
-              <a:t>는</a:t>
-            </a:r>
-            <a:r>
-              <a:rPr lang="ko-KR" sz="1800">
-                <a:latin typeface="맑은 고딕" charset="0"/>
-                <a:ea typeface="맑은 고딕" charset="0"/>
-              </a:rPr>
-              <a:t> 수신되는 오디오 스트림을 출력하는 컴포넌트입니다</a:t>
-            </a:r>
-            <a:r>
-              <a:rPr lang="ko-KR" sz="1800">
-                <a:latin typeface="맑은 고딕" charset="0"/>
-                <a:ea typeface="맑은 고딕" charset="0"/>
-              </a:rPr>
-              <a:t>.</a:t>
+              <a:t>Photon Speaker는 수신되는 오디오 스트림을 출력하는 컴포넌트입니다.</a:t>
             </a:r>
             <a:endParaRPr lang="ko-KR" altLang="en-US" sz="1800">
               <a:latin typeface="맑은 고딕" charset="0"/>
@@ -9217,17 +9276,17 @@
       </p:sp>
       <p:pic>
         <p:nvPicPr>
-          <p:cNvPr id="31" name="그림 18"/>
+          <p:cNvPr id="31" name="그림 18" descr="C:/Users/Admin1/AppData/Roaming/PolarisOffice/ETemp/5684_5624520/fImage138602131478.png"/>
           <p:cNvPicPr>
             <a:picLocks noChangeAspect="1"/>
           </p:cNvPicPr>
           <p:nvPr/>
         </p:nvPicPr>
         <p:blipFill rotWithShape="1">
-          <a:blip r:embed="rId2" cstate="print">
+          <a:blip r:embed="rId2" cstate="hqprint">
             <a:extLst>
               <a:ext uri="{28A0092B-C50C-407E-A947-70E740481C1C}">
-                <a14:useLocalDpi xmlns:a14="http://schemas.microsoft.com/office/drawing/2010/main" val="0"/>
+                <a14:useLocalDpi xmlns:a14="http://schemas.microsoft.com/office/drawing/2010/main"/>
               </a:ext>
             </a:extLst>
           </a:blip>
@@ -9238,7 +9297,7 @@
         <p:spPr>
           <a:xfrm rot="0">
             <a:off x="6880225" y="1341120"/>
-            <a:ext cx="3885565" cy="1252855"/>
+            <a:ext cx="4218305" cy="1253490"/>
           </a:xfrm>
           <a:prstGeom prst="rect"/>
           <a:noFill/>
@@ -9246,7 +9305,7 @@
       </p:pic>
       <p:pic>
         <p:nvPicPr>
-          <p:cNvPr id="33" name="그림 22"/>
+          <p:cNvPr id="33" name="그림 22" descr="C:/Users/Admin1/AppData/Roaming/PolarisOffice/ETemp/5684_5624520/fImage63921018467.png"/>
           <p:cNvPicPr>
             <a:picLocks noChangeAspect="1"/>
           </p:cNvPicPr>
@@ -9266,8 +9325,8 @@
         </p:blipFill>
         <p:spPr>
           <a:xfrm rot="0">
-            <a:off x="1479550" y="2375535"/>
-            <a:ext cx="2112645" cy="1772285"/>
+            <a:off x="1479550" y="2194560"/>
+            <a:ext cx="2113280" cy="1953895"/>
           </a:xfrm>
           <a:prstGeom prst="rect"/>
           <a:noFill/>
@@ -9275,17 +9334,17 @@
       </p:pic>
       <p:pic>
         <p:nvPicPr>
-          <p:cNvPr id="32" name="그림 19"/>
+          <p:cNvPr id="32" name="그림 19" descr="C:/Users/Admin1/AppData/Roaming/PolarisOffice/ETemp/5684_5624520/fImage48472149358.png"/>
           <p:cNvPicPr>
             <a:picLocks noChangeAspect="1"/>
           </p:cNvPicPr>
           <p:nvPr/>
         </p:nvPicPr>
         <p:blipFill rotWithShape="1">
-          <a:blip r:embed="rId4" cstate="print">
+          <a:blip r:embed="rId4" cstate="hqprint">
             <a:extLst>
               <a:ext uri="{28A0092B-C50C-407E-A947-70E740481C1C}">
-                <a14:useLocalDpi xmlns:a14="http://schemas.microsoft.com/office/drawing/2010/main" val="0"/>
+                <a14:useLocalDpi xmlns:a14="http://schemas.microsoft.com/office/drawing/2010/main"/>
               </a:ext>
             </a:extLst>
           </a:blip>
@@ -9295,8 +9354,8 @@
         </p:blipFill>
         <p:spPr>
           <a:xfrm rot="0">
-            <a:off x="2660015" y="2916555"/>
-            <a:ext cx="2602865" cy="1016635"/>
+            <a:off x="2660015" y="2751455"/>
+            <a:ext cx="2603500" cy="1182370"/>
           </a:xfrm>
           <a:prstGeom prst="roundRect"/>
           <a:solidFill>
@@ -9306,7 +9365,7 @@
       </p:pic>
       <p:pic>
         <p:nvPicPr>
-          <p:cNvPr id="34" name="그림 26"/>
+          <p:cNvPr id="34" name="그림 26" descr="C:/Users/Admin1/AppData/Roaming/PolarisOffice/ETemp/5684_5624520/fImage180121026334.png"/>
           <p:cNvPicPr>
             <a:picLocks noChangeAspect="1"/>
           </p:cNvPicPr>
@@ -9327,7 +9386,7 @@
         <p:spPr>
           <a:xfrm rot="0">
             <a:off x="6883400" y="2876550"/>
-            <a:ext cx="3884295" cy="1197610"/>
+            <a:ext cx="4223385" cy="1198245"/>
           </a:xfrm>
           <a:prstGeom prst="rect"/>
           <a:noFill/>
@@ -9342,7 +9401,7 @@
         <p:spPr>
           <a:xfrm rot="0">
             <a:off x="7099300" y="1537970"/>
-            <a:ext cx="3525520" cy="1971040"/>
+            <a:ext cx="3858260" cy="1979295"/>
           </a:xfrm>
           <a:prstGeom prst="straightConnector1"/>
           <a:ln w="6350" cap="flat" cmpd="sng">
@@ -9376,7 +9435,7 @@
         <p:spPr>
           <a:xfrm rot="0">
             <a:off x="6871335" y="4286885"/>
-            <a:ext cx="3783330" cy="923925"/>
+            <a:ext cx="4243705" cy="923925"/>
           </a:xfrm>
           <a:prstGeom prst="rect"/>
           <a:noFill/>
@@ -9395,6 +9454,33 @@
               <a:buFontTx/>
               <a:buNone/>
             </a:pPr>
+            <a:r>
+              <a:rPr sz="1800" b="1">
+                <a:solidFill>
+                  <a:srgbClr val="0611F2"/>
+                </a:solidFill>
+                <a:latin typeface="맑은 고딕" charset="0"/>
+                <a:ea typeface="맑은 고딕" charset="0"/>
+              </a:rPr>
+              <a:t>9</a:t>
+            </a:r>
+            <a:r>
+              <a:rPr sz="1800" b="1">
+                <a:solidFill>
+                  <a:srgbClr val="0611F2"/>
+                </a:solidFill>
+                <a:latin typeface="맑은 고딕" charset="0"/>
+                <a:ea typeface="맑은 고딕" charset="0"/>
+              </a:rPr>
+              <a:t>.</a:t>
+            </a:r>
+            <a:r>
+              <a:rPr sz="1800">
+                <a:latin typeface="맑은 고딕" charset="0"/>
+                <a:ea typeface="맑은 고딕" charset="0"/>
+              </a:rPr>
+              <a:t> </a:t>
+            </a:r>
             <a:r>
               <a:rPr lang="ko-KR" sz="1800">
                 <a:latin typeface="맑은 고딕" charset="0"/>

--- a/Assets/Class/Photon Server/PPT Data/Photon Voice.pptx
+++ b/Assets/Class/Photon Server/PPT Data/Photon Voice.pptx
@@ -2,7 +2,7 @@
 <file path=ppt/presentation.xml><?xml version="1.0" encoding="utf-8"?>
 <p:presentation xmlns:a="http://schemas.openxmlformats.org/drawingml/2006/main" xmlns:r="http://schemas.openxmlformats.org/officeDocument/2006/relationships" xmlns:p="http://schemas.openxmlformats.org/presentationml/2006/main" xmlns:p14="http://schemas.microsoft.com/office/powerpoint/2010/main" saveSubsetFonts="1" firstSlideNum="0">
   <p:sldMasterIdLst>
-    <p:sldMasterId id="2147486741" r:id="rId12"/>
+    <p:sldMasterId id="2147486743" r:id="rId12"/>
   </p:sldMasterIdLst>
   <p:notesMasterIdLst>
     <p:notesMasterId r:id="rId14"/>
@@ -7405,9 +7405,9 @@
           <p:nvPr/>
         </p:nvSpPr>
         <p:spPr>
-          <a:xfrm>
-            <a:off x="1242695" y="4725670"/>
-            <a:ext cx="4104005" cy="923925"/>
+          <a:xfrm rot="0">
+            <a:off x="1250950" y="5224145"/>
+            <a:ext cx="4104640" cy="924560"/>
           </a:xfrm>
           <a:prstGeom prst="rect"/>
           <a:noFill/>
@@ -7459,7 +7459,7 @@
       </p:sp>
       <p:pic>
         <p:nvPicPr>
-          <p:cNvPr id="27" name="그림 6"/>
+          <p:cNvPr id="27" name="그림 6" descr="C:/Users/Admin1/AppData/Roaming/PolarisOffice/ETemp/20156_22415520/fImage99688141.png"/>
           <p:cNvPicPr>
             <a:picLocks noChangeAspect="1"/>
           </p:cNvPicPr>
@@ -7480,15 +7480,17 @@
         <p:spPr>
           <a:xfrm rot="0">
             <a:off x="6728460" y="1224915"/>
-            <a:ext cx="2011045" cy="1602105"/>
-          </a:xfrm>
-          <a:prstGeom prst="rect"/>
-          <a:noFill/>
+            <a:ext cx="1635125" cy="1826895"/>
+          </a:xfrm>
+          <a:prstGeom prst="roundRect"/>
+          <a:solidFill>
+            <a:srgbClr val="EDEDED"/>
+          </a:solidFill>
         </p:spPr>
       </p:pic>
       <p:pic>
         <p:nvPicPr>
-          <p:cNvPr id="30" name="그림 11"/>
+          <p:cNvPr id="30" name="그림 11" descr="C:/Users/Admin1/AppData/Roaming/PolarisOffice/ETemp/20156_22415520/fImage19586856334.png"/>
           <p:cNvPicPr>
             <a:picLocks noChangeAspect="1"/>
           </p:cNvPicPr>
@@ -7508,26 +7510,28 @@
         </p:blipFill>
         <p:spPr>
           <a:xfrm rot="0">
-            <a:off x="6721475" y="3065780"/>
-            <a:ext cx="4318635" cy="1748155"/>
-          </a:xfrm>
-          <a:prstGeom prst="rect"/>
-          <a:noFill/>
+            <a:off x="6721475" y="3242310"/>
+            <a:ext cx="4319270" cy="1887220"/>
+          </a:xfrm>
+          <a:prstGeom prst="roundRect"/>
+          <a:solidFill>
+            <a:srgbClr val="EDEDED"/>
+          </a:solidFill>
         </p:spPr>
       </p:pic>
       <p:pic>
         <p:nvPicPr>
-          <p:cNvPr id="33" name="그림 6"/>
+          <p:cNvPr id="33" name="그림 6" descr="C:/Users/Admin1/AppData/Roaming/PolarisOffice/ETemp/20156_22415520/fImage2556310041.png"/>
           <p:cNvPicPr>
             <a:picLocks noChangeAspect="1"/>
           </p:cNvPicPr>
           <p:nvPr/>
         </p:nvPicPr>
         <p:blipFill rotWithShape="1">
-          <a:blip r:embed="rId13" cstate="print">
+          <a:blip r:embed="rId13" cstate="hqprint">
             <a:extLst>
               <a:ext uri="{28A0092B-C50C-407E-A947-70E740481C1C}">
-                <a14:useLocalDpi xmlns:a14="http://schemas.microsoft.com/office/drawing/2010/main" val="0"/>
+                <a14:useLocalDpi xmlns:a14="http://schemas.microsoft.com/office/drawing/2010/main"/>
               </a:ext>
             </a:extLst>
           </a:blip>
@@ -7538,7 +7542,7 @@
         <p:spPr>
           <a:xfrm rot="0">
             <a:off x="1247140" y="1221740"/>
-            <a:ext cx="4123690" cy="1056640"/>
+            <a:ext cx="4140200" cy="1322705"/>
           </a:xfrm>
           <a:prstGeom prst="rect"/>
           <a:noFill/>
@@ -7546,17 +7550,17 @@
       </p:pic>
       <p:pic>
         <p:nvPicPr>
-          <p:cNvPr id="34" name="그림 7"/>
+          <p:cNvPr id="34" name="그림 7" descr="C:/Users/Admin1/AppData/Roaming/PolarisOffice/ETemp/20156_22415520/fImage201171018467.png"/>
           <p:cNvPicPr>
             <a:picLocks noChangeAspect="1"/>
           </p:cNvPicPr>
           <p:nvPr/>
         </p:nvPicPr>
         <p:blipFill rotWithShape="1">
-          <a:blip r:embed="rId14" cstate="print">
+          <a:blip r:embed="rId14" cstate="hqprint">
             <a:extLst>
               <a:ext uri="{28A0092B-C50C-407E-A947-70E740481C1C}">
-                <a14:useLocalDpi xmlns:a14="http://schemas.microsoft.com/office/drawing/2010/main" val="0"/>
+                <a14:useLocalDpi xmlns:a14="http://schemas.microsoft.com/office/drawing/2010/main"/>
               </a:ext>
             </a:extLst>
           </a:blip>
@@ -7566,8 +7570,8 @@
         </p:blipFill>
         <p:spPr>
           <a:xfrm rot="0">
-            <a:off x="1230630" y="2518410"/>
-            <a:ext cx="4140200" cy="1987550"/>
+            <a:off x="1247140" y="2710180"/>
+            <a:ext cx="4140835" cy="2411095"/>
           </a:xfrm>
           <a:prstGeom prst="rect"/>
           <a:noFill/>
@@ -7575,7 +7579,7 @@
       </p:pic>
       <p:pic>
         <p:nvPicPr>
-          <p:cNvPr id="35" name="그림 8"/>
+          <p:cNvPr id="35" name="그림 8" descr="C:/Users/Admin1/AppData/Roaming/PolarisOffice/ETemp/20156_22415520/fImage3249828467.png"/>
           <p:cNvPicPr>
             <a:picLocks noChangeAspect="1"/>
           </p:cNvPicPr>
@@ -7595,11 +7599,13 @@
         </p:blipFill>
         <p:spPr>
           <a:xfrm rot="0">
-            <a:off x="9951085" y="1400175"/>
-            <a:ext cx="1145540" cy="1244600"/>
-          </a:xfrm>
-          <a:prstGeom prst="rect"/>
-          <a:noFill/>
+            <a:off x="10041890" y="1579245"/>
+            <a:ext cx="988695" cy="1123315"/>
+          </a:xfrm>
+          <a:prstGeom prst="roundRect"/>
+          <a:solidFill>
+            <a:srgbClr val="EDEDED"/>
+          </a:solidFill>
         </p:spPr>
       </p:pic>
       <p:sp>
@@ -7612,8 +7618,8 @@
         </p:nvSpPr>
         <p:spPr>
           <a:xfrm rot="0">
-            <a:off x="8928100" y="1894840"/>
-            <a:ext cx="367030" cy="262255"/>
+            <a:off x="8487410" y="2027555"/>
+            <a:ext cx="266700" cy="217170"/>
           </a:xfrm>
           <a:prstGeom prst="notchedRightArrow"/>
           <a:scene3d>
@@ -7662,7 +7668,68 @@
       </p:sp>
       <p:sp>
         <p:nvSpPr>
-          <p:cNvPr id="37" name="도형 10"/>
+          <p:cNvPr id="38" name="텍스트 상자 11"/>
+          <p:cNvSpPr txBox="1">
+            <a:spLocks/>
+          </p:cNvSpPr>
+          <p:nvPr/>
+        </p:nvSpPr>
+        <p:spPr>
+          <a:xfrm rot="0">
+            <a:off x="6718300" y="5229225"/>
+            <a:ext cx="3923030" cy="923925"/>
+          </a:xfrm>
+          <a:prstGeom prst="rect"/>
+          <a:noFill/>
+          <a:ln w="0">
+            <a:noFill/>
+            <a:prstDash/>
+          </a:ln>
+        </p:spPr>
+        <p:txBody>
+          <a:bodyPr wrap="square" lIns="89535" tIns="46355" rIns="89535" bIns="46355" numCol="1" vert="horz" anchor="t">
+            <a:spAutoFit/>
+          </a:bodyPr>
+          <a:lstStyle/>
+          <a:p>
+            <a:pPr marL="0" indent="0" algn="l" latinLnBrk="0" hangingPunct="1">
+              <a:buFontTx/>
+              <a:buNone/>
+            </a:pPr>
+            <a:r>
+              <a:rPr sz="1800" b="1">
+                <a:solidFill>
+                  <a:srgbClr val="0611F2"/>
+                </a:solidFill>
+                <a:latin typeface="맑은 고딕" charset="0"/>
+                <a:ea typeface="맑은 고딕" charset="0"/>
+              </a:rPr>
+              <a:t>2.</a:t>
+            </a:r>
+            <a:r>
+              <a:rPr sz="1800">
+                <a:latin typeface="맑은 고딕" charset="0"/>
+                <a:ea typeface="맑은 고딕" charset="0"/>
+              </a:rPr>
+              <a:t> </a:t>
+            </a:r>
+            <a:r>
+              <a:rPr lang="ko-KR" sz="1800">
+                <a:latin typeface="맑은 고딕" charset="0"/>
+                <a:ea typeface="맑은 고딕" charset="0"/>
+              </a:rPr>
+              <a:t>그 다음 포톤 클라우드 설정에서 포톤 생성된 보이스 앱 ID를 넣어주면 됩니다.</a:t>
+            </a:r>
+            <a:endParaRPr lang="ko-KR" altLang="en-US" sz="1800">
+              <a:latin typeface="맑은 고딕" charset="0"/>
+              <a:ea typeface="맑은 고딕" charset="0"/>
+            </a:endParaRPr>
+          </a:p>
+        </p:txBody>
+      </p:sp>
+      <p:sp>
+        <p:nvSpPr>
+          <p:cNvPr id="39" name="도형 6"/>
           <p:cNvSpPr>
             <a:spLocks/>
           </p:cNvSpPr>
@@ -7670,8 +7737,8 @@
         </p:nvSpPr>
         <p:spPr>
           <a:xfrm rot="0">
-            <a:off x="9390380" y="1891665"/>
-            <a:ext cx="367030" cy="262255"/>
+            <a:off x="8866505" y="2024380"/>
+            <a:ext cx="266700" cy="217170"/>
           </a:xfrm>
           <a:prstGeom prst="notchedRightArrow"/>
           <a:scene3d>
@@ -7720,68 +7787,113 @@
       </p:sp>
       <p:sp>
         <p:nvSpPr>
-          <p:cNvPr id="38" name="텍스트 상자 11"/>
-          <p:cNvSpPr txBox="1">
+          <p:cNvPr id="40" name="도형 7"/>
+          <p:cNvSpPr>
             <a:spLocks/>
           </p:cNvSpPr>
           <p:nvPr/>
         </p:nvSpPr>
         <p:spPr>
           <a:xfrm rot="0">
-            <a:off x="6726555" y="5005070"/>
-            <a:ext cx="4305935" cy="647065"/>
-          </a:xfrm>
-          <a:prstGeom prst="rect"/>
-          <a:noFill/>
-          <a:ln w="0">
-            <a:noFill/>
-            <a:prstDash/>
-          </a:ln>
-        </p:spPr>
-        <p:txBody>
-          <a:bodyPr wrap="square" lIns="89535" tIns="46355" rIns="89535" bIns="46355" numCol="1" vert="horz" anchor="t">
-            <a:spAutoFit/>
+            <a:off x="9253855" y="2029460"/>
+            <a:ext cx="266700" cy="217170"/>
+          </a:xfrm>
+          <a:prstGeom prst="notchedRightArrow"/>
+          <a:scene3d>
+            <a:camera prst="orthographicFront"/>
+            <a:lightRig rig="threePt" dir="t"/>
+          </a:scene3d>
+          <a:sp3d prstMaterial="warmMatte">
+            <a:bevelT w="76200" h="76200" prst="circle"/>
+            <a:contourClr>
+              <a:srgbClr val="000000"/>
+            </a:contourClr>
+          </a:sp3d>
+        </p:spPr>
+        <p:style>
+          <a:lnRef idx="2">
+            <a:schemeClr val="accent1">
+              <a:shade val="50000"/>
+            </a:schemeClr>
+          </a:lnRef>
+          <a:fillRef idx="1">
+            <a:schemeClr val="accent1"/>
+          </a:fillRef>
+          <a:effectRef idx="0">
+            <a:schemeClr val="accent1"/>
+          </a:effectRef>
+          <a:fontRef idx="minor">
+            <a:schemeClr val="lt1"/>
+          </a:fontRef>
+        </p:style>
+        <p:txBody>
+          <a:bodyPr wrap="square" lIns="91440" tIns="45720" rIns="91440" bIns="45720" numCol="1" vert="horz" anchor="ctr">
+            <a:noAutofit/>
           </a:bodyPr>
           <a:lstStyle/>
           <a:p>
-            <a:pPr marL="0" indent="0" algn="l" latinLnBrk="0" hangingPunct="1">
-              <a:buFontTx/>
-              <a:buNone/>
-            </a:pPr>
-            <a:r>
-              <a:rPr sz="1800" b="1">
-                <a:solidFill>
-                  <a:srgbClr val="0611F2"/>
-                </a:solidFill>
-                <a:latin typeface="맑은 고딕" charset="0"/>
-                <a:ea typeface="맑은 고딕" charset="0"/>
-              </a:rPr>
-              <a:t>2</a:t>
-            </a:r>
-            <a:r>
-              <a:rPr sz="1800" b="1">
-                <a:solidFill>
-                  <a:srgbClr val="0611F2"/>
-                </a:solidFill>
-                <a:latin typeface="맑은 고딕" charset="0"/>
-                <a:ea typeface="맑은 고딕" charset="0"/>
-              </a:rPr>
-              <a:t>.</a:t>
-            </a:r>
-            <a:r>
-              <a:rPr sz="1800">
-                <a:latin typeface="맑은 고딕" charset="0"/>
-                <a:ea typeface="맑은 고딕" charset="0"/>
-              </a:rPr>
-              <a:t> </a:t>
-            </a:r>
-            <a:r>
-              <a:rPr lang="ko-KR" sz="1800">
-                <a:latin typeface="맑은 고딕" charset="0"/>
-                <a:ea typeface="맑은 고딕" charset="0"/>
-              </a:rPr>
-              <a:t>그 다음 포톤 클라우드 설정에서 포톤 생성된 보이스 앱 ID를 넣어주면 됩니다.</a:t>
-            </a:r>
+            <a:pPr marL="0" indent="0" algn="ctr" latinLnBrk="0" hangingPunct="1">
+              <a:buFontTx/>
+              <a:buNone/>
+            </a:pPr>
+            <a:endParaRPr lang="ko-KR" altLang="en-US" sz="1800">
+              <a:latin typeface="맑은 고딕" charset="0"/>
+              <a:ea typeface="맑은 고딕" charset="0"/>
+            </a:endParaRPr>
+          </a:p>
+        </p:txBody>
+      </p:sp>
+      <p:sp>
+        <p:nvSpPr>
+          <p:cNvPr id="41" name="도형 8"/>
+          <p:cNvSpPr>
+            <a:spLocks/>
+          </p:cNvSpPr>
+          <p:nvPr/>
+        </p:nvSpPr>
+        <p:spPr>
+          <a:xfrm rot="0">
+            <a:off x="9628505" y="2029460"/>
+            <a:ext cx="266700" cy="217170"/>
+          </a:xfrm>
+          <a:prstGeom prst="notchedRightArrow"/>
+          <a:scene3d>
+            <a:camera prst="orthographicFront"/>
+            <a:lightRig rig="threePt" dir="t"/>
+          </a:scene3d>
+          <a:sp3d prstMaterial="warmMatte">
+            <a:bevelT w="76200" h="76200" prst="circle"/>
+            <a:contourClr>
+              <a:srgbClr val="000000"/>
+            </a:contourClr>
+          </a:sp3d>
+        </p:spPr>
+        <p:style>
+          <a:lnRef idx="2">
+            <a:schemeClr val="accent1">
+              <a:shade val="50000"/>
+            </a:schemeClr>
+          </a:lnRef>
+          <a:fillRef idx="1">
+            <a:schemeClr val="accent1"/>
+          </a:fillRef>
+          <a:effectRef idx="0">
+            <a:schemeClr val="accent1"/>
+          </a:effectRef>
+          <a:fontRef idx="minor">
+            <a:schemeClr val="lt1"/>
+          </a:fontRef>
+        </p:style>
+        <p:txBody>
+          <a:bodyPr wrap="square" lIns="91440" tIns="45720" rIns="91440" bIns="45720" numCol="1" vert="horz" anchor="ctr">
+            <a:noAutofit/>
+          </a:bodyPr>
+          <a:lstStyle/>
+          <a:p>
+            <a:pPr marL="0" indent="0" algn="ctr" latinLnBrk="0" hangingPunct="1">
+              <a:buFontTx/>
+              <a:buNone/>
+            </a:pPr>
             <a:endParaRPr lang="ko-KR" altLang="en-US" sz="1800">
               <a:latin typeface="맑은 고딕" charset="0"/>
               <a:ea typeface="맑은 고딕" charset="0"/>
@@ -7980,17 +8092,17 @@
       </p:sp>
       <p:pic>
         <p:nvPicPr>
-          <p:cNvPr id="25" name="그림 17"/>
+          <p:cNvPr id="25" name="그림 17" descr="C:/Users/Admin1/AppData/Roaming/PolarisOffice/ETemp/20156_22415520/fImage33025926500.png"/>
           <p:cNvPicPr>
             <a:picLocks noChangeAspect="1"/>
           </p:cNvPicPr>
           <p:nvPr/>
         </p:nvPicPr>
         <p:blipFill rotWithShape="1">
-          <a:blip r:embed="rId9" cstate="print">
+          <a:blip r:embed="rId9" cstate="hqprint">
             <a:extLst>
               <a:ext uri="{28A0092B-C50C-407E-A947-70E740481C1C}">
-                <a14:useLocalDpi xmlns:a14="http://schemas.microsoft.com/office/drawing/2010/main" val="0"/>
+                <a14:useLocalDpi xmlns:a14="http://schemas.microsoft.com/office/drawing/2010/main"/>
               </a:ext>
             </a:extLst>
           </a:blip>
@@ -8001,10 +8113,12 @@
         <p:spPr>
           <a:xfrm rot="0">
             <a:off x="1318895" y="1400175"/>
-            <a:ext cx="2172335" cy="2532380"/>
-          </a:xfrm>
-          <a:prstGeom prst="rect"/>
-          <a:noFill/>
+            <a:ext cx="2172970" cy="2533015"/>
+          </a:xfrm>
+          <a:prstGeom prst="roundRect"/>
+          <a:solidFill>
+            <a:srgbClr val="EDEDED"/>
+          </a:solidFill>
         </p:spPr>
       </p:pic>
       <p:sp>
@@ -8107,7 +8221,7 @@
       </p:sp>
       <p:pic>
         <p:nvPicPr>
-          <p:cNvPr id="29" name="그림 34"/>
+          <p:cNvPr id="29" name="그림 34" descr="C:/Users/Admin1/AppData/Roaming/PolarisOffice/ETemp/20156_22415520/fImage47781035724.png"/>
           <p:cNvPicPr>
             <a:picLocks noChangeAspect="1"/>
           </p:cNvPicPr>
@@ -8128,15 +8242,17 @@
         <p:spPr>
           <a:xfrm rot="0">
             <a:off x="3670935" y="1732280"/>
-            <a:ext cx="1651000" cy="868045"/>
-          </a:xfrm>
-          <a:prstGeom prst="rect"/>
-          <a:noFill/>
+            <a:ext cx="1651635" cy="868680"/>
+          </a:xfrm>
+          <a:prstGeom prst="roundRect"/>
+          <a:solidFill>
+            <a:srgbClr val="EDEDED"/>
+          </a:solidFill>
         </p:spPr>
       </p:pic>
       <p:pic>
         <p:nvPicPr>
-          <p:cNvPr id="30" name="그림 35"/>
+          <p:cNvPr id="30" name="그림 35" descr="C:/Users/Admin1/AppData/Roaming/PolarisOffice/ETemp/20156_22415520/fImage57721041478.png"/>
           <p:cNvPicPr>
             <a:picLocks noChangeAspect="1"/>
           </p:cNvPicPr>
@@ -8157,15 +8273,17 @@
         <p:spPr>
           <a:xfrm rot="0">
             <a:off x="3670935" y="2876550"/>
-            <a:ext cx="1651000" cy="770890"/>
-          </a:xfrm>
-          <a:prstGeom prst="rect"/>
-          <a:noFill/>
+            <a:ext cx="1651635" cy="771525"/>
+          </a:xfrm>
+          <a:prstGeom prst="roundRect"/>
+          <a:solidFill>
+            <a:srgbClr val="EDEDED"/>
+          </a:solidFill>
         </p:spPr>
       </p:pic>
       <p:pic>
         <p:nvPicPr>
-          <p:cNvPr id="31" name="그림 36"/>
+          <p:cNvPr id="31" name="그림 36" descr="C:/Users/Admin1/AppData/Roaming/PolarisOffice/ETemp/20156_22415520/fImage318591059358.png"/>
           <p:cNvPicPr>
             <a:picLocks noChangeAspect="1"/>
           </p:cNvPicPr>
@@ -8186,25 +8304,30 @@
         <p:spPr>
           <a:xfrm rot="0">
             <a:off x="8878570" y="1379855"/>
-            <a:ext cx="1812925" cy="2552700"/>
-          </a:xfrm>
-          <a:prstGeom prst="rect"/>
-          <a:noFill/>
+            <a:ext cx="1813560" cy="2553335"/>
+          </a:xfrm>
+          <a:prstGeom prst="roundRect"/>
+          <a:solidFill>
+            <a:srgbClr val="EDEDED"/>
+          </a:solidFill>
+          <a:effectLst>
+            <a:reflection algn="bl" blurRad="12700" dir="5400000" dist="5080" stA="38000" endPos="28000" sx="100000" sy="-100000" rotWithShape="0"/>
+          </a:effectLst>
         </p:spPr>
       </p:pic>
       <p:pic>
         <p:nvPicPr>
-          <p:cNvPr id="32" name="그림 3"/>
+          <p:cNvPr id="32" name="그림 3" descr="C:/Users/Admin1/AppData/Roaming/PolarisOffice/ETemp/20156_22415520/fImage9967976334.png"/>
           <p:cNvPicPr>
             <a:picLocks noChangeAspect="1"/>
           </p:cNvPicPr>
           <p:nvPr/>
         </p:nvPicPr>
         <p:blipFill rotWithShape="1">
-          <a:blip r:embed="rId14" cstate="print">
+          <a:blip r:embed="rId14" cstate="hqprint">
             <a:extLst>
               <a:ext uri="{28A0092B-C50C-407E-A947-70E740481C1C}">
-                <a14:useLocalDpi xmlns:a14="http://schemas.microsoft.com/office/drawing/2010/main" val="0"/>
+                <a14:useLocalDpi xmlns:a14="http://schemas.microsoft.com/office/drawing/2010/main"/>
               </a:ext>
             </a:extLst>
           </a:blip>
@@ -8215,10 +8338,12 @@
         <p:spPr>
           <a:xfrm rot="0">
             <a:off x="6522720" y="2017395"/>
-            <a:ext cx="2040255" cy="1410335"/>
-          </a:xfrm>
-          <a:prstGeom prst="rect"/>
-          <a:noFill/>
+            <a:ext cx="2040890" cy="1410970"/>
+          </a:xfrm>
+          <a:prstGeom prst="roundRect"/>
+          <a:solidFill>
+            <a:srgbClr val="EDEDED"/>
+          </a:solidFill>
         </p:spPr>
       </p:pic>
       <p:cxnSp>
@@ -8363,7 +8488,7 @@
         <p:spPr>
           <a:xfrm rot="0">
             <a:off x="6800215" y="1329055"/>
-            <a:ext cx="4324350" cy="4246245"/>
+            <a:ext cx="4324985" cy="4523105"/>
           </a:xfrm>
           <a:prstGeom prst="rect"/>
           <a:noFill/>
@@ -8466,6 +8591,16 @@
               <a:buFontTx/>
               <a:buNone/>
             </a:pPr>
+            <a:endParaRPr lang="ko-KR" altLang="en-US" sz="1800">
+              <a:latin typeface="맑은 고딕" charset="0"/>
+              <a:ea typeface="맑은 고딕" charset="0"/>
+            </a:endParaRPr>
+          </a:p>
+          <a:p>
+            <a:pPr marL="0" indent="0" algn="l" latinLnBrk="0" hangingPunct="1">
+              <a:buFontTx/>
+              <a:buNone/>
+            </a:pPr>
             <a:r>
               <a:rPr lang="ko-KR" altLang="en-US" sz="1800">
                 <a:latin typeface="맑은 고딕" charset="0"/>
@@ -8553,7 +8688,7 @@
       </p:sp>
       <p:pic>
         <p:nvPicPr>
-          <p:cNvPr id="26" name="그림 15"/>
+          <p:cNvPr id="26" name="그림 15" descr="C:/Users/Admin1/AppData/Roaming/PolarisOffice/ETemp/20156_22415520/fImage376761096500.png"/>
           <p:cNvPicPr>
             <a:picLocks noChangeAspect="1"/>
           </p:cNvPicPr>
@@ -8574,7 +8709,7 @@
         <p:spPr>
           <a:xfrm rot="0">
             <a:off x="1330325" y="2169795"/>
-            <a:ext cx="4024630" cy="2851785"/>
+            <a:ext cx="2270125" cy="2544445"/>
           </a:xfrm>
           <a:prstGeom prst="rect"/>
           <a:noFill/>
@@ -8582,17 +8717,17 @@
       </p:pic>
       <p:pic>
         <p:nvPicPr>
-          <p:cNvPr id="27" name="그림 9"/>
+          <p:cNvPr id="27" name="그림 9" descr="C:/Users/Admin1/AppData/Roaming/PolarisOffice/ETemp/20156_22415520/fImage20961249169.png"/>
           <p:cNvPicPr>
             <a:picLocks noChangeAspect="1"/>
           </p:cNvPicPr>
           <p:nvPr/>
         </p:nvPicPr>
         <p:blipFill rotWithShape="1">
-          <a:blip r:embed="rId4" cstate="print">
+          <a:blip r:embed="rId4" cstate="hqprint">
             <a:extLst>
               <a:ext uri="{28A0092B-C50C-407E-A947-70E740481C1C}">
-                <a14:useLocalDpi xmlns:a14="http://schemas.microsoft.com/office/drawing/2010/main" val="0"/>
+                <a14:useLocalDpi xmlns:a14="http://schemas.microsoft.com/office/drawing/2010/main"/>
               </a:ext>
             </a:extLst>
           </a:blip>
@@ -8602,8 +8737,8 @@
         </p:blipFill>
         <p:spPr>
           <a:xfrm rot="0">
-            <a:off x="6841490" y="3267075"/>
-            <a:ext cx="4041140" cy="682625"/>
+            <a:off x="6800215" y="3425190"/>
+            <a:ext cx="4331335" cy="807085"/>
           </a:xfrm>
           <a:prstGeom prst="roundRect"/>
           <a:solidFill>
@@ -8620,9 +8755,9 @@
           <p:nvPr/>
         </p:nvSpPr>
         <p:spPr>
-          <a:xfrm>
-            <a:off x="1338580" y="5161915"/>
-            <a:ext cx="4016375" cy="923925"/>
+          <a:xfrm rot="0">
+            <a:off x="1330325" y="4928870"/>
+            <a:ext cx="4017010" cy="924560"/>
           </a:xfrm>
           <a:prstGeom prst="rect"/>
           <a:noFill/>
@@ -8649,17 +8784,7 @@
                 <a:latin typeface="맑은 고딕" charset="0"/>
                 <a:ea typeface="맑은 고딕" charset="0"/>
               </a:rPr>
-              <a:t>5</a:t>
-            </a:r>
-            <a:r>
-              <a:rPr sz="1800" b="1">
-                <a:solidFill>
-                  <a:srgbClr val="0611F2"/>
-                </a:solidFill>
-                <a:latin typeface="맑은 고딕" charset="0"/>
-                <a:ea typeface="맑은 고딕" charset="0"/>
-              </a:rPr>
-              <a:t>.</a:t>
+              <a:t>5.</a:t>
             </a:r>
             <a:r>
               <a:rPr sz="1800">
@@ -8775,9 +8900,9 @@
           <p:nvPr/>
         </p:nvSpPr>
         <p:spPr>
-          <a:xfrm>
-            <a:off x="1479550" y="4598035"/>
-            <a:ext cx="3792855" cy="923925"/>
+          <a:xfrm rot="0">
+            <a:off x="1470025" y="3524885"/>
+            <a:ext cx="3793490" cy="924560"/>
           </a:xfrm>
           <a:prstGeom prst="rect"/>
           <a:noFill/>
@@ -8804,17 +8929,7 @@
                 <a:latin typeface="맑은 고딕" charset="0"/>
                 <a:ea typeface="맑은 고딕" charset="0"/>
               </a:rPr>
-              <a:t>6</a:t>
-            </a:r>
-            <a:r>
-              <a:rPr sz="1800" b="1">
-                <a:solidFill>
-                  <a:srgbClr val="0611F2"/>
-                </a:solidFill>
-                <a:latin typeface="맑은 고딕" charset="0"/>
-                <a:ea typeface="맑은 고딕" charset="0"/>
-              </a:rPr>
-              <a:t>.</a:t>
+              <a:t>6.</a:t>
             </a:r>
             <a:r>
               <a:rPr sz="1800">
@@ -8839,7 +8954,7 @@
       </p:sp>
       <p:pic>
         <p:nvPicPr>
-          <p:cNvPr id="26" name="그림 1"/>
+          <p:cNvPr id="26" name="그림 1" descr="C:/Users/Admin1/AppData/Roaming/PolarisOffice/ETemp/20156_22415520/fImage414910041.png"/>
           <p:cNvPicPr>
             <a:picLocks noChangeAspect="1"/>
           </p:cNvPicPr>
@@ -8859,16 +8974,18 @@
         </p:blipFill>
         <p:spPr>
           <a:xfrm rot="0">
-            <a:off x="1481455" y="2504440"/>
-            <a:ext cx="1346200" cy="1951990"/>
-          </a:xfrm>
-          <a:prstGeom prst="rect"/>
-          <a:noFill/>
+            <a:off x="1481455" y="2388235"/>
+            <a:ext cx="1346835" cy="1037590"/>
+          </a:xfrm>
+          <a:prstGeom prst="roundRect"/>
+          <a:solidFill>
+            <a:srgbClr val="EDEDED"/>
+          </a:solidFill>
         </p:spPr>
       </p:pic>
       <p:pic>
         <p:nvPicPr>
-          <p:cNvPr id="27" name="그림 2"/>
+          <p:cNvPr id="27" name="그림 2" descr="C:/Users/Admin1/AppData/Roaming/PolarisOffice/ETemp/20156_22415520/fImage63921018467.png"/>
           <p:cNvPicPr>
             <a:picLocks noChangeAspect="1"/>
           </p:cNvPicPr>
@@ -8888,16 +9005,18 @@
         </p:blipFill>
         <p:spPr>
           <a:xfrm rot="0">
-            <a:off x="3192145" y="2508250"/>
-            <a:ext cx="2079625" cy="1948180"/>
-          </a:xfrm>
-          <a:prstGeom prst="rect"/>
-          <a:noFill/>
+            <a:off x="3192145" y="2383790"/>
+            <a:ext cx="2080260" cy="1042035"/>
+          </a:xfrm>
+          <a:prstGeom prst="roundRect"/>
+          <a:solidFill>
+            <a:srgbClr val="EDEDED"/>
+          </a:solidFill>
         </p:spPr>
       </p:pic>
       <p:pic>
         <p:nvPicPr>
-          <p:cNvPr id="28" name="그림 3"/>
+          <p:cNvPr id="28" name="그림 3" descr="C:/Users/Admin1/AppData/Roaming/PolarisOffice/ETemp/20156_22415520/fImage180121026334.png"/>
           <p:cNvPicPr>
             <a:picLocks noChangeAspect="1"/>
           </p:cNvPicPr>
@@ -8918,10 +9037,12 @@
         <p:spPr>
           <a:xfrm rot="0">
             <a:off x="6833235" y="1383665"/>
-            <a:ext cx="3883025" cy="1630045"/>
-          </a:xfrm>
-          <a:prstGeom prst="rect"/>
-          <a:noFill/>
+            <a:ext cx="3883660" cy="1630680"/>
+          </a:xfrm>
+          <a:prstGeom prst="roundRect"/>
+          <a:solidFill>
+            <a:srgbClr val="EDEDED"/>
+          </a:solidFill>
         </p:spPr>
       </p:pic>
       <p:sp>
@@ -8978,8 +9099,8 @@
         </p:nvSpPr>
         <p:spPr>
           <a:xfrm rot="0">
-            <a:off x="6841490" y="3155950"/>
-            <a:ext cx="3975100" cy="1200785"/>
+            <a:off x="6842125" y="3154680"/>
+            <a:ext cx="3975735" cy="1201420"/>
           </a:xfrm>
           <a:prstGeom prst="rect"/>
           <a:noFill/>
@@ -9006,17 +9127,7 @@
                 <a:latin typeface="맑은 고딕" charset="0"/>
                 <a:ea typeface="맑은 고딕" charset="0"/>
               </a:rPr>
-              <a:t>7</a:t>
-            </a:r>
-            <a:r>
-              <a:rPr sz="1800" b="1">
-                <a:solidFill>
-                  <a:srgbClr val="0611F2"/>
-                </a:solidFill>
-                <a:latin typeface="맑은 고딕" charset="0"/>
-                <a:ea typeface="맑은 고딕" charset="0"/>
-              </a:rPr>
-              <a:t>.</a:t>
+              <a:t>7.</a:t>
             </a:r>
             <a:r>
               <a:rPr sz="1800">
@@ -9041,7 +9152,7 @@
       </p:sp>
       <p:pic>
         <p:nvPicPr>
-          <p:cNvPr id="31" name="그림 29" descr="C:/Users/Admin1/AppData/Roaming/PolarisOffice/ETemp/5684_5624520/fImage29452195724.png"/>
+          <p:cNvPr id="31" name="그림 29" descr="C:/Users/Admin1/AppData/Roaming/PolarisOffice/ETemp/20156_22415520/fImage29452195724.png"/>
           <p:cNvPicPr>
             <a:picLocks noChangeAspect="1"/>
           </p:cNvPicPr>
@@ -9062,10 +9173,12 @@
         <p:spPr>
           <a:xfrm rot="0">
             <a:off x="6834505" y="4522470"/>
-            <a:ext cx="3890645" cy="989965"/>
-          </a:xfrm>
-          <a:prstGeom prst="rect"/>
-          <a:noFill/>
+            <a:ext cx="3891280" cy="990600"/>
+          </a:xfrm>
+          <a:prstGeom prst="roundRect"/>
+          <a:solidFill>
+            <a:srgbClr val="EDEDED"/>
+          </a:solidFill>
         </p:spPr>
       </p:pic>
     </p:spTree>

--- a/Assets/Class/Photon Server/PPT Data/Photon Voice.pptx
+++ b/Assets/Class/Photon Server/PPT Data/Photon Voice.pptx
@@ -2,7 +2,7 @@
 <file path=ppt/presentation.xml><?xml version="1.0" encoding="utf-8"?>
 <p:presentation xmlns:a="http://schemas.openxmlformats.org/drawingml/2006/main" xmlns:r="http://schemas.openxmlformats.org/officeDocument/2006/relationships" xmlns:p="http://schemas.openxmlformats.org/presentationml/2006/main" xmlns:p14="http://schemas.microsoft.com/office/powerpoint/2010/main" saveSubsetFonts="1" firstSlideNum="0">
   <p:sldMasterIdLst>
-    <p:sldMasterId id="2147486743" r:id="rId12"/>
+    <p:sldMasterId id="2147486744" r:id="rId12"/>
   </p:sldMasterIdLst>
   <p:notesMasterIdLst>
     <p:notesMasterId r:id="rId14"/>
@@ -11,10 +11,10 @@
     <p:sldId id="315" r:id="rId16"/>
     <p:sldId id="317" r:id="rId18"/>
     <p:sldId id="307" r:id="rId20"/>
-    <p:sldId id="308" r:id="rId21"/>
-    <p:sldId id="313" r:id="rId22"/>
-    <p:sldId id="314" r:id="rId23"/>
-    <p:sldId id="316" r:id="rId24"/>
+    <p:sldId id="308" r:id="rId22"/>
+    <p:sldId id="313" r:id="rId24"/>
+    <p:sldId id="314" r:id="rId25"/>
+    <p:sldId id="316" r:id="rId26"/>
   </p:sldIdLst>
   <p:sldSz cx="12192000" cy="6858000"/>
   <p:notesSz cx="6858000" cy="9144000"/>
@@ -8688,7 +8688,7 @@
       </p:sp>
       <p:pic>
         <p:nvPicPr>
-          <p:cNvPr id="26" name="그림 15" descr="C:/Users/Admin1/AppData/Roaming/PolarisOffice/ETemp/20156_22415520/fImage376761096500.png"/>
+          <p:cNvPr id="26" name="그림 15" descr="C:/Users/Admin1/AppData/Roaming/PolarisOffice/ETemp/21760_21807680/fImage376761096500.png"/>
           <p:cNvPicPr>
             <a:picLocks noChangeAspect="1"/>
           </p:cNvPicPr>
@@ -8709,15 +8709,17 @@
         <p:spPr>
           <a:xfrm rot="0">
             <a:off x="1330325" y="2169795"/>
-            <a:ext cx="2270125" cy="2544445"/>
-          </a:xfrm>
-          <a:prstGeom prst="rect"/>
-          <a:noFill/>
+            <a:ext cx="2270760" cy="2545080"/>
+          </a:xfrm>
+          <a:prstGeom prst="roundRect"/>
+          <a:solidFill>
+            <a:srgbClr val="EDEDED"/>
+          </a:solidFill>
         </p:spPr>
       </p:pic>
       <p:pic>
         <p:nvPicPr>
-          <p:cNvPr id="27" name="그림 9" descr="C:/Users/Admin1/AppData/Roaming/PolarisOffice/ETemp/20156_22415520/fImage20961249169.png"/>
+          <p:cNvPr id="27" name="그림 9"/>
           <p:cNvPicPr>
             <a:picLocks noChangeAspect="1"/>
           </p:cNvPicPr>
@@ -8901,8 +8903,8 @@
         </p:nvSpPr>
         <p:spPr>
           <a:xfrm rot="0">
-            <a:off x="1470025" y="3524885"/>
-            <a:ext cx="3793490" cy="924560"/>
+            <a:off x="1478280" y="5220970"/>
+            <a:ext cx="3892550" cy="923925"/>
           </a:xfrm>
           <a:prstGeom prst="rect"/>
           <a:noFill/>
@@ -8954,7 +8956,7 @@
       </p:sp>
       <p:pic>
         <p:nvPicPr>
-          <p:cNvPr id="26" name="그림 1" descr="C:/Users/Admin1/AppData/Roaming/PolarisOffice/ETemp/20156_22415520/fImage414910041.png"/>
+          <p:cNvPr id="26" name="그림 1" descr="C:/Users/Admin1/AppData/Roaming/PolarisOffice/ETemp/21760_21807680/fImage414910041.png"/>
           <p:cNvPicPr>
             <a:picLocks noChangeAspect="1"/>
           </p:cNvPicPr>
@@ -8974,8 +8976,8 @@
         </p:blipFill>
         <p:spPr>
           <a:xfrm rot="0">
-            <a:off x="1481455" y="2388235"/>
-            <a:ext cx="1346835" cy="1037590"/>
+            <a:off x="1481455" y="2377440"/>
+            <a:ext cx="1113155" cy="1230630"/>
           </a:xfrm>
           <a:prstGeom prst="roundRect"/>
           <a:solidFill>
@@ -8985,7 +8987,7 @@
       </p:pic>
       <p:pic>
         <p:nvPicPr>
-          <p:cNvPr id="27" name="그림 2" descr="C:/Users/Admin1/AppData/Roaming/PolarisOffice/ETemp/20156_22415520/fImage63921018467.png"/>
+          <p:cNvPr id="27" name="그림 2" descr="C:/Users/Admin1/AppData/Roaming/PolarisOffice/ETemp/21760_21807680/fImage63921018467.png"/>
           <p:cNvPicPr>
             <a:picLocks noChangeAspect="1"/>
           </p:cNvPicPr>
@@ -9005,8 +9007,8 @@
         </p:blipFill>
         <p:spPr>
           <a:xfrm rot="0">
-            <a:off x="3192145" y="2383790"/>
-            <a:ext cx="2080260" cy="1042035"/>
+            <a:off x="2726690" y="2383790"/>
+            <a:ext cx="2619375" cy="1224915"/>
           </a:xfrm>
           <a:prstGeom prst="roundRect"/>
           <a:solidFill>
@@ -9016,7 +9018,7 @@
       </p:pic>
       <p:pic>
         <p:nvPicPr>
-          <p:cNvPr id="28" name="그림 3" descr="C:/Users/Admin1/AppData/Roaming/PolarisOffice/ETemp/20156_22415520/fImage180121026334.png"/>
+          <p:cNvPr id="28" name="그림 3" descr="C:/Users/Admin1/AppData/Roaming/PolarisOffice/ETemp/21760_21807680/fImage180121026334.png"/>
           <p:cNvPicPr>
             <a:picLocks noChangeAspect="1"/>
           </p:cNvPicPr>
@@ -9037,7 +9039,7 @@
         <p:spPr>
           <a:xfrm rot="0">
             <a:off x="6833235" y="1383665"/>
-            <a:ext cx="3883660" cy="1630680"/>
+            <a:ext cx="4049395" cy="2366010"/>
           </a:xfrm>
           <a:prstGeom prst="roundRect"/>
           <a:solidFill>
@@ -9056,7 +9058,7 @@
         <p:spPr>
           <a:xfrm rot="0">
             <a:off x="1476375" y="1337310"/>
-            <a:ext cx="3791585" cy="923925"/>
+            <a:ext cx="3869690" cy="923925"/>
           </a:xfrm>
           <a:prstGeom prst="rect"/>
           <a:noFill/>
@@ -9099,8 +9101,8 @@
         </p:nvSpPr>
         <p:spPr>
           <a:xfrm rot="0">
-            <a:off x="6842125" y="3154680"/>
-            <a:ext cx="3975735" cy="1201420"/>
+            <a:off x="6833870" y="4942205"/>
+            <a:ext cx="4057015" cy="1200785"/>
           </a:xfrm>
           <a:prstGeom prst="rect"/>
           <a:noFill/>
@@ -9152,7 +9154,7 @@
       </p:sp>
       <p:pic>
         <p:nvPicPr>
-          <p:cNvPr id="31" name="그림 29" descr="C:/Users/Admin1/AppData/Roaming/PolarisOffice/ETemp/20156_22415520/fImage29452195724.png"/>
+          <p:cNvPr id="31" name="그림 29" descr="C:/Users/Admin1/AppData/Roaming/PolarisOffice/ETemp/21760_21807680/fImage29452195724.png"/>
           <p:cNvPicPr>
             <a:picLocks noChangeAspect="1"/>
           </p:cNvPicPr>
@@ -9172,8 +9174,8 @@
         </p:blipFill>
         <p:spPr>
           <a:xfrm rot="0">
-            <a:off x="6834505" y="4522470"/>
-            <a:ext cx="3891280" cy="990600"/>
+            <a:off x="6834505" y="3898265"/>
+            <a:ext cx="4048125" cy="883285"/>
           </a:xfrm>
           <a:prstGeom prst="roundRect"/>
           <a:solidFill>

--- a/Assets/Class/Photon Server/PPT Data/Photon Voice.pptx
+++ b/Assets/Class/Photon Server/PPT Data/Photon Voice.pptx
@@ -2,19 +2,19 @@
 <file path=ppt/presentation.xml><?xml version="1.0" encoding="utf-8"?>
 <p:presentation xmlns:a="http://schemas.openxmlformats.org/drawingml/2006/main" xmlns:r="http://schemas.openxmlformats.org/officeDocument/2006/relationships" xmlns:p="http://schemas.openxmlformats.org/presentationml/2006/main" xmlns:p14="http://schemas.microsoft.com/office/powerpoint/2010/main" saveSubsetFonts="1" firstSlideNum="0">
   <p:sldMasterIdLst>
-    <p:sldMasterId id="2147486919" r:id="rId12"/>
+    <p:sldMasterId id="2147486920" r:id="rId12"/>
   </p:sldMasterIdLst>
   <p:notesMasterIdLst>
     <p:notesMasterId r:id="rId14"/>
   </p:notesMasterIdLst>
   <p:sldIdLst>
     <p:sldId id="313" r:id="rId16"/>
-    <p:sldId id="323" r:id="rId17"/>
-    <p:sldId id="314" r:id="rId18"/>
-    <p:sldId id="315" r:id="rId19"/>
-    <p:sldId id="316" r:id="rId20"/>
-    <p:sldId id="317" r:id="rId21"/>
-    <p:sldId id="318" r:id="rId22"/>
+    <p:sldId id="323" r:id="rId18"/>
+    <p:sldId id="314" r:id="rId19"/>
+    <p:sldId id="315" r:id="rId21"/>
+    <p:sldId id="316" r:id="rId23"/>
+    <p:sldId id="317" r:id="rId24"/>
+    <p:sldId id="318" r:id="rId26"/>
   </p:sldIdLst>
   <p:sldSz cx="12192000" cy="6858000"/>
   <p:notesSz cx="6858000" cy="9144000"/>
@@ -7101,7 +7101,7 @@
       </p:sp>
       <p:pic>
         <p:nvPicPr>
-          <p:cNvPr id="33" name="그림 13" descr="C:/Users/Admin1/AppData/Roaming/PolarisOffice/ETemp/26488_11137448/fImage403863016500.png"/>
+          <p:cNvPr id="33" name="그림 13" descr="C:/Users/Admin1/AppData/Roaming/PolarisOffice/ETemp/19276_21625256/fImage403863016500.png"/>
           <p:cNvPicPr>
             <a:picLocks noChangeAspect="1"/>
           </p:cNvPicPr>
@@ -7122,7 +7122,7 @@
         <p:spPr>
           <a:xfrm rot="0">
             <a:off x="1240790" y="1455420"/>
-            <a:ext cx="4135120" cy="3601085"/>
+            <a:ext cx="4135755" cy="3601720"/>
           </a:xfrm>
           <a:prstGeom prst="roundRect"/>
           <a:solidFill>
@@ -7132,7 +7132,7 @@
       </p:pic>
       <p:pic>
         <p:nvPicPr>
-          <p:cNvPr id="34" name="그림 3" descr="C:/Users/Admin1/AppData/Roaming/PolarisOffice/ETemp/26488_11137448/fImage330252146500.png"/>
+          <p:cNvPr id="34" name="그림 3"/>
           <p:cNvPicPr>
             <a:picLocks noChangeAspect="1"/>
           </p:cNvPicPr>
@@ -7161,16 +7161,139 @@
           </a:solidFill>
         </p:spPr>
       </p:pic>
+      <p:sp>
+        <p:nvSpPr>
+          <p:cNvPr id="36" name="텍스트 상자 7"/>
+          <p:cNvSpPr txBox="1">
+            <a:spLocks/>
+          </p:cNvSpPr>
+          <p:nvPr/>
+        </p:nvSpPr>
+        <p:spPr>
+          <a:xfrm rot="0">
+            <a:off x="6821170" y="5260340"/>
+            <a:ext cx="4144645" cy="954405"/>
+          </a:xfrm>
+          <a:prstGeom prst="rect"/>
+          <a:noFill/>
+          <a:ln w="0">
+            <a:noFill/>
+            <a:prstDash/>
+          </a:ln>
+        </p:spPr>
+        <p:txBody>
+          <a:bodyPr wrap="square" lIns="89535" tIns="46355" rIns="89535" bIns="46355" numCol="1" vert="horz" anchor="t">
+            <a:spAutoFit/>
+          </a:bodyPr>
+          <a:lstStyle/>
+          <a:p>
+            <a:pPr marL="0" indent="0" rtl="0" algn="l" defTabSz="914400" eaLnBrk="1" latinLnBrk="0" hangingPunct="1">
+              <a:buFontTx/>
+              <a:buNone/>
+            </a:pPr>
+            <a:r>
+              <a:rPr lang="ko-KR" sz="2000" b="1">
+                <a:solidFill>
+                  <a:srgbClr val="0611F2"/>
+                </a:solidFill>
+                <a:latin typeface="맑은 고딕" charset="0"/>
+                <a:ea typeface="맑은 고딕" charset="0"/>
+              </a:rPr>
+              <a:t>4</a:t>
+            </a:r>
+            <a:r>
+              <a:rPr sz="2000" b="1">
+                <a:solidFill>
+                  <a:srgbClr val="0611F2"/>
+                </a:solidFill>
+                <a:latin typeface="맑은 고딕" charset="0"/>
+                <a:ea typeface="맑은 고딕" charset="0"/>
+              </a:rPr>
+              <a:t>.</a:t>
+            </a:r>
+            <a:r>
+              <a:rPr sz="2000" b="1">
+                <a:solidFill>
+                  <a:srgbClr val="0611F2"/>
+                </a:solidFill>
+                <a:latin typeface="맑은 고딕" charset="0"/>
+                <a:ea typeface="맑은 고딕" charset="0"/>
+              </a:rPr>
+              <a:t> </a:t>
+            </a:r>
+            <a:r>
+              <a:rPr sz="1800">
+                <a:latin typeface="맑은 고딕" charset="0"/>
+                <a:ea typeface="맑은 고딕" charset="0"/>
+              </a:rPr>
+              <a:t>그다음으로 </a:t>
+            </a:r>
+            <a:r>
+              <a:rPr lang="ko-KR" sz="1800">
+                <a:latin typeface="맑은 고딕" charset="0"/>
+                <a:ea typeface="맑은 고딕" charset="0"/>
+              </a:rPr>
+              <a:t>빈 게임 오브젝트를 </a:t>
+            </a:r>
+            <a:r>
+              <a:rPr lang="ko-KR" sz="1800">
+                <a:latin typeface="맑은 고딕" charset="0"/>
+                <a:ea typeface="맑은 고딕" charset="0"/>
+              </a:rPr>
+              <a:t>생성하고</a:t>
+            </a:r>
+            <a:r>
+              <a:rPr lang="ko-KR" sz="1800">
+                <a:latin typeface="맑은 고딕" charset="0"/>
+                <a:ea typeface="맑은 고딕" charset="0"/>
+              </a:rPr>
+              <a:t> Network Voice </a:t>
+            </a:r>
+            <a:r>
+              <a:rPr lang="ko-KR" sz="1800">
+                <a:latin typeface="맑은 고딕" charset="0"/>
+                <a:ea typeface="맑은 고딕" charset="0"/>
+              </a:rPr>
+              <a:t>Manager라는</a:t>
+            </a:r>
+            <a:r>
+              <a:rPr lang="ko-KR" sz="1800">
+                <a:latin typeface="맑은 고딕" charset="0"/>
+                <a:ea typeface="맑은 고딕" charset="0"/>
+              </a:rPr>
+              <a:t> </a:t>
+            </a:r>
+            <a:r>
+              <a:rPr lang="ko-KR" sz="1800">
+                <a:latin typeface="맑은 고딕" charset="0"/>
+                <a:ea typeface="맑은 고딕" charset="0"/>
+              </a:rPr>
+              <a:t>이름으로</a:t>
+            </a:r>
+            <a:r>
+              <a:rPr lang="ko-KR" sz="1800">
+                <a:latin typeface="맑은 고딕" charset="0"/>
+                <a:ea typeface="맑은 고딕" charset="0"/>
+              </a:rPr>
+              <a:t> 정의합니다.</a:t>
+            </a:r>
+            <a:endParaRPr lang="ko-KR" altLang="en-US" sz="1800">
+              <a:latin typeface="맑은 고딕" charset="0"/>
+              <a:ea typeface="맑은 고딕" charset="0"/>
+            </a:endParaRPr>
+          </a:p>
+        </p:txBody>
+      </p:sp>
       <p:pic>
         <p:nvPicPr>
-          <p:cNvPr id="35" name="그림 4" descr="C:/Users/Admin1/AppData/Roaming/PolarisOffice/ETemp/26488_11137448/fImage811212741.png"/>
+          <p:cNvPr id="37" name="그림 1" descr="C:/Users/Admin1/AppData/Roaming/PolarisOffice/ETemp/19276_21625256/fImage875511041.png"/>
           <p:cNvPicPr>
             <a:picLocks noChangeAspect="1"/>
           </p:cNvPicPr>
           <p:nvPr/>
         </p:nvPicPr>
         <p:blipFill rotWithShape="1">
-          <a:blip r:embed="rId8" cstate="print">
+          <a:blip r:embed="rId9" cstate="print">
             <a:extLst>
               <a:ext uri="{28A0092B-C50C-407E-A947-70E740481C1C}">
                 <a14:useLocalDpi xmlns:a14="http://schemas.microsoft.com/office/drawing/2010/main" val="0"/>
@@ -7183,8 +7306,8 @@
         </p:blipFill>
         <p:spPr>
           <a:xfrm rot="0">
-            <a:off x="9449435" y="2230755"/>
-            <a:ext cx="1516380" cy="2050415"/>
+            <a:off x="9466580" y="2110105"/>
+            <a:ext cx="1499235" cy="2283460"/>
           </a:xfrm>
           <a:prstGeom prst="roundRect"/>
           <a:solidFill>
@@ -7192,129 +7315,6 @@
           </a:solidFill>
         </p:spPr>
       </p:pic>
-      <p:sp>
-        <p:nvSpPr>
-          <p:cNvPr id="36" name="텍스트 상자 7"/>
-          <p:cNvSpPr txBox="1">
-            <a:spLocks/>
-          </p:cNvSpPr>
-          <p:nvPr/>
-        </p:nvSpPr>
-        <p:spPr>
-          <a:xfrm rot="0">
-            <a:off x="6821170" y="5251450"/>
-            <a:ext cx="4144645" cy="954405"/>
-          </a:xfrm>
-          <a:prstGeom prst="rect"/>
-          <a:noFill/>
-          <a:ln w="0">
-            <a:noFill/>
-            <a:prstDash/>
-          </a:ln>
-        </p:spPr>
-        <p:txBody>
-          <a:bodyPr wrap="square" lIns="89535" tIns="46355" rIns="89535" bIns="46355" numCol="1" vert="horz" anchor="t">
-            <a:spAutoFit/>
-          </a:bodyPr>
-          <a:lstStyle/>
-          <a:p>
-            <a:pPr marL="0" indent="0" rtl="0" algn="l" defTabSz="914400" eaLnBrk="1" latinLnBrk="0" hangingPunct="1">
-              <a:buFontTx/>
-              <a:buNone/>
-            </a:pPr>
-            <a:r>
-              <a:rPr lang="ko-KR" sz="2000" b="1">
-                <a:solidFill>
-                  <a:srgbClr val="0611F2"/>
-                </a:solidFill>
-                <a:latin typeface="맑은 고딕" charset="0"/>
-                <a:ea typeface="맑은 고딕" charset="0"/>
-              </a:rPr>
-              <a:t>4</a:t>
-            </a:r>
-            <a:r>
-              <a:rPr sz="2000" b="1">
-                <a:solidFill>
-                  <a:srgbClr val="0611F2"/>
-                </a:solidFill>
-                <a:latin typeface="맑은 고딕" charset="0"/>
-                <a:ea typeface="맑은 고딕" charset="0"/>
-              </a:rPr>
-              <a:t>.</a:t>
-            </a:r>
-            <a:r>
-              <a:rPr sz="2000" b="1">
-                <a:solidFill>
-                  <a:srgbClr val="0611F2"/>
-                </a:solidFill>
-                <a:latin typeface="맑은 고딕" charset="0"/>
-                <a:ea typeface="맑은 고딕" charset="0"/>
-              </a:rPr>
-              <a:t> </a:t>
-            </a:r>
-            <a:r>
-              <a:rPr sz="1800">
-                <a:latin typeface="맑은 고딕" charset="0"/>
-                <a:ea typeface="맑은 고딕" charset="0"/>
-              </a:rPr>
-              <a:t>그다음으로 </a:t>
-            </a:r>
-            <a:r>
-              <a:rPr lang="ko-KR" sz="1800">
-                <a:latin typeface="맑은 고딕" charset="0"/>
-                <a:ea typeface="맑은 고딕" charset="0"/>
-              </a:rPr>
-              <a:t>빈 게임 오브젝트를 </a:t>
-            </a:r>
-            <a:r>
-              <a:rPr lang="ko-KR" sz="1800">
-                <a:latin typeface="맑은 고딕" charset="0"/>
-                <a:ea typeface="맑은 고딕" charset="0"/>
-              </a:rPr>
-              <a:t>생성하고</a:t>
-            </a:r>
-            <a:r>
-              <a:rPr lang="ko-KR" sz="1800">
-                <a:latin typeface="맑은 고딕" charset="0"/>
-                <a:ea typeface="맑은 고딕" charset="0"/>
-              </a:rPr>
-              <a:t> Network Voice </a:t>
-            </a:r>
-            <a:r>
-              <a:rPr lang="ko-KR" sz="1800">
-                <a:latin typeface="맑은 고딕" charset="0"/>
-                <a:ea typeface="맑은 고딕" charset="0"/>
-              </a:rPr>
-              <a:t>Manager라는</a:t>
-            </a:r>
-            <a:r>
-              <a:rPr lang="ko-KR" sz="1800">
-                <a:latin typeface="맑은 고딕" charset="0"/>
-                <a:ea typeface="맑은 고딕" charset="0"/>
-              </a:rPr>
-              <a:t> </a:t>
-            </a:r>
-            <a:r>
-              <a:rPr lang="ko-KR" sz="1800">
-                <a:latin typeface="맑은 고딕" charset="0"/>
-                <a:ea typeface="맑은 고딕" charset="0"/>
-              </a:rPr>
-              <a:t>이름으로</a:t>
-            </a:r>
-            <a:r>
-              <a:rPr lang="ko-KR" sz="1800">
-                <a:latin typeface="맑은 고딕" charset="0"/>
-                <a:ea typeface="맑은 고딕" charset="0"/>
-              </a:rPr>
-              <a:t> 정의합니다.</a:t>
-            </a:r>
-            <a:endParaRPr lang="ko-KR" altLang="en-US" sz="1800">
-              <a:latin typeface="맑은 고딕" charset="0"/>
-              <a:ea typeface="맑은 고딕" charset="0"/>
-            </a:endParaRPr>
-          </a:p>
-        </p:txBody>
-      </p:sp>
     </p:spTree>
   </p:cSld>
   <p:clrMapOvr>
@@ -8603,7 +8603,7 @@
         <p:spPr>
           <a:xfrm rot="0">
             <a:off x="1231900" y="4869815"/>
-            <a:ext cx="4161155" cy="1200785"/>
+            <a:ext cx="4169410" cy="1200785"/>
           </a:xfrm>
           <a:prstGeom prst="rect"/>
           <a:noFill/>
@@ -8630,27 +8630,7 @@
                 <a:latin typeface="맑은 고딕" charset="0"/>
                 <a:ea typeface="맑은 고딕" charset="0"/>
               </a:rPr>
-              <a:t>1</a:t>
-            </a:r>
-            <a:r>
-              <a:rPr sz="1800" b="1">
-                <a:solidFill>
-                  <a:srgbClr val="0611F2"/>
-                </a:solidFill>
-                <a:latin typeface="맑은 고딕" charset="0"/>
-                <a:ea typeface="맑은 고딕" charset="0"/>
-              </a:rPr>
-              <a:t>1</a:t>
-            </a:r>
-            <a:r>
-              <a:rPr sz="1800" b="1">
-                <a:solidFill>
-                  <a:srgbClr val="0611F2"/>
-                </a:solidFill>
-                <a:latin typeface="맑은 고딕" charset="0"/>
-                <a:ea typeface="맑은 고딕" charset="0"/>
-              </a:rPr>
-              <a:t>.</a:t>
+              <a:t>11.</a:t>
             </a:r>
             <a:r>
               <a:rPr sz="1800">
@@ -8678,6 +8658,27 @@
                 <a:latin typeface="맑은 고딕" charset="0"/>
                 <a:ea typeface="맑은 고딕" charset="0"/>
               </a:rPr>
+              <a:t> 있는 </a:t>
+            </a:r>
+            <a:r>
+              <a:rPr sz="1800">
+                <a:latin typeface="맑은 고딕" charset="0"/>
+                <a:ea typeface="맑은 고딕" charset="0"/>
+              </a:rPr>
+              <a:t>Primary Recorder</a:t>
+            </a:r>
+            <a:r>
+              <a:rPr lang="ko-KR" sz="1800">
+                <a:latin typeface="맑은 고딕" charset="0"/>
+                <a:ea typeface="맑은 고딕" charset="0"/>
+              </a:rPr>
+              <a:t>에</a:t>
+            </a:r>
+            <a:r>
+              <a:rPr sz="1800">
+                <a:latin typeface="맑은 고딕" charset="0"/>
+                <a:ea typeface="맑은 고딕" charset="0"/>
+              </a:rPr>
               <a:t> </a:t>
             </a:r>
             <a:r>
@@ -8685,77 +8686,14 @@
                 <a:latin typeface="맑은 고딕" charset="0"/>
                 <a:ea typeface="맑은 고딕" charset="0"/>
               </a:rPr>
-              <a:t>있는</a:t>
+              <a:t>Network</a:t>
             </a:r>
             <a:r>
               <a:rPr lang="ko-KR" sz="1800">
                 <a:latin typeface="맑은 고딕" charset="0"/>
                 <a:ea typeface="맑은 고딕" charset="0"/>
               </a:rPr>
-              <a:t> </a:t>
-            </a:r>
-            <a:r>
-              <a:rPr sz="1800">
-                <a:latin typeface="맑은 고딕" charset="0"/>
-                <a:ea typeface="맑은 고딕" charset="0"/>
-              </a:rPr>
-              <a:t>Primary</a:t>
-            </a:r>
-            <a:r>
-              <a:rPr sz="1800">
-                <a:latin typeface="맑은 고딕" charset="0"/>
-                <a:ea typeface="맑은 고딕" charset="0"/>
-              </a:rPr>
-              <a:t> Recorder</a:t>
-            </a:r>
-            <a:r>
-              <a:rPr lang="ko-KR" sz="1800">
-                <a:latin typeface="맑은 고딕" charset="0"/>
-                <a:ea typeface="맑은 고딕" charset="0"/>
-              </a:rPr>
-              <a:t>에</a:t>
-            </a:r>
-            <a:r>
-              <a:rPr sz="1800">
-                <a:latin typeface="맑은 고딕" charset="0"/>
-                <a:ea typeface="맑은 고딕" charset="0"/>
-              </a:rPr>
-              <a:t> </a:t>
-            </a:r>
-            <a:r>
-              <a:rPr lang="ko-KR" sz="1800">
-                <a:latin typeface="맑은 고딕" charset="0"/>
-                <a:ea typeface="맑은 고딕" charset="0"/>
-              </a:rPr>
-              <a:t>Network</a:t>
-            </a:r>
-            <a:r>
-              <a:rPr lang="ko-KR" sz="1800">
-                <a:latin typeface="맑은 고딕" charset="0"/>
-                <a:ea typeface="맑은 고딕" charset="0"/>
-              </a:rPr>
-              <a:t> </a:t>
-            </a:r>
-            <a:r>
-              <a:rPr lang="ko-KR" sz="1800">
-                <a:latin typeface="맑은 고딕" charset="0"/>
-                <a:ea typeface="맑은 고딕" charset="0"/>
-              </a:rPr>
-              <a:t>Voice</a:t>
-            </a:r>
-            <a:r>
-              <a:rPr lang="ko-KR" sz="1800">
-                <a:latin typeface="맑은 고딕" charset="0"/>
-                <a:ea typeface="맑은 고딕" charset="0"/>
-              </a:rPr>
-              <a:t> </a:t>
-            </a:r>
-            <a:r>
-              <a:rPr lang="ko-KR" sz="1800">
-                <a:latin typeface="맑은 고딕" charset="0"/>
-                <a:ea typeface="맑은 고딕" charset="0"/>
-              </a:rPr>
-              <a:t>Manager</a:t>
+              <a:t> Voice Manager</a:t>
             </a:r>
             <a:r>
               <a:rPr sz="1800">
@@ -8787,7 +8725,7 @@
       </p:sp>
       <p:pic>
         <p:nvPicPr>
-          <p:cNvPr id="38" name="그림 57" descr="C:/Users/Admin1/AppData/Roaming/PolarisOffice/ETemp/26488_11137448/fImage318592564464.png"/>
+          <p:cNvPr id="38" name="그림 57"/>
           <p:cNvPicPr>
             <a:picLocks noChangeAspect="1"/>
           </p:cNvPicPr>
@@ -8818,7 +8756,7 @@
       </p:pic>
       <p:pic>
         <p:nvPicPr>
-          <p:cNvPr id="43" name="그림 70" descr="C:/Users/Admin1/AppData/Roaming/PolarisOffice/ETemp/26488_11137448/fImage376762648145.png"/>
+          <p:cNvPr id="43" name="그림 70"/>
           <p:cNvPicPr>
             <a:picLocks noChangeAspect="1"/>
           </p:cNvPicPr>
@@ -8979,14 +8917,14 @@
       </p:sp>
       <p:pic>
         <p:nvPicPr>
-          <p:cNvPr id="48" name="그림 19" descr="C:/Users/Admin1/AppData/Roaming/PolarisOffice/ETemp/26488_11137448/fImage80572146334.png"/>
+          <p:cNvPr id="45" name="그림 4" descr="C:/Users/Admin1/AppData/Roaming/PolarisOffice/ETemp/19276_21625256/fImage87551118467.png"/>
           <p:cNvPicPr>
             <a:picLocks noChangeAspect="1"/>
           </p:cNvPicPr>
           <p:nvPr/>
         </p:nvPicPr>
         <p:blipFill rotWithShape="1">
-          <a:blip r:embed="rId9" cstate="print">
+          <a:blip r:embed="rId10" cstate="print">
             <a:extLst>
               <a:ext uri="{28A0092B-C50C-407E-A947-70E740481C1C}">
                 <a14:useLocalDpi xmlns:a14="http://schemas.microsoft.com/office/drawing/2010/main" val="0"/>
@@ -8999,8 +8937,8 @@
         </p:blipFill>
         <p:spPr>
           <a:xfrm rot="0">
-            <a:off x="1240790" y="1946275"/>
-            <a:ext cx="1438910" cy="2188845"/>
+            <a:off x="1223645" y="2127250"/>
+            <a:ext cx="1490345" cy="2094230"/>
           </a:xfrm>
           <a:prstGeom prst="roundRect"/>
           <a:solidFill>
@@ -9016,8 +8954,8 @@
         </p:nvCxnSpPr>
         <p:spPr>
           <a:xfrm rot="0" flipV="1">
-            <a:off x="2609850" y="3549015"/>
-            <a:ext cx="2671445" cy="387985"/>
+            <a:off x="2661920" y="3549015"/>
+            <a:ext cx="2620010" cy="439420"/>
           </a:xfrm>
           <a:prstGeom prst="straightConnector1"/>
           <a:ln w="6350" cap="flat" cmpd="sng">
